--- a/Python-Slides/Libraries-in-Python-Session#14.pptx
+++ b/Python-Slides/Libraries-in-Python-Session#14.pptx
@@ -7,20 +7,23 @@
   <p:sldIdLst>
     <p:sldId id="256" r:id="rId2"/>
     <p:sldId id="257" r:id="rId3"/>
-    <p:sldId id="258" r:id="rId4"/>
-    <p:sldId id="259" r:id="rId5"/>
-    <p:sldId id="260" r:id="rId6"/>
-    <p:sldId id="261" r:id="rId7"/>
-    <p:sldId id="262" r:id="rId8"/>
-    <p:sldId id="263" r:id="rId9"/>
-    <p:sldId id="264" r:id="rId10"/>
-    <p:sldId id="265" r:id="rId11"/>
-    <p:sldId id="266" r:id="rId12"/>
-    <p:sldId id="267" r:id="rId13"/>
-    <p:sldId id="268" r:id="rId14"/>
-    <p:sldId id="269" r:id="rId15"/>
-    <p:sldId id="270" r:id="rId16"/>
-    <p:sldId id="271" r:id="rId17"/>
+    <p:sldId id="272" r:id="rId4"/>
+    <p:sldId id="273" r:id="rId5"/>
+    <p:sldId id="258" r:id="rId6"/>
+    <p:sldId id="259" r:id="rId7"/>
+    <p:sldId id="261" r:id="rId8"/>
+    <p:sldId id="262" r:id="rId9"/>
+    <p:sldId id="263" r:id="rId10"/>
+    <p:sldId id="264" r:id="rId11"/>
+    <p:sldId id="265" r:id="rId12"/>
+    <p:sldId id="266" r:id="rId13"/>
+    <p:sldId id="267" r:id="rId14"/>
+    <p:sldId id="268" r:id="rId15"/>
+    <p:sldId id="269" r:id="rId16"/>
+    <p:sldId id="270" r:id="rId17"/>
+    <p:sldId id="271" r:id="rId18"/>
+    <p:sldId id="274" r:id="rId19"/>
+    <p:sldId id="275" r:id="rId20"/>
   </p:sldIdLst>
   <p:sldSz cx="12192000" cy="6858000"/>
   <p:notesSz cx="6858000" cy="9144000"/>
@@ -276,7 +279,7 @@
           <a:p>
             <a:fld id="{53DE1585-65B4-4A07-94E8-60A92295DB32}" type="datetimeFigureOut">
               <a:rPr lang="en-IN" smtClean="0"/>
-              <a:t>26-11-2020</a:t>
+              <a:t>20-04-2021</a:t>
             </a:fld>
             <a:endParaRPr lang="en-IN"/>
           </a:p>
@@ -476,7 +479,7 @@
           <a:p>
             <a:fld id="{53DE1585-65B4-4A07-94E8-60A92295DB32}" type="datetimeFigureOut">
               <a:rPr lang="en-IN" smtClean="0"/>
-              <a:t>26-11-2020</a:t>
+              <a:t>20-04-2021</a:t>
             </a:fld>
             <a:endParaRPr lang="en-IN"/>
           </a:p>
@@ -686,7 +689,7 @@
           <a:p>
             <a:fld id="{53DE1585-65B4-4A07-94E8-60A92295DB32}" type="datetimeFigureOut">
               <a:rPr lang="en-IN" smtClean="0"/>
-              <a:t>26-11-2020</a:t>
+              <a:t>20-04-2021</a:t>
             </a:fld>
             <a:endParaRPr lang="en-IN"/>
           </a:p>
@@ -886,7 +889,7 @@
           <a:p>
             <a:fld id="{53DE1585-65B4-4A07-94E8-60A92295DB32}" type="datetimeFigureOut">
               <a:rPr lang="en-IN" smtClean="0"/>
-              <a:t>26-11-2020</a:t>
+              <a:t>20-04-2021</a:t>
             </a:fld>
             <a:endParaRPr lang="en-IN"/>
           </a:p>
@@ -1162,7 +1165,7 @@
           <a:p>
             <a:fld id="{53DE1585-65B4-4A07-94E8-60A92295DB32}" type="datetimeFigureOut">
               <a:rPr lang="en-IN" smtClean="0"/>
-              <a:t>26-11-2020</a:t>
+              <a:t>20-04-2021</a:t>
             </a:fld>
             <a:endParaRPr lang="en-IN"/>
           </a:p>
@@ -1430,7 +1433,7 @@
           <a:p>
             <a:fld id="{53DE1585-65B4-4A07-94E8-60A92295DB32}" type="datetimeFigureOut">
               <a:rPr lang="en-IN" smtClean="0"/>
-              <a:t>26-11-2020</a:t>
+              <a:t>20-04-2021</a:t>
             </a:fld>
             <a:endParaRPr lang="en-IN"/>
           </a:p>
@@ -1845,7 +1848,7 @@
           <a:p>
             <a:fld id="{53DE1585-65B4-4A07-94E8-60A92295DB32}" type="datetimeFigureOut">
               <a:rPr lang="en-IN" smtClean="0"/>
-              <a:t>26-11-2020</a:t>
+              <a:t>20-04-2021</a:t>
             </a:fld>
             <a:endParaRPr lang="en-IN"/>
           </a:p>
@@ -1987,7 +1990,7 @@
           <a:p>
             <a:fld id="{53DE1585-65B4-4A07-94E8-60A92295DB32}" type="datetimeFigureOut">
               <a:rPr lang="en-IN" smtClean="0"/>
-              <a:t>26-11-2020</a:t>
+              <a:t>20-04-2021</a:t>
             </a:fld>
             <a:endParaRPr lang="en-IN"/>
           </a:p>
@@ -2100,7 +2103,7 @@
           <a:p>
             <a:fld id="{53DE1585-65B4-4A07-94E8-60A92295DB32}" type="datetimeFigureOut">
               <a:rPr lang="en-IN" smtClean="0"/>
-              <a:t>26-11-2020</a:t>
+              <a:t>20-04-2021</a:t>
             </a:fld>
             <a:endParaRPr lang="en-IN"/>
           </a:p>
@@ -2413,7 +2416,7 @@
           <a:p>
             <a:fld id="{53DE1585-65B4-4A07-94E8-60A92295DB32}" type="datetimeFigureOut">
               <a:rPr lang="en-IN" smtClean="0"/>
-              <a:t>26-11-2020</a:t>
+              <a:t>20-04-2021</a:t>
             </a:fld>
             <a:endParaRPr lang="en-IN"/>
           </a:p>
@@ -2702,7 +2705,7 @@
           <a:p>
             <a:fld id="{53DE1585-65B4-4A07-94E8-60A92295DB32}" type="datetimeFigureOut">
               <a:rPr lang="en-IN" smtClean="0"/>
-              <a:t>26-11-2020</a:t>
+              <a:t>20-04-2021</a:t>
             </a:fld>
             <a:endParaRPr lang="en-IN"/>
           </a:p>
@@ -2945,7 +2948,7 @@
           <a:p>
             <a:fld id="{53DE1585-65B4-4A07-94E8-60A92295DB32}" type="datetimeFigureOut">
               <a:rPr lang="en-IN" smtClean="0"/>
-              <a:t>26-11-2020</a:t>
+              <a:t>20-04-2021</a:t>
             </a:fld>
             <a:endParaRPr lang="en-IN"/>
           </a:p>
@@ -3413,8 +3416,8 @@
         </p:nvSpPr>
         <p:spPr>
           <a:xfrm>
-            <a:off x="1580224" y="1349406"/>
-            <a:ext cx="9596761" cy="692458"/>
+            <a:off x="1580224" y="1349405"/>
+            <a:ext cx="9863093" cy="901159"/>
           </a:xfrm>
           <a:prstGeom prst="roundRect">
             <a:avLst/>
@@ -3441,9 +3444,32 @@
             <a:pPr algn="ctr"/>
             <a:r>
               <a:rPr lang="en-US" dirty="0"/>
-              <a:t>Python library is a collection of functions and methods that allows you to perform many actions without writing your code.</a:t>
-            </a:r>
-            <a:endParaRPr lang="en-IN" dirty="0"/>
+              <a:t>Python library is a collection of functions and methods that allows you to perform many actions without writing your code. Each of the libraries in python are installed using </a:t>
+            </a:r>
+            <a:r>
+              <a:rPr lang="en-US" b="1" dirty="0"/>
+              <a:t>pip</a:t>
+            </a:r>
+            <a:r>
+              <a:rPr lang="en-US" dirty="0"/>
+              <a:t> tool.</a:t>
+            </a:r>
+          </a:p>
+          <a:p>
+            <a:pPr algn="ctr"/>
+            <a:r>
+              <a:rPr lang="en-US" dirty="0">
+                <a:solidFill>
+                  <a:srgbClr val="FF0000"/>
+                </a:solidFill>
+              </a:rPr>
+              <a:t>Pip= Pip installs packages.</a:t>
+            </a:r>
+            <a:endParaRPr lang="en-IN" dirty="0">
+              <a:solidFill>
+                <a:srgbClr val="FF0000"/>
+              </a:solidFill>
+            </a:endParaRPr>
           </a:p>
         </p:txBody>
       </p:sp>
@@ -3590,7 +3616,7 @@
           <p:cNvPr id="4" name="Rectangle: Rounded Corners 3">
             <a:extLst>
               <a:ext uri="{FF2B5EF4-FFF2-40B4-BE49-F238E27FC236}">
-                <a16:creationId xmlns:a16="http://schemas.microsoft.com/office/drawing/2014/main" id="{D946F8E6-BBAF-4077-AACB-1CC2E7DB5BDC}"/>
+                <a16:creationId xmlns:a16="http://schemas.microsoft.com/office/drawing/2014/main" id="{BE492C80-B930-4399-AF64-507E6AD0EDFF}"/>
               </a:ext>
             </a:extLst>
           </p:cNvPr>
@@ -3599,8 +3625,8 @@
         </p:nvSpPr>
         <p:spPr>
           <a:xfrm>
-            <a:off x="1740022" y="1296135"/>
-            <a:ext cx="6986727" cy="541538"/>
+            <a:off x="2139518" y="1003177"/>
+            <a:ext cx="6498455" cy="701336"/>
           </a:xfrm>
           <a:prstGeom prst="roundRect">
             <a:avLst/>
@@ -3627,7 +3653,7 @@
             <a:pPr algn="ctr"/>
             <a:r>
               <a:rPr lang="en-US" dirty="0"/>
-              <a:t>Checking the shape of NumPy arrays.</a:t>
+              <a:t>Initializing NumPy array with random numbers.</a:t>
             </a:r>
             <a:endParaRPr lang="en-IN" dirty="0"/>
           </a:p>
@@ -3638,7 +3664,7 @@
           <p:cNvPr id="5" name="Rectangle: Diagonal Corners Rounded 4">
             <a:extLst>
               <a:ext uri="{FF2B5EF4-FFF2-40B4-BE49-F238E27FC236}">
-                <a16:creationId xmlns:a16="http://schemas.microsoft.com/office/drawing/2014/main" id="{40C67534-2581-4F13-9E16-04F1874B823B}"/>
+                <a16:creationId xmlns:a16="http://schemas.microsoft.com/office/drawing/2014/main" id="{E0B6DEC4-9A8D-436A-A52F-2E98CE2ABC6B}"/>
               </a:ext>
             </a:extLst>
           </p:cNvPr>
@@ -3647,8 +3673,8 @@
         </p:nvSpPr>
         <p:spPr>
           <a:xfrm>
-            <a:off x="2969580" y="2228293"/>
-            <a:ext cx="4527612" cy="2086252"/>
+            <a:off x="2565647" y="2769833"/>
+            <a:ext cx="5282213" cy="2059619"/>
           </a:xfrm>
           <a:prstGeom prst="round2DiagRect">
             <a:avLst/>
@@ -3692,17 +3718,17 @@
             </a:r>
             <a:r>
               <a:rPr lang="en-US" dirty="0" err="1"/>
-              <a:t>np.array</a:t>
-            </a:r>
-            <a:r>
-              <a:rPr lang="en-US" dirty="0"/>
-              <a:t>([[1,2,3],[4,5,6]])</a:t>
-            </a:r>
-          </a:p>
-          <a:p>
-            <a:r>
-              <a:rPr lang="en-US" dirty="0"/>
-              <a:t> n1.shape</a:t>
+              <a:t>np.random.randint</a:t>
+            </a:r>
+            <a:r>
+              <a:rPr lang="en-US" dirty="0"/>
+              <a:t>(1,100,5)</a:t>
+            </a:r>
+          </a:p>
+          <a:p>
+            <a:r>
+              <a:rPr lang="en-US" dirty="0"/>
+              <a:t> print(n1)</a:t>
             </a:r>
           </a:p>
           <a:p>
@@ -3717,186 +3743,7 @@
           <a:p>
             <a:r>
               <a:rPr lang="en-US" dirty="0"/>
-              <a:t>  (2,3)</a:t>
-            </a:r>
-            <a:endParaRPr lang="en-IN" dirty="0"/>
-          </a:p>
-        </p:txBody>
-      </p:sp>
-      <p:sp>
-        <p:nvSpPr>
-          <p:cNvPr id="6" name="Rectangle: Diagonal Corners Rounded 5">
-            <a:extLst>
-              <a:ext uri="{FF2B5EF4-FFF2-40B4-BE49-F238E27FC236}">
-                <a16:creationId xmlns:a16="http://schemas.microsoft.com/office/drawing/2014/main" id="{A448CA72-1B9D-450E-8F4C-873A9170FAB7}"/>
-              </a:ext>
-            </a:extLst>
-          </p:cNvPr>
-          <p:cNvSpPr/>
-          <p:nvPr/>
-        </p:nvSpPr>
-        <p:spPr>
-          <a:xfrm>
-            <a:off x="3222594" y="4669655"/>
-            <a:ext cx="4021584" cy="1615736"/>
-          </a:xfrm>
-          <a:prstGeom prst="round2DiagRect">
-            <a:avLst/>
-          </a:prstGeom>
-        </p:spPr>
-        <p:style>
-          <a:lnRef idx="2">
-            <a:schemeClr val="dk1"/>
-          </a:lnRef>
-          <a:fillRef idx="1">
-            <a:schemeClr val="lt1"/>
-          </a:fillRef>
-          <a:effectRef idx="0">
-            <a:schemeClr val="dk1"/>
-          </a:effectRef>
-          <a:fontRef idx="minor">
-            <a:schemeClr val="dk1"/>
-          </a:fontRef>
-        </p:style>
-        <p:txBody>
-          <a:bodyPr rtlCol="0" anchor="ctr"/>
-          <a:lstStyle/>
-          <a:p>
-            <a:r>
-              <a:rPr lang="en-US" dirty="0"/>
-              <a:t> n1.shape=(3,2)</a:t>
-            </a:r>
-          </a:p>
-          <a:p>
-            <a:r>
-              <a:rPr lang="en-US" dirty="0"/>
-              <a:t> n1.shape</a:t>
-            </a:r>
-          </a:p>
-          <a:p>
-            <a:endParaRPr lang="en-US" dirty="0"/>
-          </a:p>
-          <a:p>
-            <a:r>
-              <a:rPr lang="en-US" dirty="0"/>
-              <a:t>Output:</a:t>
-            </a:r>
-          </a:p>
-          <a:p>
-            <a:r>
-              <a:rPr lang="en-US" dirty="0"/>
-              <a:t> (3,2)</a:t>
-            </a:r>
-            <a:endParaRPr lang="en-IN" dirty="0"/>
-          </a:p>
-        </p:txBody>
-      </p:sp>
-      <p:sp>
-        <p:nvSpPr>
-          <p:cNvPr id="7" name="TextBox 6">
-            <a:extLst>
-              <a:ext uri="{FF2B5EF4-FFF2-40B4-BE49-F238E27FC236}">
-                <a16:creationId xmlns:a16="http://schemas.microsoft.com/office/drawing/2014/main" id="{7F00CA95-AAC7-4914-9E2A-516C14578388}"/>
-              </a:ext>
-            </a:extLst>
-          </p:cNvPr>
-          <p:cNvSpPr txBox="1"/>
-          <p:nvPr/>
-        </p:nvSpPr>
-        <p:spPr>
-          <a:xfrm>
-            <a:off x="958788" y="313044"/>
-            <a:ext cx="3085909" cy="707886"/>
-          </a:xfrm>
-          <a:prstGeom prst="rect">
-            <a:avLst/>
-          </a:prstGeom>
-          <a:noFill/>
-        </p:spPr>
-        <p:txBody>
-          <a:bodyPr wrap="none" rtlCol="0">
-            <a:spAutoFit/>
-          </a:bodyPr>
-          <a:lstStyle/>
-          <a:p>
-            <a:r>
-              <a:rPr lang="en-US" sz="4000" dirty="0"/>
-              <a:t>NumPy Shape</a:t>
-            </a:r>
-            <a:endParaRPr lang="en-IN" sz="4000" dirty="0"/>
-          </a:p>
-        </p:txBody>
-      </p:sp>
-      <p:cxnSp>
-        <p:nvCxnSpPr>
-          <p:cNvPr id="9" name="Straight Arrow Connector 8">
-            <a:extLst>
-              <a:ext uri="{FF2B5EF4-FFF2-40B4-BE49-F238E27FC236}">
-                <a16:creationId xmlns:a16="http://schemas.microsoft.com/office/drawing/2014/main" id="{89BECC02-1722-4625-8BCA-6EEFB3C630E1}"/>
-              </a:ext>
-            </a:extLst>
-          </p:cNvPr>
-          <p:cNvCxnSpPr/>
-          <p:nvPr/>
-        </p:nvCxnSpPr>
-        <p:spPr>
-          <a:xfrm>
-            <a:off x="7306322" y="4998128"/>
-            <a:ext cx="514905" cy="0"/>
-          </a:xfrm>
-          <a:prstGeom prst="straightConnector1">
-            <a:avLst/>
-          </a:prstGeom>
-          <a:ln>
-            <a:tailEnd type="triangle"/>
-          </a:ln>
-        </p:spPr>
-        <p:style>
-          <a:lnRef idx="1">
-            <a:schemeClr val="dk1"/>
-          </a:lnRef>
-          <a:fillRef idx="0">
-            <a:schemeClr val="dk1"/>
-          </a:fillRef>
-          <a:effectRef idx="0">
-            <a:schemeClr val="dk1"/>
-          </a:effectRef>
-          <a:fontRef idx="minor">
-            <a:schemeClr val="tx1"/>
-          </a:fontRef>
-        </p:style>
-      </p:cxnSp>
-      <p:sp>
-        <p:nvSpPr>
-          <p:cNvPr id="10" name="TextBox 9">
-            <a:extLst>
-              <a:ext uri="{FF2B5EF4-FFF2-40B4-BE49-F238E27FC236}">
-                <a16:creationId xmlns:a16="http://schemas.microsoft.com/office/drawing/2014/main" id="{18A69388-AF24-4DB0-AC34-7898BD0ACB1D}"/>
-              </a:ext>
-            </a:extLst>
-          </p:cNvPr>
-          <p:cNvSpPr txBox="1"/>
-          <p:nvPr/>
-        </p:nvSpPr>
-        <p:spPr>
-          <a:xfrm>
-            <a:off x="7883371" y="4813462"/>
-            <a:ext cx="2879891" cy="369332"/>
-          </a:xfrm>
-          <a:prstGeom prst="rect">
-            <a:avLst/>
-          </a:prstGeom>
-          <a:noFill/>
-        </p:spPr>
-        <p:txBody>
-          <a:bodyPr wrap="none" rtlCol="0">
-            <a:spAutoFit/>
-          </a:bodyPr>
-          <a:lstStyle/>
-          <a:p>
-            <a:r>
-              <a:rPr lang="en-US" dirty="0"/>
-              <a:t>To change the shape of array</a:t>
+              <a:t> array([95,88,26,22,76])</a:t>
             </a:r>
             <a:endParaRPr lang="en-IN" dirty="0"/>
           </a:p>
@@ -3905,7 +3752,7 @@
     </p:spTree>
     <p:extLst>
       <p:ext uri="{BB962C8B-B14F-4D97-AF65-F5344CB8AC3E}">
-        <p14:creationId xmlns:p14="http://schemas.microsoft.com/office/powerpoint/2010/main" val="1525249883"/>
+        <p14:creationId xmlns:p14="http://schemas.microsoft.com/office/powerpoint/2010/main" val="4030749673"/>
       </p:ext>
     </p:extLst>
   </p:cSld>
@@ -3934,46 +3781,10 @@
       </p:grpSpPr>
       <p:sp>
         <p:nvSpPr>
-          <p:cNvPr id="2" name="Title 1">
-            <a:extLst>
-              <a:ext uri="{FF2B5EF4-FFF2-40B4-BE49-F238E27FC236}">
-                <a16:creationId xmlns:a16="http://schemas.microsoft.com/office/drawing/2014/main" id="{E6BB5CFD-BC1B-4EB7-83A3-940C65514B65}"/>
-              </a:ext>
-            </a:extLst>
-          </p:cNvPr>
-          <p:cNvSpPr>
-            <a:spLocks noGrp="1"/>
-          </p:cNvSpPr>
-          <p:nvPr>
-            <p:ph type="title"/>
-          </p:nvPr>
-        </p:nvSpPr>
-        <p:spPr>
-          <a:xfrm>
-            <a:off x="838200" y="365126"/>
-            <a:ext cx="4674833" cy="673562"/>
-          </a:xfrm>
-        </p:spPr>
-        <p:txBody>
-          <a:bodyPr>
-            <a:normAutofit fontScale="90000"/>
-          </a:bodyPr>
-          <a:lstStyle/>
-          <a:p>
-            <a:r>
-              <a:rPr lang="en-US" dirty="0"/>
-              <a:t>Joining NumPy Arrays</a:t>
-            </a:r>
-            <a:endParaRPr lang="en-IN" dirty="0"/>
-          </a:p>
-        </p:txBody>
-      </p:sp>
-      <p:sp>
-        <p:nvSpPr>
           <p:cNvPr id="4" name="Rectangle: Rounded Corners 3">
             <a:extLst>
               <a:ext uri="{FF2B5EF4-FFF2-40B4-BE49-F238E27FC236}">
-                <a16:creationId xmlns:a16="http://schemas.microsoft.com/office/drawing/2014/main" id="{1C6AA003-F08C-407A-95DB-1BF26E23F67A}"/>
+                <a16:creationId xmlns:a16="http://schemas.microsoft.com/office/drawing/2014/main" id="{D946F8E6-BBAF-4077-AACB-1CC2E7DB5BDC}"/>
               </a:ext>
             </a:extLst>
           </p:cNvPr>
@@ -3982,8 +3793,8 @@
         </p:nvSpPr>
         <p:spPr>
           <a:xfrm>
-            <a:off x="1349406" y="1606857"/>
-            <a:ext cx="1402672" cy="435006"/>
+            <a:off x="1740022" y="1296135"/>
+            <a:ext cx="6986727" cy="541538"/>
           </a:xfrm>
           <a:prstGeom prst="roundRect">
             <a:avLst/>
@@ -4009,12 +3820,8 @@
           <a:p>
             <a:pPr algn="ctr"/>
             <a:r>
-              <a:rPr lang="en-US" dirty="0" err="1"/>
-              <a:t>vstack</a:t>
-            </a:r>
-            <a:r>
-              <a:rPr lang="en-US" dirty="0"/>
-              <a:t>()</a:t>
+              <a:rPr lang="en-US" dirty="0"/>
+              <a:t>Checking the shape of NumPy arrays.</a:t>
             </a:r>
             <a:endParaRPr lang="en-IN" dirty="0"/>
           </a:p>
@@ -4025,7 +3832,7 @@
           <p:cNvPr id="5" name="Rectangle: Diagonal Corners Rounded 4">
             <a:extLst>
               <a:ext uri="{FF2B5EF4-FFF2-40B4-BE49-F238E27FC236}">
-                <a16:creationId xmlns:a16="http://schemas.microsoft.com/office/drawing/2014/main" id="{ED5908BB-27E7-41CA-BF54-CCFD55D362D9}"/>
+                <a16:creationId xmlns:a16="http://schemas.microsoft.com/office/drawing/2014/main" id="{40C67534-2581-4F13-9E16-04F1874B823B}"/>
               </a:ext>
             </a:extLst>
           </p:cNvPr>
@@ -4034,8 +3841,8 @@
         </p:nvSpPr>
         <p:spPr>
           <a:xfrm>
-            <a:off x="452761" y="2459115"/>
-            <a:ext cx="3451934" cy="2210539"/>
+            <a:off x="2969580" y="2228293"/>
+            <a:ext cx="4527612" cy="2086252"/>
           </a:xfrm>
           <a:prstGeom prst="round2DiagRect">
             <a:avLst/>
@@ -4083,35 +3890,13 @@
             </a:r>
             <a:r>
               <a:rPr lang="en-US" dirty="0"/>
-              <a:t>([10,20,30])</a:t>
-            </a:r>
-          </a:p>
-          <a:p>
-            <a:r>
-              <a:rPr lang="en-US" dirty="0"/>
-              <a:t> n2=</a:t>
-            </a:r>
-            <a:r>
-              <a:rPr lang="en-US" dirty="0" err="1"/>
-              <a:t>np.array</a:t>
-            </a:r>
-            <a:r>
-              <a:rPr lang="en-US" dirty="0"/>
-              <a:t>([40,50,60])</a:t>
-            </a:r>
-          </a:p>
-          <a:p>
-            <a:r>
-              <a:rPr lang="en-US" dirty="0"/>
-              <a:t>  </a:t>
-            </a:r>
-            <a:r>
-              <a:rPr lang="en-US" dirty="0" err="1"/>
-              <a:t>np.vstack</a:t>
-            </a:r>
-            <a:r>
-              <a:rPr lang="en-US" dirty="0"/>
-              <a:t>((n1,n2))</a:t>
+              <a:t>([[1,2,3],[4,5,6]])</a:t>
+            </a:r>
+          </a:p>
+          <a:p>
+            <a:r>
+              <a:rPr lang="en-US" dirty="0"/>
+              <a:t> n1.shape</a:t>
             </a:r>
           </a:p>
           <a:p>
@@ -4126,13 +3911,7 @@
           <a:p>
             <a:r>
               <a:rPr lang="en-US" dirty="0"/>
-              <a:t>Array([[10,20,30],</a:t>
-            </a:r>
-          </a:p>
-          <a:p>
-            <a:r>
-              <a:rPr lang="en-US" dirty="0"/>
-              <a:t>            [40,50,60]])</a:t>
+              <a:t>  (2,3)</a:t>
             </a:r>
             <a:endParaRPr lang="en-IN" dirty="0"/>
           </a:p>
@@ -4140,10 +3919,10 @@
       </p:sp>
       <p:sp>
         <p:nvSpPr>
-          <p:cNvPr id="7" name="Rectangle: Rounded Corners 6">
-            <a:extLst>
-              <a:ext uri="{FF2B5EF4-FFF2-40B4-BE49-F238E27FC236}">
-                <a16:creationId xmlns:a16="http://schemas.microsoft.com/office/drawing/2014/main" id="{AE997AF3-C14E-41D0-9C0A-EE9A9F729BE6}"/>
+          <p:cNvPr id="6" name="Rectangle: Diagonal Corners Rounded 5">
+            <a:extLst>
+              <a:ext uri="{FF2B5EF4-FFF2-40B4-BE49-F238E27FC236}">
+                <a16:creationId xmlns:a16="http://schemas.microsoft.com/office/drawing/2014/main" id="{A448CA72-1B9D-450E-8F4C-873A9170FAB7}"/>
               </a:ext>
             </a:extLst>
           </p:cNvPr>
@@ -4152,10 +3931,10 @@
         </p:nvSpPr>
         <p:spPr>
           <a:xfrm>
-            <a:off x="5394664" y="1615734"/>
-            <a:ext cx="1402672" cy="435006"/>
-          </a:xfrm>
-          <a:prstGeom prst="roundRect">
+            <a:off x="4634710" y="4669655"/>
+            <a:ext cx="4021584" cy="1615736"/>
+          </a:xfrm>
+          <a:prstGeom prst="round2DiagRect">
             <a:avLst/>
           </a:prstGeom>
         </p:spPr>
@@ -4177,14 +3956,30 @@
           <a:bodyPr rtlCol="0" anchor="ctr"/>
           <a:lstStyle/>
           <a:p>
-            <a:pPr algn="ctr"/>
-            <a:r>
-              <a:rPr lang="en-US" dirty="0" err="1"/>
-              <a:t>hstack</a:t>
-            </a:r>
-            <a:r>
-              <a:rPr lang="en-US" dirty="0"/>
-              <a:t>()</a:t>
+            <a:r>
+              <a:rPr lang="en-US" dirty="0"/>
+              <a:t> n1.shape=(3,2)</a:t>
+            </a:r>
+          </a:p>
+          <a:p>
+            <a:r>
+              <a:rPr lang="en-US" dirty="0"/>
+              <a:t> n1.shape</a:t>
+            </a:r>
+          </a:p>
+          <a:p>
+            <a:endParaRPr lang="en-US" dirty="0"/>
+          </a:p>
+          <a:p>
+            <a:r>
+              <a:rPr lang="en-US" dirty="0"/>
+              <a:t>Output:</a:t>
+            </a:r>
+          </a:p>
+          <a:p>
+            <a:r>
+              <a:rPr lang="en-US" dirty="0"/>
+              <a:t> (3,2)</a:t>
             </a:r>
             <a:endParaRPr lang="en-IN" dirty="0"/>
           </a:p>
@@ -4192,10 +3987,121 @@
       </p:sp>
       <p:sp>
         <p:nvSpPr>
-          <p:cNvPr id="11" name="Rectangle: Diagonal Corners Rounded 10">
-            <a:extLst>
-              <a:ext uri="{FF2B5EF4-FFF2-40B4-BE49-F238E27FC236}">
-                <a16:creationId xmlns:a16="http://schemas.microsoft.com/office/drawing/2014/main" id="{C9F4A1EB-E084-4F96-A4BB-83DB35DD7414}"/>
+          <p:cNvPr id="7" name="TextBox 6">
+            <a:extLst>
+              <a:ext uri="{FF2B5EF4-FFF2-40B4-BE49-F238E27FC236}">
+                <a16:creationId xmlns:a16="http://schemas.microsoft.com/office/drawing/2014/main" id="{7F00CA95-AAC7-4914-9E2A-516C14578388}"/>
+              </a:ext>
+            </a:extLst>
+          </p:cNvPr>
+          <p:cNvSpPr txBox="1"/>
+          <p:nvPr/>
+        </p:nvSpPr>
+        <p:spPr>
+          <a:xfrm>
+            <a:off x="958788" y="313044"/>
+            <a:ext cx="3085909" cy="707886"/>
+          </a:xfrm>
+          <a:prstGeom prst="rect">
+            <a:avLst/>
+          </a:prstGeom>
+          <a:noFill/>
+        </p:spPr>
+        <p:txBody>
+          <a:bodyPr wrap="none" rtlCol="0">
+            <a:spAutoFit/>
+          </a:bodyPr>
+          <a:lstStyle/>
+          <a:p>
+            <a:r>
+              <a:rPr lang="en-US" sz="4000" dirty="0"/>
+              <a:t>NumPy Shape</a:t>
+            </a:r>
+            <a:endParaRPr lang="en-IN" sz="4000" dirty="0"/>
+          </a:p>
+        </p:txBody>
+      </p:sp>
+      <p:cxnSp>
+        <p:nvCxnSpPr>
+          <p:cNvPr id="9" name="Straight Arrow Connector 8">
+            <a:extLst>
+              <a:ext uri="{FF2B5EF4-FFF2-40B4-BE49-F238E27FC236}">
+                <a16:creationId xmlns:a16="http://schemas.microsoft.com/office/drawing/2014/main" id="{89BECC02-1722-4625-8BCA-6EEFB3C630E1}"/>
+              </a:ext>
+            </a:extLst>
+          </p:cNvPr>
+          <p:cNvCxnSpPr/>
+          <p:nvPr/>
+        </p:nvCxnSpPr>
+        <p:spPr>
+          <a:xfrm>
+            <a:off x="8726749" y="4998128"/>
+            <a:ext cx="514905" cy="0"/>
+          </a:xfrm>
+          <a:prstGeom prst="straightConnector1">
+            <a:avLst/>
+          </a:prstGeom>
+          <a:ln>
+            <a:tailEnd type="triangle"/>
+          </a:ln>
+        </p:spPr>
+        <p:style>
+          <a:lnRef idx="1">
+            <a:schemeClr val="dk1"/>
+          </a:lnRef>
+          <a:fillRef idx="0">
+            <a:schemeClr val="dk1"/>
+          </a:fillRef>
+          <a:effectRef idx="0">
+            <a:schemeClr val="dk1"/>
+          </a:effectRef>
+          <a:fontRef idx="minor">
+            <a:schemeClr val="tx1"/>
+          </a:fontRef>
+        </p:style>
+      </p:cxnSp>
+      <p:sp>
+        <p:nvSpPr>
+          <p:cNvPr id="10" name="TextBox 9">
+            <a:extLst>
+              <a:ext uri="{FF2B5EF4-FFF2-40B4-BE49-F238E27FC236}">
+                <a16:creationId xmlns:a16="http://schemas.microsoft.com/office/drawing/2014/main" id="{18A69388-AF24-4DB0-AC34-7898BD0ACB1D}"/>
+              </a:ext>
+            </a:extLst>
+          </p:cNvPr>
+          <p:cNvSpPr txBox="1"/>
+          <p:nvPr/>
+        </p:nvSpPr>
+        <p:spPr>
+          <a:xfrm>
+            <a:off x="9312109" y="4813462"/>
+            <a:ext cx="2879891" cy="369332"/>
+          </a:xfrm>
+          <a:prstGeom prst="rect">
+            <a:avLst/>
+          </a:prstGeom>
+          <a:noFill/>
+        </p:spPr>
+        <p:txBody>
+          <a:bodyPr wrap="none" rtlCol="0">
+            <a:spAutoFit/>
+          </a:bodyPr>
+          <a:lstStyle/>
+          <a:p>
+            <a:r>
+              <a:rPr lang="en-US" dirty="0"/>
+              <a:t>To change the shape of array</a:t>
+            </a:r>
+            <a:endParaRPr lang="en-IN" dirty="0"/>
+          </a:p>
+        </p:txBody>
+      </p:sp>
+      <p:sp>
+        <p:nvSpPr>
+          <p:cNvPr id="8" name="Rectangle: Diagonal Corners Rounded 7">
+            <a:extLst>
+              <a:ext uri="{FF2B5EF4-FFF2-40B4-BE49-F238E27FC236}">
+                <a16:creationId xmlns:a16="http://schemas.microsoft.com/office/drawing/2014/main" id="{F2DB3144-82BB-4DBC-B2FF-64FBF6100AB8}"/>
               </a:ext>
             </a:extLst>
           </p:cNvPr>
@@ -4204,8 +4110,8 @@
         </p:nvSpPr>
         <p:spPr>
           <a:xfrm>
-            <a:off x="4578658" y="2423606"/>
-            <a:ext cx="3451934" cy="2299316"/>
+            <a:off x="403932" y="4669655"/>
+            <a:ext cx="4021584" cy="1615736"/>
           </a:xfrm>
           <a:prstGeom prst="round2DiagRect">
             <a:avLst/>
@@ -4231,61 +4137,14 @@
           <a:p>
             <a:r>
               <a:rPr lang="en-US" dirty="0"/>
-              <a:t> import </a:t>
-            </a:r>
-            <a:r>
-              <a:rPr lang="en-US" dirty="0" err="1"/>
-              <a:t>numpy</a:t>
-            </a:r>
-            <a:r>
-              <a:rPr lang="en-US" dirty="0"/>
-              <a:t> as np</a:t>
-            </a:r>
-          </a:p>
-          <a:p>
-            <a:r>
-              <a:rPr lang="en-US" dirty="0"/>
-              <a:t> n1=</a:t>
-            </a:r>
-            <a:r>
-              <a:rPr lang="en-US" dirty="0" err="1"/>
-              <a:t>np.array</a:t>
-            </a:r>
-            <a:r>
-              <a:rPr lang="en-US" dirty="0"/>
-              <a:t>([10,20,30])</a:t>
-            </a:r>
-          </a:p>
-          <a:p>
-            <a:r>
-              <a:rPr lang="en-US" dirty="0"/>
-              <a:t> n2=</a:t>
-            </a:r>
-            <a:r>
-              <a:rPr lang="en-US" dirty="0" err="1"/>
-              <a:t>np.array</a:t>
-            </a:r>
-            <a:r>
-              <a:rPr lang="en-US" dirty="0"/>
-              <a:t>([40,50,60])</a:t>
-            </a:r>
-          </a:p>
-          <a:p>
-            <a:r>
-              <a:rPr lang="en-US" dirty="0"/>
-              <a:t>  </a:t>
-            </a:r>
-            <a:r>
-              <a:rPr lang="en-US" dirty="0" err="1"/>
-              <a:t>np.hstack</a:t>
-            </a:r>
-            <a:r>
-              <a:rPr lang="en-US" dirty="0"/>
-              <a:t>((n1,n2))</a:t>
-            </a:r>
-          </a:p>
-          <a:p>
-            <a:endParaRPr lang="en-US" dirty="0"/>
+              <a:t> print(n1.reshape(2,3))</a:t>
+            </a:r>
+          </a:p>
+          <a:p>
+            <a:r>
+              <a:rPr lang="en-US" dirty="0"/>
+              <a:t> </a:t>
+            </a:r>
           </a:p>
           <a:p>
             <a:r>
@@ -4296,183 +4155,7 @@
           <a:p>
             <a:r>
               <a:rPr lang="en-US" dirty="0"/>
-              <a:t>Array([10,20,30,40,50,60])</a:t>
-            </a:r>
-            <a:endParaRPr lang="en-IN" dirty="0"/>
-          </a:p>
-        </p:txBody>
-      </p:sp>
-      <p:sp>
-        <p:nvSpPr>
-          <p:cNvPr id="13" name="Rectangle: Rounded Corners 12">
-            <a:extLst>
-              <a:ext uri="{FF2B5EF4-FFF2-40B4-BE49-F238E27FC236}">
-                <a16:creationId xmlns:a16="http://schemas.microsoft.com/office/drawing/2014/main" id="{D7F4495C-1628-4CE3-B4BE-7A15524B8B23}"/>
-              </a:ext>
-            </a:extLst>
-          </p:cNvPr>
-          <p:cNvSpPr/>
-          <p:nvPr/>
-        </p:nvSpPr>
-        <p:spPr>
-          <a:xfrm>
-            <a:off x="9160276" y="1615734"/>
-            <a:ext cx="1856912" cy="435006"/>
-          </a:xfrm>
-          <a:prstGeom prst="roundRect">
-            <a:avLst/>
-          </a:prstGeom>
-        </p:spPr>
-        <p:style>
-          <a:lnRef idx="2">
-            <a:schemeClr val="dk1"/>
-          </a:lnRef>
-          <a:fillRef idx="1">
-            <a:schemeClr val="lt1"/>
-          </a:fillRef>
-          <a:effectRef idx="0">
-            <a:schemeClr val="dk1"/>
-          </a:effectRef>
-          <a:fontRef idx="minor">
-            <a:schemeClr val="dk1"/>
-          </a:fontRef>
-        </p:style>
-        <p:txBody>
-          <a:bodyPr rtlCol="0" anchor="ctr"/>
-          <a:lstStyle/>
-          <a:p>
-            <a:pPr algn="ctr"/>
-            <a:r>
-              <a:rPr lang="en-US" dirty="0" err="1"/>
-              <a:t>column_stack</a:t>
-            </a:r>
-            <a:r>
-              <a:rPr lang="en-US" dirty="0"/>
-              <a:t>()</a:t>
-            </a:r>
-            <a:endParaRPr lang="en-IN" dirty="0"/>
-          </a:p>
-        </p:txBody>
-      </p:sp>
-      <p:sp>
-        <p:nvSpPr>
-          <p:cNvPr id="15" name="Rectangle: Diagonal Corners Rounded 14">
-            <a:extLst>
-              <a:ext uri="{FF2B5EF4-FFF2-40B4-BE49-F238E27FC236}">
-                <a16:creationId xmlns:a16="http://schemas.microsoft.com/office/drawing/2014/main" id="{3CD9A763-1888-427E-A16C-AC0AE4AF5539}"/>
-              </a:ext>
-            </a:extLst>
-          </p:cNvPr>
-          <p:cNvSpPr/>
-          <p:nvPr/>
-        </p:nvSpPr>
-        <p:spPr>
-          <a:xfrm>
-            <a:off x="8424909" y="2414725"/>
-            <a:ext cx="3557725" cy="2530137"/>
-          </a:xfrm>
-          <a:prstGeom prst="round2DiagRect">
-            <a:avLst/>
-          </a:prstGeom>
-        </p:spPr>
-        <p:style>
-          <a:lnRef idx="2">
-            <a:schemeClr val="dk1"/>
-          </a:lnRef>
-          <a:fillRef idx="1">
-            <a:schemeClr val="lt1"/>
-          </a:fillRef>
-          <a:effectRef idx="0">
-            <a:schemeClr val="dk1"/>
-          </a:effectRef>
-          <a:fontRef idx="minor">
-            <a:schemeClr val="dk1"/>
-          </a:fontRef>
-        </p:style>
-        <p:txBody>
-          <a:bodyPr rtlCol="0" anchor="ctr"/>
-          <a:lstStyle/>
-          <a:p>
-            <a:r>
-              <a:rPr lang="en-US" dirty="0"/>
-              <a:t> import </a:t>
-            </a:r>
-            <a:r>
-              <a:rPr lang="en-US" dirty="0" err="1"/>
-              <a:t>numpy</a:t>
-            </a:r>
-            <a:r>
-              <a:rPr lang="en-US" dirty="0"/>
-              <a:t> as np</a:t>
-            </a:r>
-          </a:p>
-          <a:p>
-            <a:r>
-              <a:rPr lang="en-US" dirty="0"/>
-              <a:t> n1=</a:t>
-            </a:r>
-            <a:r>
-              <a:rPr lang="en-US" dirty="0" err="1"/>
-              <a:t>np.array</a:t>
-            </a:r>
-            <a:r>
-              <a:rPr lang="en-US" dirty="0"/>
-              <a:t>([10,20,30])</a:t>
-            </a:r>
-          </a:p>
-          <a:p>
-            <a:r>
-              <a:rPr lang="en-US" dirty="0"/>
-              <a:t> n2=</a:t>
-            </a:r>
-            <a:r>
-              <a:rPr lang="en-US" dirty="0" err="1"/>
-              <a:t>np.array</a:t>
-            </a:r>
-            <a:r>
-              <a:rPr lang="en-US" dirty="0"/>
-              <a:t>([40,50,60])</a:t>
-            </a:r>
-          </a:p>
-          <a:p>
-            <a:r>
-              <a:rPr lang="en-US" dirty="0"/>
-              <a:t>  </a:t>
-            </a:r>
-            <a:r>
-              <a:rPr lang="en-US" dirty="0" err="1"/>
-              <a:t>np.column_stack</a:t>
-            </a:r>
-            <a:r>
-              <a:rPr lang="en-US" dirty="0"/>
-              <a:t>((n1,n2))</a:t>
-            </a:r>
-          </a:p>
-          <a:p>
-            <a:endParaRPr lang="en-US" dirty="0"/>
-          </a:p>
-          <a:p>
-            <a:r>
-              <a:rPr lang="en-US" dirty="0"/>
-              <a:t>Output:</a:t>
-            </a:r>
-          </a:p>
-          <a:p>
-            <a:r>
-              <a:rPr lang="en-US" dirty="0"/>
-              <a:t>Array([[10, 40],</a:t>
-            </a:r>
-          </a:p>
-          <a:p>
-            <a:r>
-              <a:rPr lang="en-US" dirty="0"/>
-              <a:t>            [20 , 50],</a:t>
-            </a:r>
-          </a:p>
-          <a:p>
-            <a:r>
-              <a:rPr lang="en-US" dirty="0"/>
-              <a:t>             [30 , 60]]) </a:t>
+              <a:t> (3,2)</a:t>
             </a:r>
             <a:endParaRPr lang="en-IN" dirty="0"/>
           </a:p>
@@ -4481,7 +4164,7 @@
     </p:spTree>
     <p:extLst>
       <p:ext uri="{BB962C8B-B14F-4D97-AF65-F5344CB8AC3E}">
-        <p14:creationId xmlns:p14="http://schemas.microsoft.com/office/powerpoint/2010/main" val="2662610325"/>
+        <p14:creationId xmlns:p14="http://schemas.microsoft.com/office/powerpoint/2010/main" val="1525249883"/>
       </p:ext>
     </p:extLst>
   </p:cSld>
@@ -4513,7 +4196,7 @@
           <p:cNvPr id="2" name="Title 1">
             <a:extLst>
               <a:ext uri="{FF2B5EF4-FFF2-40B4-BE49-F238E27FC236}">
-                <a16:creationId xmlns:a16="http://schemas.microsoft.com/office/drawing/2014/main" id="{47D0B809-8962-4005-BB8D-DB3D196B1935}"/>
+                <a16:creationId xmlns:a16="http://schemas.microsoft.com/office/drawing/2014/main" id="{E6BB5CFD-BC1B-4EB7-83A3-940C65514B65}"/>
               </a:ext>
             </a:extLst>
           </p:cNvPr>
@@ -4526,8 +4209,8 @@
         </p:nvSpPr>
         <p:spPr>
           <a:xfrm>
-            <a:off x="838200" y="365125"/>
-            <a:ext cx="10515600" cy="549275"/>
+            <a:off x="838200" y="365126"/>
+            <a:ext cx="4674833" cy="673562"/>
           </a:xfrm>
         </p:spPr>
         <p:txBody>
@@ -4537,12 +4220,8 @@
           <a:lstStyle/>
           <a:p>
             <a:r>
-              <a:rPr lang="en-US" dirty="0" err="1"/>
-              <a:t>Numpy</a:t>
-            </a:r>
-            <a:r>
-              <a:rPr lang="en-US" dirty="0"/>
-              <a:t> Intersection and Difference</a:t>
+              <a:rPr lang="en-US" dirty="0"/>
+              <a:t>Joining NumPy Arrays</a:t>
             </a:r>
             <a:endParaRPr lang="en-IN" dirty="0"/>
           </a:p>
@@ -4550,10 +4229,10 @@
       </p:sp>
       <p:sp>
         <p:nvSpPr>
-          <p:cNvPr id="4" name="Rectangle: Diagonal Corners Rounded 3">
-            <a:extLst>
-              <a:ext uri="{FF2B5EF4-FFF2-40B4-BE49-F238E27FC236}">
-                <a16:creationId xmlns:a16="http://schemas.microsoft.com/office/drawing/2014/main" id="{9C4AFA8C-669C-4D87-B2E8-60A870A7BC34}"/>
+          <p:cNvPr id="4" name="Rectangle: Rounded Corners 3">
+            <a:extLst>
+              <a:ext uri="{FF2B5EF4-FFF2-40B4-BE49-F238E27FC236}">
+                <a16:creationId xmlns:a16="http://schemas.microsoft.com/office/drawing/2014/main" id="{1C6AA003-F08C-407A-95DB-1BF26E23F67A}"/>
               </a:ext>
             </a:extLst>
           </p:cNvPr>
@@ -4562,10 +4241,10 @@
         </p:nvSpPr>
         <p:spPr>
           <a:xfrm>
-            <a:off x="838200" y="1491450"/>
-            <a:ext cx="3778188" cy="1287262"/>
-          </a:xfrm>
-          <a:prstGeom prst="round2DiagRect">
+            <a:off x="1349406" y="1606857"/>
+            <a:ext cx="1402672" cy="435006"/>
+          </a:xfrm>
+          <a:prstGeom prst="roundRect">
             <a:avLst/>
           </a:prstGeom>
         </p:spPr>
@@ -4587,97 +4266,29 @@
           <a:bodyPr rtlCol="0" anchor="ctr"/>
           <a:lstStyle/>
           <a:p>
-            <a:r>
-              <a:rPr lang="en-US" dirty="0"/>
-              <a:t> import </a:t>
-            </a:r>
-            <a:r>
-              <a:rPr lang="en-US" dirty="0" err="1"/>
-              <a:t>numpy</a:t>
-            </a:r>
-            <a:r>
-              <a:rPr lang="en-US" dirty="0"/>
-              <a:t> as np</a:t>
-            </a:r>
-          </a:p>
-          <a:p>
-            <a:r>
-              <a:rPr lang="en-US" dirty="0"/>
-              <a:t> n1=</a:t>
-            </a:r>
-            <a:r>
-              <a:rPr lang="en-US" dirty="0" err="1"/>
-              <a:t>np.array</a:t>
-            </a:r>
-            <a:r>
-              <a:rPr lang="en-US" dirty="0"/>
-              <a:t>([10,20,30,40,50,60])</a:t>
-            </a:r>
-          </a:p>
-          <a:p>
-            <a:r>
-              <a:rPr lang="en-US" dirty="0"/>
-              <a:t> n2=</a:t>
-            </a:r>
-            <a:r>
-              <a:rPr lang="en-US" dirty="0" err="1"/>
-              <a:t>np.array</a:t>
-            </a:r>
-            <a:r>
-              <a:rPr lang="en-US" dirty="0"/>
-              <a:t>([50,60,70,80,90])</a:t>
+            <a:pPr algn="ctr"/>
+            <a:r>
+              <a:rPr lang="en-US" dirty="0" err="1">
+                <a:solidFill>
+                  <a:srgbClr val="FF0000"/>
+                </a:solidFill>
+              </a:rPr>
+              <a:t>vstack</a:t>
+            </a:r>
+            <a:r>
+              <a:rPr lang="en-US" dirty="0"/>
+              <a:t>()</a:t>
             </a:r>
             <a:endParaRPr lang="en-IN" dirty="0"/>
           </a:p>
         </p:txBody>
       </p:sp>
-      <p:cxnSp>
-        <p:nvCxnSpPr>
-          <p:cNvPr id="8" name="Straight Arrow Connector 7">
-            <a:extLst>
-              <a:ext uri="{FF2B5EF4-FFF2-40B4-BE49-F238E27FC236}">
-                <a16:creationId xmlns:a16="http://schemas.microsoft.com/office/drawing/2014/main" id="{B0639840-57DB-437B-A624-365BD03A3A12}"/>
-              </a:ext>
-            </a:extLst>
-          </p:cNvPr>
-          <p:cNvCxnSpPr>
-            <a:stCxn id="4" idx="0"/>
-          </p:cNvCxnSpPr>
-          <p:nvPr/>
-        </p:nvCxnSpPr>
-        <p:spPr>
-          <a:xfrm>
-            <a:off x="4616388" y="2135081"/>
-            <a:ext cx="896645" cy="13315"/>
-          </a:xfrm>
-          <a:prstGeom prst="straightConnector1">
-            <a:avLst/>
-          </a:prstGeom>
-          <a:ln>
-            <a:tailEnd type="triangle"/>
-          </a:ln>
-        </p:spPr>
-        <p:style>
-          <a:lnRef idx="1">
-            <a:schemeClr val="dk1"/>
-          </a:lnRef>
-          <a:fillRef idx="0">
-            <a:schemeClr val="dk1"/>
-          </a:fillRef>
-          <a:effectRef idx="0">
-            <a:schemeClr val="dk1"/>
-          </a:effectRef>
-          <a:fontRef idx="minor">
-            <a:schemeClr val="tx1"/>
-          </a:fontRef>
-        </p:style>
-      </p:cxnSp>
-      <p:sp>
-        <p:nvSpPr>
-          <p:cNvPr id="9" name="Rectangle: Diagonal Corners Rounded 8">
-            <a:extLst>
-              <a:ext uri="{FF2B5EF4-FFF2-40B4-BE49-F238E27FC236}">
-                <a16:creationId xmlns:a16="http://schemas.microsoft.com/office/drawing/2014/main" id="{D7415348-1A8F-4951-8EDA-66C9562273D6}"/>
+      <p:sp>
+        <p:nvSpPr>
+          <p:cNvPr id="5" name="Rectangle: Diagonal Corners Rounded 4">
+            <a:extLst>
+              <a:ext uri="{FF2B5EF4-FFF2-40B4-BE49-F238E27FC236}">
+                <a16:creationId xmlns:a16="http://schemas.microsoft.com/office/drawing/2014/main" id="{ED5908BB-27E7-41CA-BF54-CCFD55D362D9}"/>
               </a:ext>
             </a:extLst>
           </p:cNvPr>
@@ -4686,8 +4297,8 @@
         </p:nvSpPr>
         <p:spPr>
           <a:xfrm>
-            <a:off x="5708342" y="1447054"/>
-            <a:ext cx="4225771" cy="1331658"/>
+            <a:off x="732407" y="2467994"/>
+            <a:ext cx="3451934" cy="2210539"/>
           </a:xfrm>
           <a:prstGeom prst="round2DiagRect">
             <a:avLst/>
@@ -4713,8 +4324,61 @@
           <a:p>
             <a:r>
               <a:rPr lang="en-US" dirty="0"/>
-              <a:t> np.intersect1d(n1,n2)</a:t>
-            </a:r>
+              <a:t> import </a:t>
+            </a:r>
+            <a:r>
+              <a:rPr lang="en-US" dirty="0" err="1"/>
+              <a:t>numpy</a:t>
+            </a:r>
+            <a:r>
+              <a:rPr lang="en-US" dirty="0"/>
+              <a:t> as np</a:t>
+            </a:r>
+          </a:p>
+          <a:p>
+            <a:r>
+              <a:rPr lang="en-US" dirty="0"/>
+              <a:t> n1=</a:t>
+            </a:r>
+            <a:r>
+              <a:rPr lang="en-US" dirty="0" err="1"/>
+              <a:t>np.array</a:t>
+            </a:r>
+            <a:r>
+              <a:rPr lang="en-US" dirty="0"/>
+              <a:t>([10,20,30])</a:t>
+            </a:r>
+          </a:p>
+          <a:p>
+            <a:r>
+              <a:rPr lang="en-US" dirty="0"/>
+              <a:t> n2=</a:t>
+            </a:r>
+            <a:r>
+              <a:rPr lang="en-US" dirty="0" err="1"/>
+              <a:t>np.array</a:t>
+            </a:r>
+            <a:r>
+              <a:rPr lang="en-US" dirty="0"/>
+              <a:t>([40,50,60])</a:t>
+            </a:r>
+          </a:p>
+          <a:p>
+            <a:r>
+              <a:rPr lang="en-US" dirty="0"/>
+              <a:t>  </a:t>
+            </a:r>
+            <a:r>
+              <a:rPr lang="en-US" dirty="0" err="1"/>
+              <a:t>np.vstack</a:t>
+            </a:r>
+            <a:r>
+              <a:rPr lang="en-US" dirty="0"/>
+              <a:t>((n1,n2))</a:t>
+            </a:r>
+          </a:p>
+          <a:p>
+            <a:endParaRPr lang="en-US" dirty="0"/>
           </a:p>
           <a:p>
             <a:r>
@@ -4733,7 +4397,13 @@
           <a:p>
             <a:r>
               <a:rPr lang="en-US" dirty="0"/>
-              <a:t>  array([50,60])</a:t>
+              <a:t>Array([[10,20,30],</a:t>
+            </a:r>
+          </a:p>
+          <a:p>
+            <a:r>
+              <a:rPr lang="en-US" dirty="0"/>
+              <a:t>            [40,50,60]])</a:t>
             </a:r>
             <a:endParaRPr lang="en-IN" dirty="0"/>
           </a:p>
@@ -4741,10 +4411,10 @@
       </p:sp>
       <p:sp>
         <p:nvSpPr>
-          <p:cNvPr id="11" name="Rectangle: Diagonal Corners Rounded 10">
-            <a:extLst>
-              <a:ext uri="{FF2B5EF4-FFF2-40B4-BE49-F238E27FC236}">
-                <a16:creationId xmlns:a16="http://schemas.microsoft.com/office/drawing/2014/main" id="{B51F165A-035A-40C9-A261-29BE19B5CFA0}"/>
+          <p:cNvPr id="7" name="Rectangle: Rounded Corners 6">
+            <a:extLst>
+              <a:ext uri="{FF2B5EF4-FFF2-40B4-BE49-F238E27FC236}">
+                <a16:creationId xmlns:a16="http://schemas.microsoft.com/office/drawing/2014/main" id="{AE997AF3-C14E-41D0-9C0A-EE9A9F729BE6}"/>
               </a:ext>
             </a:extLst>
           </p:cNvPr>
@@ -4753,10 +4423,10 @@
         </p:nvSpPr>
         <p:spPr>
           <a:xfrm>
-            <a:off x="838200" y="3232953"/>
-            <a:ext cx="3778188" cy="1287262"/>
-          </a:xfrm>
-          <a:prstGeom prst="round2DiagRect">
+            <a:off x="5394664" y="1615734"/>
+            <a:ext cx="1402672" cy="435006"/>
+          </a:xfrm>
+          <a:prstGeom prst="roundRect">
             <a:avLst/>
           </a:prstGeom>
         </p:spPr>
@@ -4778,95 +4448,29 @@
           <a:bodyPr rtlCol="0" anchor="ctr"/>
           <a:lstStyle/>
           <a:p>
-            <a:r>
-              <a:rPr lang="en-US" dirty="0"/>
-              <a:t> import </a:t>
-            </a:r>
-            <a:r>
-              <a:rPr lang="en-US" dirty="0" err="1"/>
-              <a:t>numpy</a:t>
-            </a:r>
-            <a:r>
-              <a:rPr lang="en-US" dirty="0"/>
-              <a:t> as np</a:t>
-            </a:r>
-          </a:p>
-          <a:p>
-            <a:r>
-              <a:rPr lang="en-US" dirty="0"/>
-              <a:t> n1=</a:t>
-            </a:r>
-            <a:r>
-              <a:rPr lang="en-US" dirty="0" err="1"/>
-              <a:t>np.array</a:t>
-            </a:r>
-            <a:r>
-              <a:rPr lang="en-US" dirty="0"/>
-              <a:t>([10,20,30,40,50,60])</a:t>
-            </a:r>
-          </a:p>
-          <a:p>
-            <a:r>
-              <a:rPr lang="en-US" dirty="0"/>
-              <a:t> n2=</a:t>
-            </a:r>
-            <a:r>
-              <a:rPr lang="en-US" dirty="0" err="1"/>
-              <a:t>np.array</a:t>
-            </a:r>
-            <a:r>
-              <a:rPr lang="en-US" dirty="0"/>
-              <a:t>([50,60,70,80,90])</a:t>
+            <a:pPr algn="ctr"/>
+            <a:r>
+              <a:rPr lang="en-US" dirty="0" err="1">
+                <a:solidFill>
+                  <a:srgbClr val="FF0000"/>
+                </a:solidFill>
+              </a:rPr>
+              <a:t>hstack</a:t>
+            </a:r>
+            <a:r>
+              <a:rPr lang="en-US" dirty="0"/>
+              <a:t>()</a:t>
             </a:r>
             <a:endParaRPr lang="en-IN" dirty="0"/>
           </a:p>
         </p:txBody>
       </p:sp>
-      <p:cxnSp>
-        <p:nvCxnSpPr>
-          <p:cNvPr id="12" name="Straight Arrow Connector 11">
-            <a:extLst>
-              <a:ext uri="{FF2B5EF4-FFF2-40B4-BE49-F238E27FC236}">
-                <a16:creationId xmlns:a16="http://schemas.microsoft.com/office/drawing/2014/main" id="{25316CE1-5AAC-41B5-A96C-107269E47632}"/>
-              </a:ext>
-            </a:extLst>
-          </p:cNvPr>
-          <p:cNvCxnSpPr/>
-          <p:nvPr/>
-        </p:nvCxnSpPr>
-        <p:spPr>
-          <a:xfrm>
-            <a:off x="4647459" y="3863269"/>
-            <a:ext cx="896645" cy="13315"/>
-          </a:xfrm>
-          <a:prstGeom prst="straightConnector1">
-            <a:avLst/>
-          </a:prstGeom>
-          <a:ln>
-            <a:tailEnd type="triangle"/>
-          </a:ln>
-        </p:spPr>
-        <p:style>
-          <a:lnRef idx="1">
-            <a:schemeClr val="dk1"/>
-          </a:lnRef>
-          <a:fillRef idx="0">
-            <a:schemeClr val="dk1"/>
-          </a:fillRef>
-          <a:effectRef idx="0">
-            <a:schemeClr val="dk1"/>
-          </a:effectRef>
-          <a:fontRef idx="minor">
-            <a:schemeClr val="tx1"/>
-          </a:fontRef>
-        </p:style>
-      </p:cxnSp>
-      <p:sp>
-        <p:nvSpPr>
-          <p:cNvPr id="14" name="Rectangle: Diagonal Corners Rounded 13">
-            <a:extLst>
-              <a:ext uri="{FF2B5EF4-FFF2-40B4-BE49-F238E27FC236}">
-                <a16:creationId xmlns:a16="http://schemas.microsoft.com/office/drawing/2014/main" id="{6017A68E-7468-409E-B30A-3E62907589DF}"/>
+      <p:sp>
+        <p:nvSpPr>
+          <p:cNvPr id="11" name="Rectangle: Diagonal Corners Rounded 10">
+            <a:extLst>
+              <a:ext uri="{FF2B5EF4-FFF2-40B4-BE49-F238E27FC236}">
+                <a16:creationId xmlns:a16="http://schemas.microsoft.com/office/drawing/2014/main" id="{C9F4A1EB-E084-4F96-A4BB-83DB35DD7414}"/>
               </a:ext>
             </a:extLst>
           </p:cNvPr>
@@ -4875,8 +4479,8 @@
         </p:nvSpPr>
         <p:spPr>
           <a:xfrm>
-            <a:off x="5708341" y="3197440"/>
-            <a:ext cx="4225771" cy="1331658"/>
+            <a:off x="4578658" y="2423606"/>
+            <a:ext cx="3451934" cy="2299316"/>
           </a:xfrm>
           <a:prstGeom prst="round2DiagRect">
             <a:avLst/>
@@ -4902,8 +4506,61 @@
           <a:p>
             <a:r>
               <a:rPr lang="en-US" dirty="0"/>
-              <a:t> np.setdiff1d(n1,n2)</a:t>
-            </a:r>
+              <a:t> import </a:t>
+            </a:r>
+            <a:r>
+              <a:rPr lang="en-US" dirty="0" err="1"/>
+              <a:t>numpy</a:t>
+            </a:r>
+            <a:r>
+              <a:rPr lang="en-US" dirty="0"/>
+              <a:t> as np</a:t>
+            </a:r>
+          </a:p>
+          <a:p>
+            <a:r>
+              <a:rPr lang="en-US" dirty="0"/>
+              <a:t> n1=</a:t>
+            </a:r>
+            <a:r>
+              <a:rPr lang="en-US" dirty="0" err="1"/>
+              <a:t>np.array</a:t>
+            </a:r>
+            <a:r>
+              <a:rPr lang="en-US" dirty="0"/>
+              <a:t>([10,20,30])</a:t>
+            </a:r>
+          </a:p>
+          <a:p>
+            <a:r>
+              <a:rPr lang="en-US" dirty="0"/>
+              <a:t> n2=</a:t>
+            </a:r>
+            <a:r>
+              <a:rPr lang="en-US" dirty="0" err="1"/>
+              <a:t>np.array</a:t>
+            </a:r>
+            <a:r>
+              <a:rPr lang="en-US" dirty="0"/>
+              <a:t>([40,50,60])</a:t>
+            </a:r>
+          </a:p>
+          <a:p>
+            <a:r>
+              <a:rPr lang="en-US" dirty="0"/>
+              <a:t>  </a:t>
+            </a:r>
+            <a:r>
+              <a:rPr lang="en-US" dirty="0" err="1"/>
+              <a:t>np.hstack</a:t>
+            </a:r>
+            <a:r>
+              <a:rPr lang="en-US" dirty="0"/>
+              <a:t>((n1,n2))</a:t>
+            </a:r>
+          </a:p>
+          <a:p>
+            <a:endParaRPr lang="en-US" dirty="0"/>
           </a:p>
           <a:p>
             <a:r>
@@ -4922,7 +4579,7 @@
           <a:p>
             <a:r>
               <a:rPr lang="en-US" dirty="0"/>
-              <a:t>  array([10,20,30,40])</a:t>
+              <a:t>Array([10,20,30,40,50,60])</a:t>
             </a:r>
             <a:endParaRPr lang="en-IN" dirty="0"/>
           </a:p>
@@ -4930,10 +4587,10 @@
       </p:sp>
       <p:sp>
         <p:nvSpPr>
-          <p:cNvPr id="16" name="Rectangle: Diagonal Corners Rounded 15">
-            <a:extLst>
-              <a:ext uri="{FF2B5EF4-FFF2-40B4-BE49-F238E27FC236}">
-                <a16:creationId xmlns:a16="http://schemas.microsoft.com/office/drawing/2014/main" id="{DC5DBABA-57D8-455D-B1BD-D4E4078B52CC}"/>
+          <p:cNvPr id="13" name="Rectangle: Rounded Corners 12">
+            <a:extLst>
+              <a:ext uri="{FF2B5EF4-FFF2-40B4-BE49-F238E27FC236}">
+                <a16:creationId xmlns:a16="http://schemas.microsoft.com/office/drawing/2014/main" id="{D7F4495C-1628-4CE3-B4BE-7A15524B8B23}"/>
               </a:ext>
             </a:extLst>
           </p:cNvPr>
@@ -4942,10 +4599,10 @@
         </p:nvSpPr>
         <p:spPr>
           <a:xfrm>
-            <a:off x="5708340" y="5035856"/>
-            <a:ext cx="4225771" cy="1331658"/>
-          </a:xfrm>
-          <a:prstGeom prst="round2DiagRect">
+            <a:off x="9160276" y="1615734"/>
+            <a:ext cx="1856912" cy="435006"/>
+          </a:xfrm>
+          <a:prstGeom prst="roundRect">
             <a:avLst/>
           </a:prstGeom>
         </p:spPr>
@@ -4967,10 +4624,127 @@
           <a:bodyPr rtlCol="0" anchor="ctr"/>
           <a:lstStyle/>
           <a:p>
-            <a:r>
-              <a:rPr lang="en-US" dirty="0"/>
-              <a:t> np.setdiff1d(n2,n1)</a:t>
-            </a:r>
+            <a:pPr algn="ctr"/>
+            <a:r>
+              <a:rPr lang="en-US" dirty="0" err="1">
+                <a:solidFill>
+                  <a:srgbClr val="FF0000"/>
+                </a:solidFill>
+              </a:rPr>
+              <a:t>column_stack</a:t>
+            </a:r>
+            <a:r>
+              <a:rPr lang="en-US" dirty="0">
+                <a:solidFill>
+                  <a:srgbClr val="FF0000"/>
+                </a:solidFill>
+              </a:rPr>
+              <a:t>()</a:t>
+            </a:r>
+            <a:endParaRPr lang="en-IN" dirty="0">
+              <a:solidFill>
+                <a:srgbClr val="FF0000"/>
+              </a:solidFill>
+            </a:endParaRPr>
+          </a:p>
+        </p:txBody>
+      </p:sp>
+      <p:sp>
+        <p:nvSpPr>
+          <p:cNvPr id="15" name="Rectangle: Diagonal Corners Rounded 14">
+            <a:extLst>
+              <a:ext uri="{FF2B5EF4-FFF2-40B4-BE49-F238E27FC236}">
+                <a16:creationId xmlns:a16="http://schemas.microsoft.com/office/drawing/2014/main" id="{3CD9A763-1888-427E-A16C-AC0AE4AF5539}"/>
+              </a:ext>
+            </a:extLst>
+          </p:cNvPr>
+          <p:cNvSpPr/>
+          <p:nvPr/>
+        </p:nvSpPr>
+        <p:spPr>
+          <a:xfrm>
+            <a:off x="8424909" y="2414725"/>
+            <a:ext cx="3557725" cy="2530137"/>
+          </a:xfrm>
+          <a:prstGeom prst="round2DiagRect">
+            <a:avLst/>
+          </a:prstGeom>
+        </p:spPr>
+        <p:style>
+          <a:lnRef idx="2">
+            <a:schemeClr val="dk1"/>
+          </a:lnRef>
+          <a:fillRef idx="1">
+            <a:schemeClr val="lt1"/>
+          </a:fillRef>
+          <a:effectRef idx="0">
+            <a:schemeClr val="dk1"/>
+          </a:effectRef>
+          <a:fontRef idx="minor">
+            <a:schemeClr val="dk1"/>
+          </a:fontRef>
+        </p:style>
+        <p:txBody>
+          <a:bodyPr rtlCol="0" anchor="ctr"/>
+          <a:lstStyle/>
+          <a:p>
+            <a:r>
+              <a:rPr lang="en-US" dirty="0"/>
+              <a:t> import </a:t>
+            </a:r>
+            <a:r>
+              <a:rPr lang="en-US" dirty="0" err="1"/>
+              <a:t>numpy</a:t>
+            </a:r>
+            <a:r>
+              <a:rPr lang="en-US" dirty="0"/>
+              <a:t> as np</a:t>
+            </a:r>
+          </a:p>
+          <a:p>
+            <a:r>
+              <a:rPr lang="en-US" dirty="0"/>
+              <a:t> n1=</a:t>
+            </a:r>
+            <a:r>
+              <a:rPr lang="en-US" dirty="0" err="1"/>
+              <a:t>np.array</a:t>
+            </a:r>
+            <a:r>
+              <a:rPr lang="en-US" dirty="0"/>
+              <a:t>([10,20,30])</a:t>
+            </a:r>
+          </a:p>
+          <a:p>
+            <a:r>
+              <a:rPr lang="en-US" dirty="0"/>
+              <a:t> n2=</a:t>
+            </a:r>
+            <a:r>
+              <a:rPr lang="en-US" dirty="0" err="1"/>
+              <a:t>np.array</a:t>
+            </a:r>
+            <a:r>
+              <a:rPr lang="en-US" dirty="0"/>
+              <a:t>([40,50,60])</a:t>
+            </a:r>
+          </a:p>
+          <a:p>
+            <a:r>
+              <a:rPr lang="en-US" dirty="0"/>
+              <a:t>  </a:t>
+            </a:r>
+            <a:r>
+              <a:rPr lang="en-US" dirty="0" err="1"/>
+              <a:t>np.column_stack</a:t>
+            </a:r>
+            <a:r>
+              <a:rPr lang="en-US" dirty="0"/>
+              <a:t>((n1,n2))</a:t>
+            </a:r>
+          </a:p>
+          <a:p>
+            <a:endParaRPr lang="en-US" dirty="0"/>
           </a:p>
           <a:p>
             <a:r>
@@ -4989,129 +4763,19 @@
           <a:p>
             <a:r>
               <a:rPr lang="en-US" dirty="0"/>
-              <a:t>  array([70,80,90])</a:t>
-            </a:r>
-            <a:endParaRPr lang="en-IN" dirty="0"/>
-          </a:p>
-        </p:txBody>
-      </p:sp>
-      <p:cxnSp>
-        <p:nvCxnSpPr>
-          <p:cNvPr id="17" name="Straight Arrow Connector 16">
-            <a:extLst>
-              <a:ext uri="{FF2B5EF4-FFF2-40B4-BE49-F238E27FC236}">
-                <a16:creationId xmlns:a16="http://schemas.microsoft.com/office/drawing/2014/main" id="{28B86BAC-FB5D-406E-81A1-7D46BFFCCAAB}"/>
-              </a:ext>
-            </a:extLst>
-          </p:cNvPr>
-          <p:cNvCxnSpPr/>
-          <p:nvPr/>
-        </p:nvCxnSpPr>
-        <p:spPr>
-          <a:xfrm>
-            <a:off x="4687408" y="5578142"/>
-            <a:ext cx="896645" cy="13315"/>
-          </a:xfrm>
-          <a:prstGeom prst="straightConnector1">
-            <a:avLst/>
-          </a:prstGeom>
-          <a:ln>
-            <a:tailEnd type="triangle"/>
-          </a:ln>
-        </p:spPr>
-        <p:style>
-          <a:lnRef idx="1">
-            <a:schemeClr val="dk1"/>
-          </a:lnRef>
-          <a:fillRef idx="0">
-            <a:schemeClr val="dk1"/>
-          </a:fillRef>
-          <a:effectRef idx="0">
-            <a:schemeClr val="dk1"/>
-          </a:effectRef>
-          <a:fontRef idx="minor">
-            <a:schemeClr val="tx1"/>
-          </a:fontRef>
-        </p:style>
-      </p:cxnSp>
-      <p:sp>
-        <p:nvSpPr>
-          <p:cNvPr id="19" name="Rectangle: Diagonal Corners Rounded 18">
-            <a:extLst>
-              <a:ext uri="{FF2B5EF4-FFF2-40B4-BE49-F238E27FC236}">
-                <a16:creationId xmlns:a16="http://schemas.microsoft.com/office/drawing/2014/main" id="{9D519DD5-815A-454A-8731-BA07821D6FEC}"/>
-              </a:ext>
-            </a:extLst>
-          </p:cNvPr>
-          <p:cNvSpPr/>
-          <p:nvPr/>
-        </p:nvSpPr>
-        <p:spPr>
-          <a:xfrm>
-            <a:off x="869271" y="5035856"/>
-            <a:ext cx="3778188" cy="1287262"/>
-          </a:xfrm>
-          <a:prstGeom prst="round2DiagRect">
-            <a:avLst/>
-          </a:prstGeom>
-        </p:spPr>
-        <p:style>
-          <a:lnRef idx="2">
-            <a:schemeClr val="dk1"/>
-          </a:lnRef>
-          <a:fillRef idx="1">
-            <a:schemeClr val="lt1"/>
-          </a:fillRef>
-          <a:effectRef idx="0">
-            <a:schemeClr val="dk1"/>
-          </a:effectRef>
-          <a:fontRef idx="minor">
-            <a:schemeClr val="dk1"/>
-          </a:fontRef>
-        </p:style>
-        <p:txBody>
-          <a:bodyPr rtlCol="0" anchor="ctr"/>
-          <a:lstStyle/>
-          <a:p>
-            <a:r>
-              <a:rPr lang="en-US" dirty="0"/>
-              <a:t> import </a:t>
-            </a:r>
-            <a:r>
-              <a:rPr lang="en-US" dirty="0" err="1"/>
-              <a:t>numpy</a:t>
-            </a:r>
-            <a:r>
-              <a:rPr lang="en-US" dirty="0"/>
-              <a:t> as np</a:t>
-            </a:r>
-          </a:p>
-          <a:p>
-            <a:r>
-              <a:rPr lang="en-US" dirty="0"/>
-              <a:t> n1=</a:t>
-            </a:r>
-            <a:r>
-              <a:rPr lang="en-US" dirty="0" err="1"/>
-              <a:t>np.array</a:t>
-            </a:r>
-            <a:r>
-              <a:rPr lang="en-US" dirty="0"/>
-              <a:t>([10,20,30,40,50,60])</a:t>
-            </a:r>
-          </a:p>
-          <a:p>
-            <a:r>
-              <a:rPr lang="en-US" dirty="0"/>
-              <a:t> n2=</a:t>
-            </a:r>
-            <a:r>
-              <a:rPr lang="en-US" dirty="0" err="1"/>
-              <a:t>np.array</a:t>
-            </a:r>
-            <a:r>
-              <a:rPr lang="en-US" dirty="0"/>
-              <a:t>([50,60,70,80,90])</a:t>
+              <a:t>Array([[10, 40],</a:t>
+            </a:r>
+          </a:p>
+          <a:p>
+            <a:r>
+              <a:rPr lang="en-US" dirty="0"/>
+              <a:t>            [20 , 50],</a:t>
+            </a:r>
+          </a:p>
+          <a:p>
+            <a:r>
+              <a:rPr lang="en-US" dirty="0"/>
+              <a:t>             [30 , 60]]) </a:t>
             </a:r>
             <a:endParaRPr lang="en-IN" dirty="0"/>
           </a:p>
@@ -5120,7 +4784,7 @@
     </p:spTree>
     <p:extLst>
       <p:ext uri="{BB962C8B-B14F-4D97-AF65-F5344CB8AC3E}">
-        <p14:creationId xmlns:p14="http://schemas.microsoft.com/office/powerpoint/2010/main" val="676169362"/>
+        <p14:creationId xmlns:p14="http://schemas.microsoft.com/office/powerpoint/2010/main" val="2662610325"/>
       </p:ext>
     </p:extLst>
   </p:cSld>
@@ -5152,7 +4816,7 @@
           <p:cNvPr id="2" name="Title 1">
             <a:extLst>
               <a:ext uri="{FF2B5EF4-FFF2-40B4-BE49-F238E27FC236}">
-                <a16:creationId xmlns:a16="http://schemas.microsoft.com/office/drawing/2014/main" id="{50044C9F-54C7-4ED5-95F2-69A548FAA761}"/>
+                <a16:creationId xmlns:a16="http://schemas.microsoft.com/office/drawing/2014/main" id="{47D0B809-8962-4005-BB8D-DB3D196B1935}"/>
               </a:ext>
             </a:extLst>
           </p:cNvPr>
@@ -5165,8 +4829,8 @@
         </p:nvSpPr>
         <p:spPr>
           <a:xfrm>
-            <a:off x="838200" y="365126"/>
-            <a:ext cx="5846685" cy="424988"/>
+            <a:off x="838200" y="365125"/>
+            <a:ext cx="10515600" cy="549275"/>
           </a:xfrm>
         </p:spPr>
         <p:txBody>
@@ -5181,7 +4845,7 @@
             </a:r>
             <a:r>
               <a:rPr lang="en-US" dirty="0"/>
-              <a:t> Array Mathematics</a:t>
+              <a:t> Intersection and Difference</a:t>
             </a:r>
             <a:endParaRPr lang="en-IN" dirty="0"/>
           </a:p>
@@ -5189,10 +4853,10 @@
       </p:sp>
       <p:sp>
         <p:nvSpPr>
-          <p:cNvPr id="4" name="Rectangle: Rounded Corners 3">
-            <a:extLst>
-              <a:ext uri="{FF2B5EF4-FFF2-40B4-BE49-F238E27FC236}">
-                <a16:creationId xmlns:a16="http://schemas.microsoft.com/office/drawing/2014/main" id="{51E959C7-4B18-4CCF-BF36-2CF3BC43A6DB}"/>
+          <p:cNvPr id="4" name="Rectangle: Diagonal Corners Rounded 3">
+            <a:extLst>
+              <a:ext uri="{FF2B5EF4-FFF2-40B4-BE49-F238E27FC236}">
+                <a16:creationId xmlns:a16="http://schemas.microsoft.com/office/drawing/2014/main" id="{9C4AFA8C-669C-4D87-B2E8-60A870A7BC34}"/>
               </a:ext>
             </a:extLst>
           </p:cNvPr>
@@ -5201,10 +4865,10 @@
         </p:nvSpPr>
         <p:spPr>
           <a:xfrm>
-            <a:off x="3284737" y="1313895"/>
-            <a:ext cx="5734975" cy="523783"/>
-          </a:xfrm>
-          <a:prstGeom prst="roundRect">
+            <a:off x="838200" y="1491450"/>
+            <a:ext cx="3778188" cy="1287262"/>
+          </a:xfrm>
+          <a:prstGeom prst="round2DiagRect">
             <a:avLst/>
           </a:prstGeom>
         </p:spPr>
@@ -5226,21 +4890,97 @@
           <a:bodyPr rtlCol="0" anchor="ctr"/>
           <a:lstStyle/>
           <a:p>
-            <a:pPr algn="ctr"/>
-            <a:r>
-              <a:rPr lang="en-US" dirty="0"/>
-              <a:t>Addition of NumPy Arrays</a:t>
+            <a:r>
+              <a:rPr lang="en-US" dirty="0"/>
+              <a:t> import </a:t>
+            </a:r>
+            <a:r>
+              <a:rPr lang="en-US" dirty="0" err="1"/>
+              <a:t>numpy</a:t>
+            </a:r>
+            <a:r>
+              <a:rPr lang="en-US" dirty="0"/>
+              <a:t> as np</a:t>
+            </a:r>
+          </a:p>
+          <a:p>
+            <a:r>
+              <a:rPr lang="en-US" dirty="0"/>
+              <a:t> n1=</a:t>
+            </a:r>
+            <a:r>
+              <a:rPr lang="en-US" dirty="0" err="1"/>
+              <a:t>np.array</a:t>
+            </a:r>
+            <a:r>
+              <a:rPr lang="en-US" dirty="0"/>
+              <a:t>([10,20,30,40,50,60])</a:t>
+            </a:r>
+          </a:p>
+          <a:p>
+            <a:r>
+              <a:rPr lang="en-US" dirty="0"/>
+              <a:t> n2=</a:t>
+            </a:r>
+            <a:r>
+              <a:rPr lang="en-US" dirty="0" err="1"/>
+              <a:t>np.array</a:t>
+            </a:r>
+            <a:r>
+              <a:rPr lang="en-US" dirty="0"/>
+              <a:t>([50,60,70,80,90])</a:t>
             </a:r>
             <a:endParaRPr lang="en-IN" dirty="0"/>
           </a:p>
         </p:txBody>
       </p:sp>
-      <p:sp>
-        <p:nvSpPr>
-          <p:cNvPr id="5" name="Rectangle: Diagonal Corners Rounded 4">
-            <a:extLst>
-              <a:ext uri="{FF2B5EF4-FFF2-40B4-BE49-F238E27FC236}">
-                <a16:creationId xmlns:a16="http://schemas.microsoft.com/office/drawing/2014/main" id="{D7CD299B-DE0F-4B30-B99B-83B448D572FD}"/>
+      <p:cxnSp>
+        <p:nvCxnSpPr>
+          <p:cNvPr id="8" name="Straight Arrow Connector 7">
+            <a:extLst>
+              <a:ext uri="{FF2B5EF4-FFF2-40B4-BE49-F238E27FC236}">
+                <a16:creationId xmlns:a16="http://schemas.microsoft.com/office/drawing/2014/main" id="{B0639840-57DB-437B-A624-365BD03A3A12}"/>
+              </a:ext>
+            </a:extLst>
+          </p:cNvPr>
+          <p:cNvCxnSpPr>
+            <a:stCxn id="4" idx="0"/>
+          </p:cNvCxnSpPr>
+          <p:nvPr/>
+        </p:nvCxnSpPr>
+        <p:spPr>
+          <a:xfrm>
+            <a:off x="4616388" y="2135081"/>
+            <a:ext cx="896645" cy="13315"/>
+          </a:xfrm>
+          <a:prstGeom prst="straightConnector1">
+            <a:avLst/>
+          </a:prstGeom>
+          <a:ln>
+            <a:tailEnd type="triangle"/>
+          </a:ln>
+        </p:spPr>
+        <p:style>
+          <a:lnRef idx="1">
+            <a:schemeClr val="dk1"/>
+          </a:lnRef>
+          <a:fillRef idx="0">
+            <a:schemeClr val="dk1"/>
+          </a:fillRef>
+          <a:effectRef idx="0">
+            <a:schemeClr val="dk1"/>
+          </a:effectRef>
+          <a:fontRef idx="minor">
+            <a:schemeClr val="tx1"/>
+          </a:fontRef>
+        </p:style>
+      </p:cxnSp>
+      <p:sp>
+        <p:nvSpPr>
+          <p:cNvPr id="9" name="Rectangle: Diagonal Corners Rounded 8">
+            <a:extLst>
+              <a:ext uri="{FF2B5EF4-FFF2-40B4-BE49-F238E27FC236}">
+                <a16:creationId xmlns:a16="http://schemas.microsoft.com/office/drawing/2014/main" id="{D7415348-1A8F-4951-8EDA-66C9562273D6}"/>
               </a:ext>
             </a:extLst>
           </p:cNvPr>
@@ -5249,8 +4989,8 @@
         </p:nvSpPr>
         <p:spPr>
           <a:xfrm>
-            <a:off x="3978676" y="2146462"/>
-            <a:ext cx="4234648" cy="1997475"/>
+            <a:off x="5708342" y="1447054"/>
+            <a:ext cx="4225771" cy="1331658"/>
           </a:xfrm>
           <a:prstGeom prst="round2DiagRect">
             <a:avLst/>
@@ -5276,72 +5016,27 @@
           <a:p>
             <a:r>
               <a:rPr lang="en-US" dirty="0"/>
-              <a:t> import </a:t>
-            </a:r>
-            <a:r>
-              <a:rPr lang="en-US" dirty="0" err="1"/>
-              <a:t>numpy</a:t>
-            </a:r>
-            <a:r>
-              <a:rPr lang="en-US" dirty="0"/>
-              <a:t> as np</a:t>
-            </a:r>
-          </a:p>
-          <a:p>
-            <a:r>
-              <a:rPr lang="en-US" dirty="0"/>
-              <a:t> n1=</a:t>
-            </a:r>
-            <a:r>
-              <a:rPr lang="en-US" dirty="0" err="1"/>
-              <a:t>np.array</a:t>
-            </a:r>
-            <a:r>
-              <a:rPr lang="en-US" dirty="0"/>
-              <a:t>([10,20])</a:t>
-            </a:r>
-          </a:p>
-          <a:p>
-            <a:r>
-              <a:rPr lang="en-US" dirty="0"/>
-              <a:t> n2=</a:t>
-            </a:r>
-            <a:r>
-              <a:rPr lang="en-US" dirty="0" err="1"/>
-              <a:t>np.array</a:t>
-            </a:r>
-            <a:r>
-              <a:rPr lang="en-US" dirty="0"/>
-              <a:t>([30,40])</a:t>
-            </a:r>
-          </a:p>
-          <a:p>
-            <a:r>
-              <a:rPr lang="en-US" dirty="0"/>
-              <a:t> </a:t>
-            </a:r>
-            <a:r>
-              <a:rPr lang="en-US" dirty="0" err="1"/>
-              <a:t>np.sum</a:t>
-            </a:r>
-            <a:r>
-              <a:rPr lang="en-US" dirty="0"/>
-              <a:t>([n1,n2])</a:t>
-            </a:r>
-          </a:p>
-          <a:p>
-            <a:endParaRPr lang="en-US" dirty="0"/>
-          </a:p>
-          <a:p>
-            <a:r>
-              <a:rPr lang="en-US" dirty="0"/>
-              <a:t>Output:</a:t>
-            </a:r>
-          </a:p>
-          <a:p>
-            <a:r>
-              <a:rPr lang="en-US" dirty="0"/>
-              <a:t>  100</a:t>
+              <a:t> np.intersect1d(n1,n2)</a:t>
+            </a:r>
+          </a:p>
+          <a:p>
+            <a:r>
+              <a:rPr lang="en-US" dirty="0">
+                <a:solidFill>
+                  <a:srgbClr val="FF0000"/>
+                </a:solidFill>
+              </a:rPr>
+              <a:t>Output</a:t>
+            </a:r>
+            <a:r>
+              <a:rPr lang="en-US" dirty="0"/>
+              <a:t>:</a:t>
+            </a:r>
+          </a:p>
+          <a:p>
+            <a:r>
+              <a:rPr lang="en-US" dirty="0"/>
+              <a:t>  array([50,60])</a:t>
             </a:r>
             <a:endParaRPr lang="en-IN" dirty="0"/>
           </a:p>
@@ -5349,10 +5044,10 @@
       </p:sp>
       <p:sp>
         <p:nvSpPr>
-          <p:cNvPr id="6" name="Rectangle: Diagonal Corners Rounded 5">
-            <a:extLst>
-              <a:ext uri="{FF2B5EF4-FFF2-40B4-BE49-F238E27FC236}">
-                <a16:creationId xmlns:a16="http://schemas.microsoft.com/office/drawing/2014/main" id="{6B465EAC-1590-4CA4-914C-457986D924DD}"/>
+          <p:cNvPr id="11" name="Rectangle: Diagonal Corners Rounded 10">
+            <a:extLst>
+              <a:ext uri="{FF2B5EF4-FFF2-40B4-BE49-F238E27FC236}">
+                <a16:creationId xmlns:a16="http://schemas.microsoft.com/office/drawing/2014/main" id="{B51F165A-035A-40C9-A261-29BE19B5CFA0}"/>
               </a:ext>
             </a:extLst>
           </p:cNvPr>
@@ -5361,8 +5056,8 @@
         </p:nvSpPr>
         <p:spPr>
           <a:xfrm>
-            <a:off x="763480" y="4696287"/>
-            <a:ext cx="3906174" cy="1491449"/>
+            <a:off x="838200" y="3232953"/>
+            <a:ext cx="3778188" cy="1287262"/>
           </a:xfrm>
           <a:prstGeom prst="round2DiagRect">
             <a:avLst/>
@@ -5388,41 +5083,93 @@
           <a:p>
             <a:r>
               <a:rPr lang="en-US" dirty="0"/>
-              <a:t> </a:t>
+              <a:t> import </a:t>
             </a:r>
             <a:r>
               <a:rPr lang="en-US" dirty="0" err="1"/>
-              <a:t>np.sum</a:t>
-            </a:r>
-            <a:r>
-              <a:rPr lang="en-US" dirty="0"/>
-              <a:t>([n1,n2],axis=0)</a:t>
-            </a:r>
-          </a:p>
-          <a:p>
-            <a:endParaRPr lang="en-US" dirty="0"/>
-          </a:p>
-          <a:p>
-            <a:r>
-              <a:rPr lang="en-US" dirty="0"/>
-              <a:t>Output:</a:t>
-            </a:r>
-          </a:p>
-          <a:p>
-            <a:r>
-              <a:rPr lang="en-US" dirty="0"/>
-              <a:t> array([40,60])</a:t>
+              <a:t>numpy</a:t>
+            </a:r>
+            <a:r>
+              <a:rPr lang="en-US" dirty="0"/>
+              <a:t> as np</a:t>
+            </a:r>
+          </a:p>
+          <a:p>
+            <a:r>
+              <a:rPr lang="en-US" dirty="0"/>
+              <a:t> n1=</a:t>
+            </a:r>
+            <a:r>
+              <a:rPr lang="en-US" dirty="0" err="1"/>
+              <a:t>np.array</a:t>
+            </a:r>
+            <a:r>
+              <a:rPr lang="en-US" dirty="0"/>
+              <a:t>([10,20,30,40,50,60])</a:t>
+            </a:r>
+          </a:p>
+          <a:p>
+            <a:r>
+              <a:rPr lang="en-US" dirty="0"/>
+              <a:t> n2=</a:t>
+            </a:r>
+            <a:r>
+              <a:rPr lang="en-US" dirty="0" err="1"/>
+              <a:t>np.array</a:t>
+            </a:r>
+            <a:r>
+              <a:rPr lang="en-US" dirty="0"/>
+              <a:t>([50,60,70,80,90])</a:t>
             </a:r>
             <a:endParaRPr lang="en-IN" dirty="0"/>
           </a:p>
         </p:txBody>
       </p:sp>
-      <p:sp>
-        <p:nvSpPr>
-          <p:cNvPr id="8" name="Rectangle: Diagonal Corners Rounded 7">
-            <a:extLst>
-              <a:ext uri="{FF2B5EF4-FFF2-40B4-BE49-F238E27FC236}">
-                <a16:creationId xmlns:a16="http://schemas.microsoft.com/office/drawing/2014/main" id="{1986F29F-428A-4CDB-95E4-6FCC370EB6EC}"/>
+      <p:cxnSp>
+        <p:nvCxnSpPr>
+          <p:cNvPr id="12" name="Straight Arrow Connector 11">
+            <a:extLst>
+              <a:ext uri="{FF2B5EF4-FFF2-40B4-BE49-F238E27FC236}">
+                <a16:creationId xmlns:a16="http://schemas.microsoft.com/office/drawing/2014/main" id="{25316CE1-5AAC-41B5-A96C-107269E47632}"/>
+              </a:ext>
+            </a:extLst>
+          </p:cNvPr>
+          <p:cNvCxnSpPr/>
+          <p:nvPr/>
+        </p:nvCxnSpPr>
+        <p:spPr>
+          <a:xfrm>
+            <a:off x="4647459" y="3863269"/>
+            <a:ext cx="896645" cy="13315"/>
+          </a:xfrm>
+          <a:prstGeom prst="straightConnector1">
+            <a:avLst/>
+          </a:prstGeom>
+          <a:ln>
+            <a:tailEnd type="triangle"/>
+          </a:ln>
+        </p:spPr>
+        <p:style>
+          <a:lnRef idx="1">
+            <a:schemeClr val="dk1"/>
+          </a:lnRef>
+          <a:fillRef idx="0">
+            <a:schemeClr val="dk1"/>
+          </a:fillRef>
+          <a:effectRef idx="0">
+            <a:schemeClr val="dk1"/>
+          </a:effectRef>
+          <a:fontRef idx="minor">
+            <a:schemeClr val="tx1"/>
+          </a:fontRef>
+        </p:style>
+      </p:cxnSp>
+      <p:sp>
+        <p:nvSpPr>
+          <p:cNvPr id="14" name="Rectangle: Diagonal Corners Rounded 13">
+            <a:extLst>
+              <a:ext uri="{FF2B5EF4-FFF2-40B4-BE49-F238E27FC236}">
+                <a16:creationId xmlns:a16="http://schemas.microsoft.com/office/drawing/2014/main" id="{6017A68E-7468-409E-B30A-3E62907589DF}"/>
               </a:ext>
             </a:extLst>
           </p:cNvPr>
@@ -5431,8 +5178,8 @@
         </p:nvSpPr>
         <p:spPr>
           <a:xfrm>
-            <a:off x="7272291" y="4626745"/>
-            <a:ext cx="3906174" cy="1491449"/>
+            <a:off x="5708341" y="3197440"/>
+            <a:ext cx="4225771" cy="1331658"/>
           </a:xfrm>
           <a:prstGeom prst="round2DiagRect">
             <a:avLst/>
@@ -5458,30 +5205,27 @@
           <a:p>
             <a:r>
               <a:rPr lang="en-US" dirty="0"/>
-              <a:t> </a:t>
-            </a:r>
-            <a:r>
-              <a:rPr lang="en-US" dirty="0" err="1"/>
-              <a:t>np.sum</a:t>
-            </a:r>
-            <a:r>
-              <a:rPr lang="en-US" dirty="0"/>
-              <a:t>([n1,n2],axis=1)</a:t>
-            </a:r>
-          </a:p>
-          <a:p>
-            <a:endParaRPr lang="en-US" dirty="0"/>
-          </a:p>
-          <a:p>
-            <a:r>
-              <a:rPr lang="en-US" dirty="0"/>
-              <a:t>Output:</a:t>
-            </a:r>
-          </a:p>
-          <a:p>
-            <a:r>
-              <a:rPr lang="en-US" dirty="0"/>
-              <a:t> array([30,70])</a:t>
+              <a:t> np.setdiff1d(n1,n2)</a:t>
+            </a:r>
+          </a:p>
+          <a:p>
+            <a:r>
+              <a:rPr lang="en-US" dirty="0">
+                <a:solidFill>
+                  <a:srgbClr val="FF0000"/>
+                </a:solidFill>
+              </a:rPr>
+              <a:t>Output</a:t>
+            </a:r>
+            <a:r>
+              <a:rPr lang="en-US" dirty="0"/>
+              <a:t>:</a:t>
+            </a:r>
+          </a:p>
+          <a:p>
+            <a:r>
+              <a:rPr lang="en-US" dirty="0"/>
+              <a:t>  array([10,20,30,40])</a:t>
             </a:r>
             <a:endParaRPr lang="en-IN" dirty="0"/>
           </a:p>
@@ -5489,71 +5233,188 @@
       </p:sp>
       <p:sp>
         <p:nvSpPr>
-          <p:cNvPr id="9" name="TextBox 8">
-            <a:extLst>
-              <a:ext uri="{FF2B5EF4-FFF2-40B4-BE49-F238E27FC236}">
-                <a16:creationId xmlns:a16="http://schemas.microsoft.com/office/drawing/2014/main" id="{E8FFE050-075F-4B40-8165-0484A97FCE75}"/>
-              </a:ext>
-            </a:extLst>
-          </p:cNvPr>
-          <p:cNvSpPr txBox="1"/>
+          <p:cNvPr id="16" name="Rectangle: Diagonal Corners Rounded 15">
+            <a:extLst>
+              <a:ext uri="{FF2B5EF4-FFF2-40B4-BE49-F238E27FC236}">
+                <a16:creationId xmlns:a16="http://schemas.microsoft.com/office/drawing/2014/main" id="{DC5DBABA-57D8-455D-B1BD-D4E4078B52CC}"/>
+              </a:ext>
+            </a:extLst>
+          </p:cNvPr>
+          <p:cNvSpPr/>
           <p:nvPr/>
         </p:nvSpPr>
         <p:spPr>
           <a:xfrm>
-            <a:off x="1358284" y="4257413"/>
-            <a:ext cx="3503203" cy="369332"/>
-          </a:xfrm>
-          <a:prstGeom prst="rect">
+            <a:off x="5708340" y="5035856"/>
+            <a:ext cx="4225771" cy="1331658"/>
+          </a:xfrm>
+          <a:prstGeom prst="round2DiagRect">
             <a:avLst/>
           </a:prstGeom>
-          <a:noFill/>
-        </p:spPr>
-        <p:txBody>
-          <a:bodyPr wrap="none" rtlCol="0">
-            <a:spAutoFit/>
-          </a:bodyPr>
-          <a:lstStyle/>
-          <a:p>
-            <a:r>
-              <a:rPr lang="en-US" dirty="0"/>
-              <a:t>Add with respect to column(axis=0)</a:t>
+        </p:spPr>
+        <p:style>
+          <a:lnRef idx="2">
+            <a:schemeClr val="dk1"/>
+          </a:lnRef>
+          <a:fillRef idx="1">
+            <a:schemeClr val="lt1"/>
+          </a:fillRef>
+          <a:effectRef idx="0">
+            <a:schemeClr val="dk1"/>
+          </a:effectRef>
+          <a:fontRef idx="minor">
+            <a:schemeClr val="dk1"/>
+          </a:fontRef>
+        </p:style>
+        <p:txBody>
+          <a:bodyPr rtlCol="0" anchor="ctr"/>
+          <a:lstStyle/>
+          <a:p>
+            <a:r>
+              <a:rPr lang="en-US" dirty="0"/>
+              <a:t> np.setdiff1d(n2,n1)</a:t>
+            </a:r>
+          </a:p>
+          <a:p>
+            <a:r>
+              <a:rPr lang="en-US" dirty="0">
+                <a:solidFill>
+                  <a:srgbClr val="FF0000"/>
+                </a:solidFill>
+              </a:rPr>
+              <a:t>Output</a:t>
+            </a:r>
+            <a:r>
+              <a:rPr lang="en-US" dirty="0"/>
+              <a:t>:</a:t>
+            </a:r>
+          </a:p>
+          <a:p>
+            <a:r>
+              <a:rPr lang="en-US" dirty="0"/>
+              <a:t>  array([70,80,90])</a:t>
             </a:r>
             <a:endParaRPr lang="en-IN" dirty="0"/>
           </a:p>
         </p:txBody>
       </p:sp>
-      <p:sp>
-        <p:nvSpPr>
-          <p:cNvPr id="10" name="TextBox 9">
-            <a:extLst>
-              <a:ext uri="{FF2B5EF4-FFF2-40B4-BE49-F238E27FC236}">
-                <a16:creationId xmlns:a16="http://schemas.microsoft.com/office/drawing/2014/main" id="{5C644296-E836-4F0C-901E-99AD89FA38FD}"/>
-              </a:ext>
-            </a:extLst>
-          </p:cNvPr>
-          <p:cNvSpPr txBox="1"/>
+      <p:cxnSp>
+        <p:nvCxnSpPr>
+          <p:cNvPr id="17" name="Straight Arrow Connector 16">
+            <a:extLst>
+              <a:ext uri="{FF2B5EF4-FFF2-40B4-BE49-F238E27FC236}">
+                <a16:creationId xmlns:a16="http://schemas.microsoft.com/office/drawing/2014/main" id="{28B86BAC-FB5D-406E-81A1-7D46BFFCCAAB}"/>
+              </a:ext>
+            </a:extLst>
+          </p:cNvPr>
+          <p:cNvCxnSpPr/>
           <p:nvPr/>
-        </p:nvSpPr>
-        <p:spPr>
-          <a:xfrm>
-            <a:off x="7776839" y="4200675"/>
-            <a:ext cx="3167085" cy="369332"/>
-          </a:xfrm>
-          <a:prstGeom prst="rect">
+        </p:nvCxnSpPr>
+        <p:spPr>
+          <a:xfrm>
+            <a:off x="4687408" y="5578142"/>
+            <a:ext cx="896645" cy="13315"/>
+          </a:xfrm>
+          <a:prstGeom prst="straightConnector1">
             <a:avLst/>
           </a:prstGeom>
-          <a:noFill/>
-        </p:spPr>
-        <p:txBody>
-          <a:bodyPr wrap="none" rtlCol="0">
-            <a:spAutoFit/>
-          </a:bodyPr>
-          <a:lstStyle/>
-          <a:p>
-            <a:r>
-              <a:rPr lang="en-US" dirty="0"/>
-              <a:t>Add with respect to row(axis=1)</a:t>
+          <a:ln>
+            <a:tailEnd type="triangle"/>
+          </a:ln>
+        </p:spPr>
+        <p:style>
+          <a:lnRef idx="1">
+            <a:schemeClr val="dk1"/>
+          </a:lnRef>
+          <a:fillRef idx="0">
+            <a:schemeClr val="dk1"/>
+          </a:fillRef>
+          <a:effectRef idx="0">
+            <a:schemeClr val="dk1"/>
+          </a:effectRef>
+          <a:fontRef idx="minor">
+            <a:schemeClr val="tx1"/>
+          </a:fontRef>
+        </p:style>
+      </p:cxnSp>
+      <p:sp>
+        <p:nvSpPr>
+          <p:cNvPr id="19" name="Rectangle: Diagonal Corners Rounded 18">
+            <a:extLst>
+              <a:ext uri="{FF2B5EF4-FFF2-40B4-BE49-F238E27FC236}">
+                <a16:creationId xmlns:a16="http://schemas.microsoft.com/office/drawing/2014/main" id="{9D519DD5-815A-454A-8731-BA07821D6FEC}"/>
+              </a:ext>
+            </a:extLst>
+          </p:cNvPr>
+          <p:cNvSpPr/>
+          <p:nvPr/>
+        </p:nvSpPr>
+        <p:spPr>
+          <a:xfrm>
+            <a:off x="869271" y="5035856"/>
+            <a:ext cx="3778188" cy="1287262"/>
+          </a:xfrm>
+          <a:prstGeom prst="round2DiagRect">
+            <a:avLst/>
+          </a:prstGeom>
+        </p:spPr>
+        <p:style>
+          <a:lnRef idx="2">
+            <a:schemeClr val="dk1"/>
+          </a:lnRef>
+          <a:fillRef idx="1">
+            <a:schemeClr val="lt1"/>
+          </a:fillRef>
+          <a:effectRef idx="0">
+            <a:schemeClr val="dk1"/>
+          </a:effectRef>
+          <a:fontRef idx="minor">
+            <a:schemeClr val="dk1"/>
+          </a:fontRef>
+        </p:style>
+        <p:txBody>
+          <a:bodyPr rtlCol="0" anchor="ctr"/>
+          <a:lstStyle/>
+          <a:p>
+            <a:r>
+              <a:rPr lang="en-US" dirty="0"/>
+              <a:t> import </a:t>
+            </a:r>
+            <a:r>
+              <a:rPr lang="en-US" dirty="0" err="1"/>
+              <a:t>numpy</a:t>
+            </a:r>
+            <a:r>
+              <a:rPr lang="en-US" dirty="0"/>
+              <a:t> as np</a:t>
+            </a:r>
+          </a:p>
+          <a:p>
+            <a:r>
+              <a:rPr lang="en-US" dirty="0"/>
+              <a:t> n1=</a:t>
+            </a:r>
+            <a:r>
+              <a:rPr lang="en-US" dirty="0" err="1"/>
+              <a:t>np.array</a:t>
+            </a:r>
+            <a:r>
+              <a:rPr lang="en-US" dirty="0"/>
+              <a:t>([10,20,30,40,50,60])</a:t>
+            </a:r>
+          </a:p>
+          <a:p>
+            <a:r>
+              <a:rPr lang="en-US" dirty="0"/>
+              <a:t> n2=</a:t>
+            </a:r>
+            <a:r>
+              <a:rPr lang="en-US" dirty="0" err="1"/>
+              <a:t>np.array</a:t>
+            </a:r>
+            <a:r>
+              <a:rPr lang="en-US" dirty="0"/>
+              <a:t>([50,60,70,80,90])</a:t>
             </a:r>
             <a:endParaRPr lang="en-IN" dirty="0"/>
           </a:p>
@@ -5562,7 +5423,7 @@
     </p:spTree>
     <p:extLst>
       <p:ext uri="{BB962C8B-B14F-4D97-AF65-F5344CB8AC3E}">
-        <p14:creationId xmlns:p14="http://schemas.microsoft.com/office/powerpoint/2010/main" val="279553563"/>
+        <p14:creationId xmlns:p14="http://schemas.microsoft.com/office/powerpoint/2010/main" val="676169362"/>
       </p:ext>
     </p:extLst>
   </p:cSld>
@@ -5591,54 +5452,50 @@
       </p:grpSpPr>
       <p:sp>
         <p:nvSpPr>
-          <p:cNvPr id="4" name="TextBox 3">
-            <a:extLst>
-              <a:ext uri="{FF2B5EF4-FFF2-40B4-BE49-F238E27FC236}">
-                <a16:creationId xmlns:a16="http://schemas.microsoft.com/office/drawing/2014/main" id="{704A28FA-5EEA-49C6-99BB-060E6E202D79}"/>
-              </a:ext>
-            </a:extLst>
-          </p:cNvPr>
-          <p:cNvSpPr txBox="1"/>
-          <p:nvPr/>
-        </p:nvSpPr>
-        <p:spPr>
-          <a:xfrm>
-            <a:off x="781235" y="390618"/>
-            <a:ext cx="8902052" cy="646331"/>
-          </a:xfrm>
-          <a:prstGeom prst="rect">
-            <a:avLst/>
-          </a:prstGeom>
-          <a:noFill/>
-        </p:spPr>
-        <p:txBody>
-          <a:bodyPr wrap="none" rtlCol="0">
-            <a:spAutoFit/>
+          <p:cNvPr id="2" name="Title 1">
+            <a:extLst>
+              <a:ext uri="{FF2B5EF4-FFF2-40B4-BE49-F238E27FC236}">
+                <a16:creationId xmlns:a16="http://schemas.microsoft.com/office/drawing/2014/main" id="{50044C9F-54C7-4ED5-95F2-69A548FAA761}"/>
+              </a:ext>
+            </a:extLst>
+          </p:cNvPr>
+          <p:cNvSpPr>
+            <a:spLocks noGrp="1"/>
+          </p:cNvSpPr>
+          <p:nvPr>
+            <p:ph type="title"/>
+          </p:nvPr>
+        </p:nvSpPr>
+        <p:spPr>
+          <a:xfrm>
+            <a:off x="838200" y="365126"/>
+            <a:ext cx="5846685" cy="424988"/>
+          </a:xfrm>
+        </p:spPr>
+        <p:txBody>
+          <a:bodyPr>
+            <a:normAutofit fontScale="90000"/>
           </a:bodyPr>
           <a:lstStyle/>
           <a:p>
             <a:r>
-              <a:rPr lang="en-US" sz="3600" dirty="0"/>
-              <a:t>Basic Arithmetic Operations with </a:t>
-            </a:r>
-            <a:r>
-              <a:rPr lang="en-US" sz="3600" dirty="0" err="1"/>
+              <a:rPr lang="en-US" dirty="0" err="1"/>
               <a:t>Numpy</a:t>
             </a:r>
             <a:r>
-              <a:rPr lang="en-US" sz="3600" dirty="0"/>
-              <a:t> Array</a:t>
-            </a:r>
-            <a:endParaRPr lang="en-IN" sz="3600" dirty="0"/>
-          </a:p>
-        </p:txBody>
-      </p:sp>
-      <p:sp>
-        <p:nvSpPr>
-          <p:cNvPr id="5" name="Rectangle: Diagonal Corners Rounded 4">
-            <a:extLst>
-              <a:ext uri="{FF2B5EF4-FFF2-40B4-BE49-F238E27FC236}">
-                <a16:creationId xmlns:a16="http://schemas.microsoft.com/office/drawing/2014/main" id="{8243B2CF-E3BA-461E-81CB-A53246D3FD85}"/>
+              <a:rPr lang="en-US" dirty="0"/>
+              <a:t> Array Mathematics</a:t>
+            </a:r>
+            <a:endParaRPr lang="en-IN" dirty="0"/>
+          </a:p>
+        </p:txBody>
+      </p:sp>
+      <p:sp>
+        <p:nvSpPr>
+          <p:cNvPr id="4" name="Rectangle: Rounded Corners 3">
+            <a:extLst>
+              <a:ext uri="{FF2B5EF4-FFF2-40B4-BE49-F238E27FC236}">
+                <a16:creationId xmlns:a16="http://schemas.microsoft.com/office/drawing/2014/main" id="{51E959C7-4B18-4CCF-BF36-2CF3BC43A6DB}"/>
               </a:ext>
             </a:extLst>
           </p:cNvPr>
@@ -5647,10 +5504,10 @@
         </p:nvSpPr>
         <p:spPr>
           <a:xfrm>
-            <a:off x="1074198" y="1766656"/>
-            <a:ext cx="4358936" cy="2104008"/>
-          </a:xfrm>
-          <a:prstGeom prst="round2DiagRect">
+            <a:off x="3284737" y="1313895"/>
+            <a:ext cx="5734975" cy="523783"/>
+          </a:xfrm>
+          <a:prstGeom prst="roundRect">
             <a:avLst/>
           </a:prstGeom>
         </p:spPr>
@@ -5672,58 +5529,10 @@
           <a:bodyPr rtlCol="0" anchor="ctr"/>
           <a:lstStyle/>
           <a:p>
-            <a:r>
-              <a:rPr lang="en-US" dirty="0"/>
-              <a:t> import </a:t>
-            </a:r>
-            <a:r>
-              <a:rPr lang="en-US" dirty="0" err="1"/>
-              <a:t>numpy</a:t>
-            </a:r>
-            <a:r>
-              <a:rPr lang="en-US" dirty="0"/>
-              <a:t> as np</a:t>
-            </a:r>
-          </a:p>
-          <a:p>
-            <a:r>
-              <a:rPr lang="en-US" dirty="0"/>
-              <a:t> n1=</a:t>
-            </a:r>
-            <a:r>
-              <a:rPr lang="en-US" dirty="0" err="1"/>
-              <a:t>np.array</a:t>
-            </a:r>
-            <a:r>
-              <a:rPr lang="en-US" dirty="0"/>
-              <a:t>([10,20,30])</a:t>
-            </a:r>
-          </a:p>
-          <a:p>
-            <a:r>
-              <a:rPr lang="en-US" dirty="0"/>
-              <a:t> n1=n1+1</a:t>
-            </a:r>
-          </a:p>
-          <a:p>
-            <a:r>
-              <a:rPr lang="en-US" dirty="0"/>
-              <a:t> print(n1)</a:t>
-            </a:r>
-          </a:p>
-          <a:p>
-            <a:endParaRPr lang="en-US" dirty="0"/>
-          </a:p>
-          <a:p>
-            <a:r>
-              <a:rPr lang="en-US" dirty="0"/>
-              <a:t>Output:</a:t>
-            </a:r>
-          </a:p>
-          <a:p>
-            <a:r>
-              <a:rPr lang="en-US" dirty="0"/>
-              <a:t> array([11,21,31])</a:t>
+            <a:pPr algn="ctr"/>
+            <a:r>
+              <a:rPr lang="en-US" dirty="0"/>
+              <a:t>Addition of NumPy Arrays</a:t>
             </a:r>
             <a:endParaRPr lang="en-IN" dirty="0"/>
           </a:p>
@@ -5731,46 +5540,10 @@
       </p:sp>
       <p:sp>
         <p:nvSpPr>
-          <p:cNvPr id="7" name="TextBox 6">
-            <a:extLst>
-              <a:ext uri="{FF2B5EF4-FFF2-40B4-BE49-F238E27FC236}">
-                <a16:creationId xmlns:a16="http://schemas.microsoft.com/office/drawing/2014/main" id="{1E6EE711-5A50-4D6D-9D7C-71813E3E195E}"/>
-              </a:ext>
-            </a:extLst>
-          </p:cNvPr>
-          <p:cNvSpPr txBox="1"/>
-          <p:nvPr/>
-        </p:nvSpPr>
-        <p:spPr>
-          <a:xfrm>
-            <a:off x="2175029" y="1397324"/>
-            <a:ext cx="1516762" cy="369332"/>
-          </a:xfrm>
-          <a:prstGeom prst="rect">
-            <a:avLst/>
-          </a:prstGeom>
-          <a:noFill/>
-        </p:spPr>
-        <p:txBody>
-          <a:bodyPr wrap="none" rtlCol="0">
-            <a:spAutoFit/>
-          </a:bodyPr>
-          <a:lstStyle/>
-          <a:p>
-            <a:r>
-              <a:rPr lang="en-US" dirty="0"/>
-              <a:t>Basic Addition</a:t>
-            </a:r>
-            <a:endParaRPr lang="en-IN" dirty="0"/>
-          </a:p>
-        </p:txBody>
-      </p:sp>
-      <p:sp>
-        <p:nvSpPr>
-          <p:cNvPr id="9" name="Rectangle: Diagonal Corners Rounded 8">
-            <a:extLst>
-              <a:ext uri="{FF2B5EF4-FFF2-40B4-BE49-F238E27FC236}">
-                <a16:creationId xmlns:a16="http://schemas.microsoft.com/office/drawing/2014/main" id="{437983E3-21CB-410E-9856-EA4FAA90D65F}"/>
+          <p:cNvPr id="5" name="Rectangle: Diagonal Corners Rounded 4">
+            <a:extLst>
+              <a:ext uri="{FF2B5EF4-FFF2-40B4-BE49-F238E27FC236}">
+                <a16:creationId xmlns:a16="http://schemas.microsoft.com/office/drawing/2014/main" id="{D7CD299B-DE0F-4B30-B99B-83B448D572FD}"/>
               </a:ext>
             </a:extLst>
           </p:cNvPr>
@@ -5779,8 +5552,8 @@
         </p:nvSpPr>
         <p:spPr>
           <a:xfrm>
-            <a:off x="6899429" y="1766656"/>
-            <a:ext cx="4358936" cy="2104008"/>
+            <a:off x="3978676" y="2146462"/>
+            <a:ext cx="4234648" cy="1997475"/>
           </a:xfrm>
           <a:prstGeom prst="round2DiagRect">
             <a:avLst/>
@@ -5828,19 +5601,35 @@
             </a:r>
             <a:r>
               <a:rPr lang="en-US" dirty="0"/>
-              <a:t>([10,20,30])</a:t>
-            </a:r>
-          </a:p>
-          <a:p>
-            <a:r>
-              <a:rPr lang="en-US" dirty="0"/>
-              <a:t> n1=n1*2</a:t>
-            </a:r>
-          </a:p>
-          <a:p>
-            <a:r>
-              <a:rPr lang="en-US" dirty="0"/>
-              <a:t> print(n1)</a:t>
+              <a:t>([10,20])</a:t>
+            </a:r>
+          </a:p>
+          <a:p>
+            <a:r>
+              <a:rPr lang="en-US" dirty="0"/>
+              <a:t> n2=</a:t>
+            </a:r>
+            <a:r>
+              <a:rPr lang="en-US" dirty="0" err="1"/>
+              <a:t>np.array</a:t>
+            </a:r>
+            <a:r>
+              <a:rPr lang="en-US" dirty="0"/>
+              <a:t>([30,40])</a:t>
+            </a:r>
+          </a:p>
+          <a:p>
+            <a:r>
+              <a:rPr lang="en-US" dirty="0"/>
+              <a:t> </a:t>
+            </a:r>
+            <a:r>
+              <a:rPr lang="en-US" dirty="0" err="1"/>
+              <a:t>np.sum</a:t>
+            </a:r>
+            <a:r>
+              <a:rPr lang="en-US" dirty="0"/>
+              <a:t>([n1,n2])</a:t>
             </a:r>
           </a:p>
           <a:p>
@@ -5855,7 +5644,7 @@
           <a:p>
             <a:r>
               <a:rPr lang="en-US" dirty="0"/>
-              <a:t> array([20,40,60])</a:t>
+              <a:t>  100</a:t>
             </a:r>
             <a:endParaRPr lang="en-IN" dirty="0"/>
           </a:p>
@@ -5863,46 +5652,10 @@
       </p:sp>
       <p:sp>
         <p:nvSpPr>
-          <p:cNvPr id="11" name="TextBox 10">
-            <a:extLst>
-              <a:ext uri="{FF2B5EF4-FFF2-40B4-BE49-F238E27FC236}">
-                <a16:creationId xmlns:a16="http://schemas.microsoft.com/office/drawing/2014/main" id="{650C905C-1CF1-4D1D-97BB-1F5CB5A40C74}"/>
-              </a:ext>
-            </a:extLst>
-          </p:cNvPr>
-          <p:cNvSpPr txBox="1"/>
-          <p:nvPr/>
-        </p:nvSpPr>
-        <p:spPr>
-          <a:xfrm>
-            <a:off x="7985387" y="1397324"/>
-            <a:ext cx="2020874" cy="369332"/>
-          </a:xfrm>
-          <a:prstGeom prst="rect">
-            <a:avLst/>
-          </a:prstGeom>
-          <a:noFill/>
-        </p:spPr>
-        <p:txBody>
-          <a:bodyPr wrap="none" rtlCol="0">
-            <a:spAutoFit/>
-          </a:bodyPr>
-          <a:lstStyle/>
-          <a:p>
-            <a:r>
-              <a:rPr lang="en-US" dirty="0"/>
-              <a:t>Basic Multiplication</a:t>
-            </a:r>
-            <a:endParaRPr lang="en-IN" dirty="0"/>
-          </a:p>
-        </p:txBody>
-      </p:sp>
-      <p:sp>
-        <p:nvSpPr>
-          <p:cNvPr id="13" name="Rectangle: Diagonal Corners Rounded 12">
-            <a:extLst>
-              <a:ext uri="{FF2B5EF4-FFF2-40B4-BE49-F238E27FC236}">
-                <a16:creationId xmlns:a16="http://schemas.microsoft.com/office/drawing/2014/main" id="{9957EC6D-4647-4D4C-9661-4BD1F6EE3534}"/>
+          <p:cNvPr id="6" name="Rectangle: Diagonal Corners Rounded 5">
+            <a:extLst>
+              <a:ext uri="{FF2B5EF4-FFF2-40B4-BE49-F238E27FC236}">
+                <a16:creationId xmlns:a16="http://schemas.microsoft.com/office/drawing/2014/main" id="{6B465EAC-1590-4CA4-914C-457986D924DD}"/>
               </a:ext>
             </a:extLst>
           </p:cNvPr>
@@ -5911,8 +5664,8 @@
         </p:nvSpPr>
         <p:spPr>
           <a:xfrm>
-            <a:off x="1074198" y="4600371"/>
-            <a:ext cx="4358936" cy="2104008"/>
+            <a:off x="763480" y="4696287"/>
+            <a:ext cx="3906174" cy="1491449"/>
           </a:xfrm>
           <a:prstGeom prst="round2DiagRect">
             <a:avLst/>
@@ -5938,41 +5691,15 @@
           <a:p>
             <a:r>
               <a:rPr lang="en-US" dirty="0"/>
-              <a:t> import </a:t>
+              <a:t> </a:t>
             </a:r>
             <a:r>
               <a:rPr lang="en-US" dirty="0" err="1"/>
-              <a:t>numpy</a:t>
-            </a:r>
-            <a:r>
-              <a:rPr lang="en-US" dirty="0"/>
-              <a:t> as np</a:t>
-            </a:r>
-          </a:p>
-          <a:p>
-            <a:r>
-              <a:rPr lang="en-US" dirty="0"/>
-              <a:t> n1=</a:t>
-            </a:r>
-            <a:r>
-              <a:rPr lang="en-US" dirty="0" err="1"/>
-              <a:t>np.array</a:t>
-            </a:r>
-            <a:r>
-              <a:rPr lang="en-US" dirty="0"/>
-              <a:t>([10,20,30])</a:t>
-            </a:r>
-          </a:p>
-          <a:p>
-            <a:r>
-              <a:rPr lang="en-US" dirty="0"/>
-              <a:t> n1=n1-1</a:t>
-            </a:r>
-          </a:p>
-          <a:p>
-            <a:r>
-              <a:rPr lang="en-US" dirty="0"/>
-              <a:t> print(n1)</a:t>
+              <a:t>np.sum</a:t>
+            </a:r>
+            <a:r>
+              <a:rPr lang="en-US" dirty="0"/>
+              <a:t>([n1,n2],axis=0)</a:t>
             </a:r>
           </a:p>
           <a:p>
@@ -5987,7 +5714,7 @@
           <a:p>
             <a:r>
               <a:rPr lang="en-US" dirty="0"/>
-              <a:t> array([9,19,29])</a:t>
+              <a:t> array([40,60])</a:t>
             </a:r>
             <a:endParaRPr lang="en-IN" dirty="0"/>
           </a:p>
@@ -5995,10 +5722,10 @@
       </p:sp>
       <p:sp>
         <p:nvSpPr>
-          <p:cNvPr id="15" name="Rectangle: Diagonal Corners Rounded 14">
-            <a:extLst>
-              <a:ext uri="{FF2B5EF4-FFF2-40B4-BE49-F238E27FC236}">
-                <a16:creationId xmlns:a16="http://schemas.microsoft.com/office/drawing/2014/main" id="{DCAD4540-3165-4D83-981D-3DEA0545F993}"/>
+          <p:cNvPr id="8" name="Rectangle: Diagonal Corners Rounded 7">
+            <a:extLst>
+              <a:ext uri="{FF2B5EF4-FFF2-40B4-BE49-F238E27FC236}">
+                <a16:creationId xmlns:a16="http://schemas.microsoft.com/office/drawing/2014/main" id="{1986F29F-428A-4CDB-95E4-6FCC370EB6EC}"/>
               </a:ext>
             </a:extLst>
           </p:cNvPr>
@@ -6007,8 +5734,8 @@
         </p:nvSpPr>
         <p:spPr>
           <a:xfrm>
-            <a:off x="6899429" y="4600371"/>
-            <a:ext cx="4358936" cy="2104008"/>
+            <a:off x="7272291" y="4626745"/>
+            <a:ext cx="3906174" cy="1491449"/>
           </a:xfrm>
           <a:prstGeom prst="round2DiagRect">
             <a:avLst/>
@@ -6034,41 +5761,15 @@
           <a:p>
             <a:r>
               <a:rPr lang="en-US" dirty="0"/>
-              <a:t> import </a:t>
+              <a:t> </a:t>
             </a:r>
             <a:r>
               <a:rPr lang="en-US" dirty="0" err="1"/>
-              <a:t>numpy</a:t>
-            </a:r>
-            <a:r>
-              <a:rPr lang="en-US" dirty="0"/>
-              <a:t> as np</a:t>
-            </a:r>
-          </a:p>
-          <a:p>
-            <a:r>
-              <a:rPr lang="en-US" dirty="0"/>
-              <a:t> n1=</a:t>
-            </a:r>
-            <a:r>
-              <a:rPr lang="en-US" dirty="0" err="1"/>
-              <a:t>np.array</a:t>
-            </a:r>
-            <a:r>
-              <a:rPr lang="en-US" dirty="0"/>
-              <a:t>([10,20,30])</a:t>
-            </a:r>
-          </a:p>
-          <a:p>
-            <a:r>
-              <a:rPr lang="en-US" dirty="0"/>
-              <a:t> n1=n1/2</a:t>
-            </a:r>
-          </a:p>
-          <a:p>
-            <a:r>
-              <a:rPr lang="en-US" dirty="0"/>
-              <a:t> print(n1)</a:t>
+              <a:t>np.sum</a:t>
+            </a:r>
+            <a:r>
+              <a:rPr lang="en-US" dirty="0"/>
+              <a:t>([n1,n2],axis=1)</a:t>
             </a:r>
           </a:p>
           <a:p>
@@ -6083,7 +5784,7 @@
           <a:p>
             <a:r>
               <a:rPr lang="en-US" dirty="0"/>
-              <a:t> array([5.,10.,15.])</a:t>
+              <a:t> array([30,70])</a:t>
             </a:r>
             <a:endParaRPr lang="en-IN" dirty="0"/>
           </a:p>
@@ -6091,10 +5792,10 @@
       </p:sp>
       <p:sp>
         <p:nvSpPr>
-          <p:cNvPr id="17" name="TextBox 16">
-            <a:extLst>
-              <a:ext uri="{FF2B5EF4-FFF2-40B4-BE49-F238E27FC236}">
-                <a16:creationId xmlns:a16="http://schemas.microsoft.com/office/drawing/2014/main" id="{6EA6E381-27DA-4737-A7C6-70260E89EFE2}"/>
+          <p:cNvPr id="9" name="TextBox 8">
+            <a:extLst>
+              <a:ext uri="{FF2B5EF4-FFF2-40B4-BE49-F238E27FC236}">
+                <a16:creationId xmlns:a16="http://schemas.microsoft.com/office/drawing/2014/main" id="{E8FFE050-075F-4B40-8165-0484A97FCE75}"/>
               </a:ext>
             </a:extLst>
           </p:cNvPr>
@@ -6103,8 +5804,8 @@
         </p:nvSpPr>
         <p:spPr>
           <a:xfrm>
-            <a:off x="1927934" y="4231039"/>
-            <a:ext cx="1796326" cy="369332"/>
+            <a:off x="1358284" y="4257413"/>
+            <a:ext cx="3503203" cy="369332"/>
           </a:xfrm>
           <a:prstGeom prst="rect">
             <a:avLst/>
@@ -6119,7 +5820,7 @@
           <a:p>
             <a:r>
               <a:rPr lang="en-US" dirty="0"/>
-              <a:t>Basic Subtraction</a:t>
+              <a:t>Add with respect to column(axis=0)</a:t>
             </a:r>
             <a:endParaRPr lang="en-IN" dirty="0"/>
           </a:p>
@@ -6127,10 +5828,10 @@
       </p:sp>
       <p:sp>
         <p:nvSpPr>
-          <p:cNvPr id="19" name="TextBox 18">
-            <a:extLst>
-              <a:ext uri="{FF2B5EF4-FFF2-40B4-BE49-F238E27FC236}">
-                <a16:creationId xmlns:a16="http://schemas.microsoft.com/office/drawing/2014/main" id="{518F2D29-E17B-4016-AE55-41D39C07F3DF}"/>
+          <p:cNvPr id="10" name="TextBox 9">
+            <a:extLst>
+              <a:ext uri="{FF2B5EF4-FFF2-40B4-BE49-F238E27FC236}">
+                <a16:creationId xmlns:a16="http://schemas.microsoft.com/office/drawing/2014/main" id="{5C644296-E836-4F0C-901E-99AD89FA38FD}"/>
               </a:ext>
             </a:extLst>
           </p:cNvPr>
@@ -6139,8 +5840,8 @@
         </p:nvSpPr>
         <p:spPr>
           <a:xfrm>
-            <a:off x="7967792" y="4231039"/>
-            <a:ext cx="1452642" cy="369332"/>
+            <a:off x="7776839" y="4200675"/>
+            <a:ext cx="3167085" cy="369332"/>
           </a:xfrm>
           <a:prstGeom prst="rect">
             <a:avLst/>
@@ -6155,7 +5856,314 @@
           <a:p>
             <a:r>
               <a:rPr lang="en-US" dirty="0"/>
-              <a:t>Basic Division</a:t>
+              <a:t>Add with respect to row(axis=1)</a:t>
+            </a:r>
+            <a:endParaRPr lang="en-IN" dirty="0"/>
+          </a:p>
+        </p:txBody>
+      </p:sp>
+      <p:graphicFrame>
+        <p:nvGraphicFramePr>
+          <p:cNvPr id="3" name="Table 6">
+            <a:extLst>
+              <a:ext uri="{FF2B5EF4-FFF2-40B4-BE49-F238E27FC236}">
+                <a16:creationId xmlns:a16="http://schemas.microsoft.com/office/drawing/2014/main" id="{C8F95BB8-EE22-489D-B9C1-7E6E65A18A7A}"/>
+              </a:ext>
+            </a:extLst>
+          </p:cNvPr>
+          <p:cNvGraphicFramePr>
+            <a:graphicFrameLocks noGrp="1"/>
+          </p:cNvGraphicFramePr>
+          <p:nvPr>
+            <p:extLst>
+              <p:ext uri="{D42A27DB-BD31-4B8C-83A1-F6EECF244321}">
+                <p14:modId xmlns:p14="http://schemas.microsoft.com/office/powerpoint/2010/main" val="3034401790"/>
+              </p:ext>
+            </p:extLst>
+          </p:nvPr>
+        </p:nvGraphicFramePr>
+        <p:xfrm>
+          <a:off x="10039658" y="2146462"/>
+          <a:ext cx="1252738" cy="1579650"/>
+        </p:xfrm>
+        <a:graphic>
+          <a:graphicData uri="http://schemas.openxmlformats.org/drawingml/2006/table">
+            <a:tbl>
+              <a:tblPr firstRow="1" bandRow="1">
+                <a:tableStyleId>{F5AB1C69-6EDB-4FF4-983F-18BD219EF322}</a:tableStyleId>
+              </a:tblPr>
+              <a:tblGrid>
+                <a:gridCol w="626369">
+                  <a:extLst>
+                    <a:ext uri="{9D8B030D-6E8A-4147-A177-3AD203B41FA5}">
+                      <a16:colId xmlns:a16="http://schemas.microsoft.com/office/drawing/2014/main" val="299999512"/>
+                    </a:ext>
+                  </a:extLst>
+                </a:gridCol>
+                <a:gridCol w="626369">
+                  <a:extLst>
+                    <a:ext uri="{9D8B030D-6E8A-4147-A177-3AD203B41FA5}">
+                      <a16:colId xmlns:a16="http://schemas.microsoft.com/office/drawing/2014/main" val="254679205"/>
+                    </a:ext>
+                  </a:extLst>
+                </a:gridCol>
+              </a:tblGrid>
+              <a:tr h="526550">
+                <a:tc>
+                  <a:txBody>
+                    <a:bodyPr/>
+                    <a:lstStyle/>
+                    <a:p>
+                      <a:r>
+                        <a:rPr lang="en-US" dirty="0"/>
+                        <a:t>1</a:t>
+                      </a:r>
+                      <a:endParaRPr lang="en-IN" dirty="0"/>
+                    </a:p>
+                  </a:txBody>
+                  <a:tcPr/>
+                </a:tc>
+                <a:tc>
+                  <a:txBody>
+                    <a:bodyPr/>
+                    <a:lstStyle/>
+                    <a:p>
+                      <a:r>
+                        <a:rPr lang="en-US" dirty="0"/>
+                        <a:t>2</a:t>
+                      </a:r>
+                      <a:endParaRPr lang="en-IN" dirty="0"/>
+                    </a:p>
+                  </a:txBody>
+                  <a:tcPr/>
+                </a:tc>
+                <a:extLst>
+                  <a:ext uri="{0D108BD9-81ED-4DB2-BD59-A6C34878D82A}">
+                    <a16:rowId xmlns:a16="http://schemas.microsoft.com/office/drawing/2014/main" val="2769784353"/>
+                  </a:ext>
+                </a:extLst>
+              </a:tr>
+              <a:tr h="526550">
+                <a:tc>
+                  <a:txBody>
+                    <a:bodyPr/>
+                    <a:lstStyle/>
+                    <a:p>
+                      <a:r>
+                        <a:rPr lang="en-US" dirty="0"/>
+                        <a:t>3</a:t>
+                      </a:r>
+                      <a:endParaRPr lang="en-IN" dirty="0"/>
+                    </a:p>
+                  </a:txBody>
+                  <a:tcPr/>
+                </a:tc>
+                <a:tc>
+                  <a:txBody>
+                    <a:bodyPr/>
+                    <a:lstStyle/>
+                    <a:p>
+                      <a:r>
+                        <a:rPr lang="en-US" dirty="0"/>
+                        <a:t>4</a:t>
+                      </a:r>
+                      <a:endParaRPr lang="en-IN" dirty="0"/>
+                    </a:p>
+                  </a:txBody>
+                  <a:tcPr/>
+                </a:tc>
+                <a:extLst>
+                  <a:ext uri="{0D108BD9-81ED-4DB2-BD59-A6C34878D82A}">
+                    <a16:rowId xmlns:a16="http://schemas.microsoft.com/office/drawing/2014/main" val="725596770"/>
+                  </a:ext>
+                </a:extLst>
+              </a:tr>
+              <a:tr h="526550">
+                <a:tc>
+                  <a:txBody>
+                    <a:bodyPr/>
+                    <a:lstStyle/>
+                    <a:p>
+                      <a:r>
+                        <a:rPr lang="en-US" dirty="0"/>
+                        <a:t>5</a:t>
+                      </a:r>
+                      <a:endParaRPr lang="en-IN" dirty="0"/>
+                    </a:p>
+                  </a:txBody>
+                  <a:tcPr/>
+                </a:tc>
+                <a:tc>
+                  <a:txBody>
+                    <a:bodyPr/>
+                    <a:lstStyle/>
+                    <a:p>
+                      <a:r>
+                        <a:rPr lang="en-US" dirty="0"/>
+                        <a:t>6</a:t>
+                      </a:r>
+                      <a:endParaRPr lang="en-IN" dirty="0"/>
+                    </a:p>
+                  </a:txBody>
+                  <a:tcPr/>
+                </a:tc>
+                <a:extLst>
+                  <a:ext uri="{0D108BD9-81ED-4DB2-BD59-A6C34878D82A}">
+                    <a16:rowId xmlns:a16="http://schemas.microsoft.com/office/drawing/2014/main" val="2081458814"/>
+                  </a:ext>
+                </a:extLst>
+              </a:tr>
+            </a:tbl>
+          </a:graphicData>
+        </a:graphic>
+      </p:graphicFrame>
+      <p:cxnSp>
+        <p:nvCxnSpPr>
+          <p:cNvPr id="11" name="Straight Arrow Connector 10">
+            <a:extLst>
+              <a:ext uri="{FF2B5EF4-FFF2-40B4-BE49-F238E27FC236}">
+                <a16:creationId xmlns:a16="http://schemas.microsoft.com/office/drawing/2014/main" id="{1391A471-221A-4354-A85F-927A1515BA59}"/>
+              </a:ext>
+            </a:extLst>
+          </p:cNvPr>
+          <p:cNvCxnSpPr>
+            <a:endCxn id="3" idx="0"/>
+          </p:cNvCxnSpPr>
+          <p:nvPr/>
+        </p:nvCxnSpPr>
+        <p:spPr>
+          <a:xfrm>
+            <a:off x="10666027" y="1575786"/>
+            <a:ext cx="0" cy="570676"/>
+          </a:xfrm>
+          <a:prstGeom prst="straightConnector1">
+            <a:avLst/>
+          </a:prstGeom>
+          <a:ln>
+            <a:tailEnd type="triangle"/>
+          </a:ln>
+        </p:spPr>
+        <p:style>
+          <a:lnRef idx="3">
+            <a:schemeClr val="dk1"/>
+          </a:lnRef>
+          <a:fillRef idx="0">
+            <a:schemeClr val="dk1"/>
+          </a:fillRef>
+          <a:effectRef idx="2">
+            <a:schemeClr val="dk1"/>
+          </a:effectRef>
+          <a:fontRef idx="minor">
+            <a:schemeClr val="tx1"/>
+          </a:fontRef>
+        </p:style>
+      </p:cxnSp>
+      <p:cxnSp>
+        <p:nvCxnSpPr>
+          <p:cNvPr id="13" name="Straight Arrow Connector 12">
+            <a:extLst>
+              <a:ext uri="{FF2B5EF4-FFF2-40B4-BE49-F238E27FC236}">
+                <a16:creationId xmlns:a16="http://schemas.microsoft.com/office/drawing/2014/main" id="{91DB2527-C2B1-4162-B388-F498616F9991}"/>
+              </a:ext>
+            </a:extLst>
+          </p:cNvPr>
+          <p:cNvCxnSpPr/>
+          <p:nvPr/>
+        </p:nvCxnSpPr>
+        <p:spPr>
+          <a:xfrm>
+            <a:off x="9225378" y="3000652"/>
+            <a:ext cx="690979" cy="0"/>
+          </a:xfrm>
+          <a:prstGeom prst="straightConnector1">
+            <a:avLst/>
+          </a:prstGeom>
+          <a:ln>
+            <a:tailEnd type="triangle"/>
+          </a:ln>
+        </p:spPr>
+        <p:style>
+          <a:lnRef idx="3">
+            <a:schemeClr val="accent1"/>
+          </a:lnRef>
+          <a:fillRef idx="0">
+            <a:schemeClr val="accent1"/>
+          </a:fillRef>
+          <a:effectRef idx="2">
+            <a:schemeClr val="accent1"/>
+          </a:effectRef>
+          <a:fontRef idx="minor">
+            <a:schemeClr val="tx1"/>
+          </a:fontRef>
+        </p:style>
+      </p:cxnSp>
+      <p:sp>
+        <p:nvSpPr>
+          <p:cNvPr id="14" name="TextBox 13">
+            <a:extLst>
+              <a:ext uri="{FF2B5EF4-FFF2-40B4-BE49-F238E27FC236}">
+                <a16:creationId xmlns:a16="http://schemas.microsoft.com/office/drawing/2014/main" id="{27612E85-3419-4CA0-BD3E-63CD93F704BB}"/>
+              </a:ext>
+            </a:extLst>
+          </p:cNvPr>
+          <p:cNvSpPr txBox="1"/>
+          <p:nvPr/>
+        </p:nvSpPr>
+        <p:spPr>
+          <a:xfrm>
+            <a:off x="10348506" y="1334382"/>
+            <a:ext cx="792205" cy="369332"/>
+          </a:xfrm>
+          <a:prstGeom prst="rect">
+            <a:avLst/>
+          </a:prstGeom>
+          <a:noFill/>
+        </p:spPr>
+        <p:txBody>
+          <a:bodyPr wrap="none" rtlCol="0">
+            <a:spAutoFit/>
+          </a:bodyPr>
+          <a:lstStyle/>
+          <a:p>
+            <a:r>
+              <a:rPr lang="en-US" dirty="0"/>
+              <a:t>Axis=0</a:t>
+            </a:r>
+            <a:endParaRPr lang="en-IN" dirty="0"/>
+          </a:p>
+        </p:txBody>
+      </p:sp>
+      <p:sp>
+        <p:nvSpPr>
+          <p:cNvPr id="15" name="TextBox 14">
+            <a:extLst>
+              <a:ext uri="{FF2B5EF4-FFF2-40B4-BE49-F238E27FC236}">
+                <a16:creationId xmlns:a16="http://schemas.microsoft.com/office/drawing/2014/main" id="{09AED57D-5438-4D66-A83F-C717AC59CBDA}"/>
+              </a:ext>
+            </a:extLst>
+          </p:cNvPr>
+          <p:cNvSpPr txBox="1"/>
+          <p:nvPr/>
+        </p:nvSpPr>
+        <p:spPr>
+          <a:xfrm>
+            <a:off x="8433173" y="2815986"/>
+            <a:ext cx="792205" cy="369332"/>
+          </a:xfrm>
+          <a:prstGeom prst="rect">
+            <a:avLst/>
+          </a:prstGeom>
+          <a:noFill/>
+        </p:spPr>
+        <p:txBody>
+          <a:bodyPr wrap="none" rtlCol="0">
+            <a:spAutoFit/>
+          </a:bodyPr>
+          <a:lstStyle/>
+          <a:p>
+            <a:r>
+              <a:rPr lang="en-US" dirty="0"/>
+              <a:t>Axis=1</a:t>
             </a:r>
             <a:endParaRPr lang="en-IN" dirty="0"/>
           </a:p>
@@ -6164,7 +6172,7 @@
     </p:spTree>
     <p:extLst>
       <p:ext uri="{BB962C8B-B14F-4D97-AF65-F5344CB8AC3E}">
-        <p14:creationId xmlns:p14="http://schemas.microsoft.com/office/powerpoint/2010/main" val="2183459736"/>
+        <p14:creationId xmlns:p14="http://schemas.microsoft.com/office/powerpoint/2010/main" val="279553563"/>
       </p:ext>
     </p:extLst>
   </p:cSld>
@@ -6193,46 +6201,54 @@
       </p:grpSpPr>
       <p:sp>
         <p:nvSpPr>
-          <p:cNvPr id="2" name="Title 1">
-            <a:extLst>
-              <a:ext uri="{FF2B5EF4-FFF2-40B4-BE49-F238E27FC236}">
-                <a16:creationId xmlns:a16="http://schemas.microsoft.com/office/drawing/2014/main" id="{371AFDFC-829B-4E77-B078-B4EC719875C1}"/>
-              </a:ext>
-            </a:extLst>
-          </p:cNvPr>
-          <p:cNvSpPr>
-            <a:spLocks noGrp="1"/>
-          </p:cNvSpPr>
-          <p:nvPr>
-            <p:ph type="title"/>
-          </p:nvPr>
-        </p:nvSpPr>
-        <p:spPr>
-          <a:xfrm>
-            <a:off x="838200" y="365125"/>
-            <a:ext cx="5118717" cy="558153"/>
-          </a:xfrm>
-        </p:spPr>
-        <p:txBody>
-          <a:bodyPr>
-            <a:normAutofit fontScale="90000"/>
+          <p:cNvPr id="4" name="TextBox 3">
+            <a:extLst>
+              <a:ext uri="{FF2B5EF4-FFF2-40B4-BE49-F238E27FC236}">
+                <a16:creationId xmlns:a16="http://schemas.microsoft.com/office/drawing/2014/main" id="{704A28FA-5EEA-49C6-99BB-060E6E202D79}"/>
+              </a:ext>
+            </a:extLst>
+          </p:cNvPr>
+          <p:cNvSpPr txBox="1"/>
+          <p:nvPr/>
+        </p:nvSpPr>
+        <p:spPr>
+          <a:xfrm>
+            <a:off x="781235" y="390618"/>
+            <a:ext cx="8902052" cy="646331"/>
+          </a:xfrm>
+          <a:prstGeom prst="rect">
+            <a:avLst/>
+          </a:prstGeom>
+          <a:noFill/>
+        </p:spPr>
+        <p:txBody>
+          <a:bodyPr wrap="none" rtlCol="0">
+            <a:spAutoFit/>
           </a:bodyPr>
           <a:lstStyle/>
           <a:p>
             <a:r>
-              <a:rPr lang="en-US" dirty="0"/>
-              <a:t>NumPy Math Functions</a:t>
-            </a:r>
-            <a:endParaRPr lang="en-IN" dirty="0"/>
-          </a:p>
-        </p:txBody>
-      </p:sp>
-      <p:sp>
-        <p:nvSpPr>
-          <p:cNvPr id="4" name="Rectangle: Diagonal Corners Rounded 3">
-            <a:extLst>
-              <a:ext uri="{FF2B5EF4-FFF2-40B4-BE49-F238E27FC236}">
-                <a16:creationId xmlns:a16="http://schemas.microsoft.com/office/drawing/2014/main" id="{5180B912-938A-4380-AC46-A41D6D56D12D}"/>
+              <a:rPr lang="en-US" sz="3600" dirty="0"/>
+              <a:t>Basic Arithmetic Operations with </a:t>
+            </a:r>
+            <a:r>
+              <a:rPr lang="en-US" sz="3600" dirty="0" err="1"/>
+              <a:t>Numpy</a:t>
+            </a:r>
+            <a:r>
+              <a:rPr lang="en-US" sz="3600" dirty="0"/>
+              <a:t> Array</a:t>
+            </a:r>
+            <a:endParaRPr lang="en-IN" sz="3600" dirty="0"/>
+          </a:p>
+        </p:txBody>
+      </p:sp>
+      <p:sp>
+        <p:nvSpPr>
+          <p:cNvPr id="5" name="Rectangle: Diagonal Corners Rounded 4">
+            <a:extLst>
+              <a:ext uri="{FF2B5EF4-FFF2-40B4-BE49-F238E27FC236}">
+                <a16:creationId xmlns:a16="http://schemas.microsoft.com/office/drawing/2014/main" id="{8243B2CF-E3BA-461E-81CB-A53246D3FD85}"/>
               </a:ext>
             </a:extLst>
           </p:cNvPr>
@@ -6241,8 +6257,8 @@
         </p:nvSpPr>
         <p:spPr>
           <a:xfrm>
-            <a:off x="1074198" y="1890944"/>
-            <a:ext cx="3950564" cy="1420428"/>
+            <a:off x="1074198" y="1766656"/>
+            <a:ext cx="4358936" cy="2104008"/>
           </a:xfrm>
           <a:prstGeom prst="round2DiagRect">
             <a:avLst/>
@@ -6290,21 +6306,19 @@
             </a:r>
             <a:r>
               <a:rPr lang="en-US" dirty="0"/>
-              <a:t>([10,20,30,40,50,60])</a:t>
-            </a:r>
-          </a:p>
-          <a:p>
-            <a:r>
-              <a:rPr lang="en-US" dirty="0"/>
-              <a:t> </a:t>
-            </a:r>
-            <a:r>
-              <a:rPr lang="en-US" dirty="0" err="1"/>
-              <a:t>np.mean</a:t>
-            </a:r>
-            <a:r>
-              <a:rPr lang="en-US" dirty="0"/>
-              <a:t>(n1)</a:t>
+              <a:t>([10,20,30])</a:t>
+            </a:r>
+          </a:p>
+          <a:p>
+            <a:r>
+              <a:rPr lang="en-US" dirty="0"/>
+              <a:t> n1=n1+1</a:t>
+            </a:r>
+          </a:p>
+          <a:p>
+            <a:r>
+              <a:rPr lang="en-US" dirty="0"/>
+              <a:t> print(n1)</a:t>
             </a:r>
           </a:p>
           <a:p>
@@ -6313,7 +6327,13 @@
           <a:p>
             <a:r>
               <a:rPr lang="en-US" dirty="0"/>
-              <a:t>Output: 35.0</a:t>
+              <a:t>Output:</a:t>
+            </a:r>
+          </a:p>
+          <a:p>
+            <a:r>
+              <a:rPr lang="en-US" dirty="0"/>
+              <a:t> array([11,21,31])</a:t>
             </a:r>
             <a:endParaRPr lang="en-IN" dirty="0"/>
           </a:p>
@@ -6321,10 +6341,10 @@
       </p:sp>
       <p:sp>
         <p:nvSpPr>
-          <p:cNvPr id="5" name="TextBox 4">
-            <a:extLst>
-              <a:ext uri="{FF2B5EF4-FFF2-40B4-BE49-F238E27FC236}">
-                <a16:creationId xmlns:a16="http://schemas.microsoft.com/office/drawing/2014/main" id="{08908CC4-91D3-499E-AE78-4A562D016D0F}"/>
+          <p:cNvPr id="7" name="TextBox 6">
+            <a:extLst>
+              <a:ext uri="{FF2B5EF4-FFF2-40B4-BE49-F238E27FC236}">
+                <a16:creationId xmlns:a16="http://schemas.microsoft.com/office/drawing/2014/main" id="{1E6EE711-5A50-4D6D-9D7C-71813E3E195E}"/>
               </a:ext>
             </a:extLst>
           </p:cNvPr>
@@ -6333,8 +6353,8 @@
         </p:nvSpPr>
         <p:spPr>
           <a:xfrm>
-            <a:off x="2459114" y="1521612"/>
-            <a:ext cx="729687" cy="369332"/>
+            <a:off x="2175029" y="1397324"/>
+            <a:ext cx="1516762" cy="369332"/>
           </a:xfrm>
           <a:prstGeom prst="rect">
             <a:avLst/>
@@ -6349,7 +6369,7 @@
           <a:p>
             <a:r>
               <a:rPr lang="en-US" dirty="0"/>
-              <a:t>Mean</a:t>
+              <a:t>Basic Addition</a:t>
             </a:r>
             <a:endParaRPr lang="en-IN" dirty="0"/>
           </a:p>
@@ -6360,7 +6380,7 @@
           <p:cNvPr id="9" name="Rectangle: Diagonal Corners Rounded 8">
             <a:extLst>
               <a:ext uri="{FF2B5EF4-FFF2-40B4-BE49-F238E27FC236}">
-                <a16:creationId xmlns:a16="http://schemas.microsoft.com/office/drawing/2014/main" id="{E5655093-58FD-48D7-80C1-EE6F89919E7B}"/>
+                <a16:creationId xmlns:a16="http://schemas.microsoft.com/office/drawing/2014/main" id="{437983E3-21CB-410E-9856-EA4FAA90D65F}"/>
               </a:ext>
             </a:extLst>
           </p:cNvPr>
@@ -6369,8 +6389,8 @@
         </p:nvSpPr>
         <p:spPr>
           <a:xfrm>
-            <a:off x="6846163" y="1890944"/>
-            <a:ext cx="3950564" cy="1420428"/>
+            <a:off x="6899429" y="1766656"/>
+            <a:ext cx="4358936" cy="2104008"/>
           </a:xfrm>
           <a:prstGeom prst="round2DiagRect">
             <a:avLst/>
@@ -6418,21 +6438,19 @@
             </a:r>
             <a:r>
               <a:rPr lang="en-US" dirty="0"/>
-              <a:t>([1,5,3,100,4,48])</a:t>
-            </a:r>
-          </a:p>
-          <a:p>
-            <a:r>
-              <a:rPr lang="en-US" dirty="0"/>
-              <a:t> </a:t>
-            </a:r>
-            <a:r>
-              <a:rPr lang="en-US" dirty="0" err="1"/>
-              <a:t>np.std</a:t>
-            </a:r>
-            <a:r>
-              <a:rPr lang="en-US" dirty="0"/>
-              <a:t>(n1)</a:t>
+              <a:t>([10,20,30])</a:t>
+            </a:r>
+          </a:p>
+          <a:p>
+            <a:r>
+              <a:rPr lang="en-US" dirty="0"/>
+              <a:t> n1=n1*2</a:t>
+            </a:r>
+          </a:p>
+          <a:p>
+            <a:r>
+              <a:rPr lang="en-US" dirty="0"/>
+              <a:t> print(n1)</a:t>
             </a:r>
           </a:p>
           <a:p>
@@ -6441,7 +6459,13 @@
           <a:p>
             <a:r>
               <a:rPr lang="en-US" dirty="0"/>
-              <a:t>Output: 36.59424666377065</a:t>
+              <a:t>Output:</a:t>
+            </a:r>
+          </a:p>
+          <a:p>
+            <a:r>
+              <a:rPr lang="en-US" dirty="0"/>
+              <a:t> array([20,40,60])</a:t>
             </a:r>
             <a:endParaRPr lang="en-IN" dirty="0"/>
           </a:p>
@@ -6449,10 +6473,10 @@
       </p:sp>
       <p:sp>
         <p:nvSpPr>
-          <p:cNvPr id="13" name="TextBox 12">
-            <a:extLst>
-              <a:ext uri="{FF2B5EF4-FFF2-40B4-BE49-F238E27FC236}">
-                <a16:creationId xmlns:a16="http://schemas.microsoft.com/office/drawing/2014/main" id="{C0F1F8C5-8084-4F55-80EF-17A14AB2027C}"/>
+          <p:cNvPr id="11" name="TextBox 10">
+            <a:extLst>
+              <a:ext uri="{FF2B5EF4-FFF2-40B4-BE49-F238E27FC236}">
+                <a16:creationId xmlns:a16="http://schemas.microsoft.com/office/drawing/2014/main" id="{650C905C-1CF1-4D1D-97BB-1F5CB5A40C74}"/>
               </a:ext>
             </a:extLst>
           </p:cNvPr>
@@ -6461,8 +6485,8 @@
         </p:nvSpPr>
         <p:spPr>
           <a:xfrm>
-            <a:off x="7911484" y="1521612"/>
-            <a:ext cx="1977208" cy="369332"/>
+            <a:off x="7985387" y="1397324"/>
+            <a:ext cx="2020874" cy="369332"/>
           </a:xfrm>
           <a:prstGeom prst="rect">
             <a:avLst/>
@@ -6477,7 +6501,7 @@
           <a:p>
             <a:r>
               <a:rPr lang="en-US" dirty="0"/>
-              <a:t>Standard Deviation</a:t>
+              <a:t>Basic Multiplication</a:t>
             </a:r>
             <a:endParaRPr lang="en-IN" dirty="0"/>
           </a:p>
@@ -6485,10 +6509,10 @@
       </p:sp>
       <p:sp>
         <p:nvSpPr>
-          <p:cNvPr id="15" name="Rectangle: Diagonal Corners Rounded 14">
-            <a:extLst>
-              <a:ext uri="{FF2B5EF4-FFF2-40B4-BE49-F238E27FC236}">
-                <a16:creationId xmlns:a16="http://schemas.microsoft.com/office/drawing/2014/main" id="{A0DAE5CF-FDCB-4A87-AB6B-40CE09E96B17}"/>
+          <p:cNvPr id="13" name="Rectangle: Diagonal Corners Rounded 12">
+            <a:extLst>
+              <a:ext uri="{FF2B5EF4-FFF2-40B4-BE49-F238E27FC236}">
+                <a16:creationId xmlns:a16="http://schemas.microsoft.com/office/drawing/2014/main" id="{9957EC6D-4647-4D4C-9661-4BD1F6EE3534}"/>
               </a:ext>
             </a:extLst>
           </p:cNvPr>
@@ -6497,8 +6521,8 @@
         </p:nvSpPr>
         <p:spPr>
           <a:xfrm>
-            <a:off x="1074198" y="4626174"/>
-            <a:ext cx="3950564" cy="1420428"/>
+            <a:off x="1074198" y="4600371"/>
+            <a:ext cx="4358936" cy="2104008"/>
           </a:xfrm>
           <a:prstGeom prst="round2DiagRect">
             <a:avLst/>
@@ -6546,21 +6570,115 @@
             </a:r>
             <a:r>
               <a:rPr lang="en-US" dirty="0"/>
-              <a:t>([11,44,5,96,67,85])</a:t>
-            </a:r>
-          </a:p>
-          <a:p>
-            <a:r>
-              <a:rPr lang="en-US" dirty="0"/>
-              <a:t> </a:t>
+              <a:t>([10,20,30])</a:t>
+            </a:r>
+          </a:p>
+          <a:p>
+            <a:r>
+              <a:rPr lang="en-US" dirty="0"/>
+              <a:t> n1=n1-1</a:t>
+            </a:r>
+          </a:p>
+          <a:p>
+            <a:r>
+              <a:rPr lang="en-US" dirty="0"/>
+              <a:t> print(n1)</a:t>
+            </a:r>
+          </a:p>
+          <a:p>
+            <a:endParaRPr lang="en-US" dirty="0"/>
+          </a:p>
+          <a:p>
+            <a:r>
+              <a:rPr lang="en-US" dirty="0"/>
+              <a:t>Output:</a:t>
+            </a:r>
+          </a:p>
+          <a:p>
+            <a:r>
+              <a:rPr lang="en-US" dirty="0"/>
+              <a:t> array([9,19,29])</a:t>
+            </a:r>
+            <a:endParaRPr lang="en-IN" dirty="0"/>
+          </a:p>
+        </p:txBody>
+      </p:sp>
+      <p:sp>
+        <p:nvSpPr>
+          <p:cNvPr id="15" name="Rectangle: Diagonal Corners Rounded 14">
+            <a:extLst>
+              <a:ext uri="{FF2B5EF4-FFF2-40B4-BE49-F238E27FC236}">
+                <a16:creationId xmlns:a16="http://schemas.microsoft.com/office/drawing/2014/main" id="{DCAD4540-3165-4D83-981D-3DEA0545F993}"/>
+              </a:ext>
+            </a:extLst>
+          </p:cNvPr>
+          <p:cNvSpPr/>
+          <p:nvPr/>
+        </p:nvSpPr>
+        <p:spPr>
+          <a:xfrm>
+            <a:off x="6899429" y="4600371"/>
+            <a:ext cx="4358936" cy="2104008"/>
+          </a:xfrm>
+          <a:prstGeom prst="round2DiagRect">
+            <a:avLst/>
+          </a:prstGeom>
+        </p:spPr>
+        <p:style>
+          <a:lnRef idx="2">
+            <a:schemeClr val="dk1"/>
+          </a:lnRef>
+          <a:fillRef idx="1">
+            <a:schemeClr val="lt1"/>
+          </a:fillRef>
+          <a:effectRef idx="0">
+            <a:schemeClr val="dk1"/>
+          </a:effectRef>
+          <a:fontRef idx="minor">
+            <a:schemeClr val="dk1"/>
+          </a:fontRef>
+        </p:style>
+        <p:txBody>
+          <a:bodyPr rtlCol="0" anchor="ctr"/>
+          <a:lstStyle/>
+          <a:p>
+            <a:r>
+              <a:rPr lang="en-US" dirty="0"/>
+              <a:t> import </a:t>
             </a:r>
             <a:r>
               <a:rPr lang="en-US" dirty="0" err="1"/>
-              <a:t>np.median</a:t>
-            </a:r>
-            <a:r>
-              <a:rPr lang="en-US" dirty="0"/>
-              <a:t>(n1)</a:t>
+              <a:t>numpy</a:t>
+            </a:r>
+            <a:r>
+              <a:rPr lang="en-US" dirty="0"/>
+              <a:t> as np</a:t>
+            </a:r>
+          </a:p>
+          <a:p>
+            <a:r>
+              <a:rPr lang="en-US" dirty="0"/>
+              <a:t> n1=</a:t>
+            </a:r>
+            <a:r>
+              <a:rPr lang="en-US" dirty="0" err="1"/>
+              <a:t>np.array</a:t>
+            </a:r>
+            <a:r>
+              <a:rPr lang="en-US" dirty="0"/>
+              <a:t>([10,20,30])</a:t>
+            </a:r>
+          </a:p>
+          <a:p>
+            <a:r>
+              <a:rPr lang="en-US" dirty="0"/>
+              <a:t> n1=n1/2</a:t>
+            </a:r>
+          </a:p>
+          <a:p>
+            <a:r>
+              <a:rPr lang="en-US" dirty="0"/>
+              <a:t> print(n1)</a:t>
             </a:r>
           </a:p>
           <a:p>
@@ -6569,7 +6687,13 @@
           <a:p>
             <a:r>
               <a:rPr lang="en-US" dirty="0"/>
-              <a:t>Output: 55.5</a:t>
+              <a:t>Output:</a:t>
+            </a:r>
+          </a:p>
+          <a:p>
+            <a:r>
+              <a:rPr lang="en-US" dirty="0"/>
+              <a:t> array([5.,10.,15.])</a:t>
             </a:r>
             <a:endParaRPr lang="en-IN" dirty="0"/>
           </a:p>
@@ -6580,7 +6704,7 @@
           <p:cNvPr id="17" name="TextBox 16">
             <a:extLst>
               <a:ext uri="{FF2B5EF4-FFF2-40B4-BE49-F238E27FC236}">
-                <a16:creationId xmlns:a16="http://schemas.microsoft.com/office/drawing/2014/main" id="{3FF21DA5-C564-405E-81A5-C0739A53148D}"/>
+                <a16:creationId xmlns:a16="http://schemas.microsoft.com/office/drawing/2014/main" id="{6EA6E381-27DA-4737-A7C6-70260E89EFE2}"/>
               </a:ext>
             </a:extLst>
           </p:cNvPr>
@@ -6589,8 +6713,8 @@
         </p:nvSpPr>
         <p:spPr>
           <a:xfrm>
-            <a:off x="2262089" y="4094372"/>
-            <a:ext cx="904415" cy="369332"/>
+            <a:off x="1927934" y="4231039"/>
+            <a:ext cx="1796326" cy="369332"/>
           </a:xfrm>
           <a:prstGeom prst="rect">
             <a:avLst/>
@@ -6605,7 +6729,43 @@
           <a:p>
             <a:r>
               <a:rPr lang="en-US" dirty="0"/>
-              <a:t>Median</a:t>
+              <a:t>Basic Subtraction</a:t>
+            </a:r>
+            <a:endParaRPr lang="en-IN" dirty="0"/>
+          </a:p>
+        </p:txBody>
+      </p:sp>
+      <p:sp>
+        <p:nvSpPr>
+          <p:cNvPr id="19" name="TextBox 18">
+            <a:extLst>
+              <a:ext uri="{FF2B5EF4-FFF2-40B4-BE49-F238E27FC236}">
+                <a16:creationId xmlns:a16="http://schemas.microsoft.com/office/drawing/2014/main" id="{518F2D29-E17B-4016-AE55-41D39C07F3DF}"/>
+              </a:ext>
+            </a:extLst>
+          </p:cNvPr>
+          <p:cNvSpPr txBox="1"/>
+          <p:nvPr/>
+        </p:nvSpPr>
+        <p:spPr>
+          <a:xfrm>
+            <a:off x="7967792" y="4231039"/>
+            <a:ext cx="1452642" cy="369332"/>
+          </a:xfrm>
+          <a:prstGeom prst="rect">
+            <a:avLst/>
+          </a:prstGeom>
+          <a:noFill/>
+        </p:spPr>
+        <p:txBody>
+          <a:bodyPr wrap="none" rtlCol="0">
+            <a:spAutoFit/>
+          </a:bodyPr>
+          <a:lstStyle/>
+          <a:p>
+            <a:r>
+              <a:rPr lang="en-US" dirty="0"/>
+              <a:t>Basic Division</a:t>
             </a:r>
             <a:endParaRPr lang="en-IN" dirty="0"/>
           </a:p>
@@ -6614,7 +6774,7 @@
     </p:spTree>
     <p:extLst>
       <p:ext uri="{BB962C8B-B14F-4D97-AF65-F5344CB8AC3E}">
-        <p14:creationId xmlns:p14="http://schemas.microsoft.com/office/powerpoint/2010/main" val="4287038118"/>
+        <p14:creationId xmlns:p14="http://schemas.microsoft.com/office/powerpoint/2010/main" val="2183459736"/>
       </p:ext>
     </p:extLst>
   </p:cSld>
@@ -6646,7 +6806,7 @@
           <p:cNvPr id="2" name="Title 1">
             <a:extLst>
               <a:ext uri="{FF2B5EF4-FFF2-40B4-BE49-F238E27FC236}">
-                <a16:creationId xmlns:a16="http://schemas.microsoft.com/office/drawing/2014/main" id="{27471823-0A59-424B-8A81-3FEA4AEE7CB3}"/>
+                <a16:creationId xmlns:a16="http://schemas.microsoft.com/office/drawing/2014/main" id="{371AFDFC-829B-4E77-B078-B4EC719875C1}"/>
               </a:ext>
             </a:extLst>
           </p:cNvPr>
@@ -6659,6 +6819,456 @@
         </p:nvSpPr>
         <p:spPr>
           <a:xfrm>
+            <a:off x="838200" y="365125"/>
+            <a:ext cx="5118717" cy="558153"/>
+          </a:xfrm>
+        </p:spPr>
+        <p:txBody>
+          <a:bodyPr>
+            <a:normAutofit fontScale="90000"/>
+          </a:bodyPr>
+          <a:lstStyle/>
+          <a:p>
+            <a:r>
+              <a:rPr lang="en-US" dirty="0"/>
+              <a:t>NumPy Math Functions</a:t>
+            </a:r>
+            <a:endParaRPr lang="en-IN" dirty="0"/>
+          </a:p>
+        </p:txBody>
+      </p:sp>
+      <p:sp>
+        <p:nvSpPr>
+          <p:cNvPr id="4" name="Rectangle: Diagonal Corners Rounded 3">
+            <a:extLst>
+              <a:ext uri="{FF2B5EF4-FFF2-40B4-BE49-F238E27FC236}">
+                <a16:creationId xmlns:a16="http://schemas.microsoft.com/office/drawing/2014/main" id="{5180B912-938A-4380-AC46-A41D6D56D12D}"/>
+              </a:ext>
+            </a:extLst>
+          </p:cNvPr>
+          <p:cNvSpPr/>
+          <p:nvPr/>
+        </p:nvSpPr>
+        <p:spPr>
+          <a:xfrm>
+            <a:off x="1074198" y="1890944"/>
+            <a:ext cx="3950564" cy="1420428"/>
+          </a:xfrm>
+          <a:prstGeom prst="round2DiagRect">
+            <a:avLst/>
+          </a:prstGeom>
+        </p:spPr>
+        <p:style>
+          <a:lnRef idx="2">
+            <a:schemeClr val="dk1"/>
+          </a:lnRef>
+          <a:fillRef idx="1">
+            <a:schemeClr val="lt1"/>
+          </a:fillRef>
+          <a:effectRef idx="0">
+            <a:schemeClr val="dk1"/>
+          </a:effectRef>
+          <a:fontRef idx="minor">
+            <a:schemeClr val="dk1"/>
+          </a:fontRef>
+        </p:style>
+        <p:txBody>
+          <a:bodyPr rtlCol="0" anchor="ctr"/>
+          <a:lstStyle/>
+          <a:p>
+            <a:r>
+              <a:rPr lang="en-US" dirty="0"/>
+              <a:t> import </a:t>
+            </a:r>
+            <a:r>
+              <a:rPr lang="en-US" dirty="0" err="1"/>
+              <a:t>numpy</a:t>
+            </a:r>
+            <a:r>
+              <a:rPr lang="en-US" dirty="0"/>
+              <a:t> as np</a:t>
+            </a:r>
+          </a:p>
+          <a:p>
+            <a:r>
+              <a:rPr lang="en-US" dirty="0"/>
+              <a:t> n1=</a:t>
+            </a:r>
+            <a:r>
+              <a:rPr lang="en-US" dirty="0" err="1"/>
+              <a:t>np.array</a:t>
+            </a:r>
+            <a:r>
+              <a:rPr lang="en-US" dirty="0"/>
+              <a:t>([10,20,30,40,50,60])</a:t>
+            </a:r>
+          </a:p>
+          <a:p>
+            <a:r>
+              <a:rPr lang="en-US" dirty="0"/>
+              <a:t> </a:t>
+            </a:r>
+            <a:r>
+              <a:rPr lang="en-US" dirty="0" err="1"/>
+              <a:t>np.mean</a:t>
+            </a:r>
+            <a:r>
+              <a:rPr lang="en-US" dirty="0"/>
+              <a:t>(n1)</a:t>
+            </a:r>
+          </a:p>
+          <a:p>
+            <a:endParaRPr lang="en-US" dirty="0"/>
+          </a:p>
+          <a:p>
+            <a:r>
+              <a:rPr lang="en-US" dirty="0"/>
+              <a:t>Output: 35.0</a:t>
+            </a:r>
+            <a:endParaRPr lang="en-IN" dirty="0"/>
+          </a:p>
+        </p:txBody>
+      </p:sp>
+      <p:sp>
+        <p:nvSpPr>
+          <p:cNvPr id="5" name="TextBox 4">
+            <a:extLst>
+              <a:ext uri="{FF2B5EF4-FFF2-40B4-BE49-F238E27FC236}">
+                <a16:creationId xmlns:a16="http://schemas.microsoft.com/office/drawing/2014/main" id="{08908CC4-91D3-499E-AE78-4A562D016D0F}"/>
+              </a:ext>
+            </a:extLst>
+          </p:cNvPr>
+          <p:cNvSpPr txBox="1"/>
+          <p:nvPr/>
+        </p:nvSpPr>
+        <p:spPr>
+          <a:xfrm>
+            <a:off x="2459114" y="1521612"/>
+            <a:ext cx="729687" cy="369332"/>
+          </a:xfrm>
+          <a:prstGeom prst="rect">
+            <a:avLst/>
+          </a:prstGeom>
+          <a:noFill/>
+        </p:spPr>
+        <p:txBody>
+          <a:bodyPr wrap="none" rtlCol="0">
+            <a:spAutoFit/>
+          </a:bodyPr>
+          <a:lstStyle/>
+          <a:p>
+            <a:r>
+              <a:rPr lang="en-US" dirty="0"/>
+              <a:t>Mean</a:t>
+            </a:r>
+            <a:endParaRPr lang="en-IN" dirty="0"/>
+          </a:p>
+        </p:txBody>
+      </p:sp>
+      <p:sp>
+        <p:nvSpPr>
+          <p:cNvPr id="9" name="Rectangle: Diagonal Corners Rounded 8">
+            <a:extLst>
+              <a:ext uri="{FF2B5EF4-FFF2-40B4-BE49-F238E27FC236}">
+                <a16:creationId xmlns:a16="http://schemas.microsoft.com/office/drawing/2014/main" id="{E5655093-58FD-48D7-80C1-EE6F89919E7B}"/>
+              </a:ext>
+            </a:extLst>
+          </p:cNvPr>
+          <p:cNvSpPr/>
+          <p:nvPr/>
+        </p:nvSpPr>
+        <p:spPr>
+          <a:xfrm>
+            <a:off x="6846163" y="1890944"/>
+            <a:ext cx="3950564" cy="1420428"/>
+          </a:xfrm>
+          <a:prstGeom prst="round2DiagRect">
+            <a:avLst/>
+          </a:prstGeom>
+        </p:spPr>
+        <p:style>
+          <a:lnRef idx="2">
+            <a:schemeClr val="dk1"/>
+          </a:lnRef>
+          <a:fillRef idx="1">
+            <a:schemeClr val="lt1"/>
+          </a:fillRef>
+          <a:effectRef idx="0">
+            <a:schemeClr val="dk1"/>
+          </a:effectRef>
+          <a:fontRef idx="minor">
+            <a:schemeClr val="dk1"/>
+          </a:fontRef>
+        </p:style>
+        <p:txBody>
+          <a:bodyPr rtlCol="0" anchor="ctr"/>
+          <a:lstStyle/>
+          <a:p>
+            <a:r>
+              <a:rPr lang="en-US" dirty="0"/>
+              <a:t> import </a:t>
+            </a:r>
+            <a:r>
+              <a:rPr lang="en-US" dirty="0" err="1"/>
+              <a:t>numpy</a:t>
+            </a:r>
+            <a:r>
+              <a:rPr lang="en-US" dirty="0"/>
+              <a:t> as np</a:t>
+            </a:r>
+          </a:p>
+          <a:p>
+            <a:r>
+              <a:rPr lang="en-US" dirty="0"/>
+              <a:t> n1=</a:t>
+            </a:r>
+            <a:r>
+              <a:rPr lang="en-US" dirty="0" err="1"/>
+              <a:t>np.array</a:t>
+            </a:r>
+            <a:r>
+              <a:rPr lang="en-US" dirty="0"/>
+              <a:t>([1,5,3,100,4,48])</a:t>
+            </a:r>
+          </a:p>
+          <a:p>
+            <a:r>
+              <a:rPr lang="en-US" dirty="0"/>
+              <a:t> </a:t>
+            </a:r>
+            <a:r>
+              <a:rPr lang="en-US" dirty="0" err="1"/>
+              <a:t>np.std</a:t>
+            </a:r>
+            <a:r>
+              <a:rPr lang="en-US" dirty="0"/>
+              <a:t>(n1)</a:t>
+            </a:r>
+          </a:p>
+          <a:p>
+            <a:endParaRPr lang="en-US" dirty="0"/>
+          </a:p>
+          <a:p>
+            <a:r>
+              <a:rPr lang="en-US" dirty="0"/>
+              <a:t>Output: 36.59424666377065</a:t>
+            </a:r>
+            <a:endParaRPr lang="en-IN" dirty="0"/>
+          </a:p>
+        </p:txBody>
+      </p:sp>
+      <p:sp>
+        <p:nvSpPr>
+          <p:cNvPr id="13" name="TextBox 12">
+            <a:extLst>
+              <a:ext uri="{FF2B5EF4-FFF2-40B4-BE49-F238E27FC236}">
+                <a16:creationId xmlns:a16="http://schemas.microsoft.com/office/drawing/2014/main" id="{C0F1F8C5-8084-4F55-80EF-17A14AB2027C}"/>
+              </a:ext>
+            </a:extLst>
+          </p:cNvPr>
+          <p:cNvSpPr txBox="1"/>
+          <p:nvPr/>
+        </p:nvSpPr>
+        <p:spPr>
+          <a:xfrm>
+            <a:off x="7911484" y="1521612"/>
+            <a:ext cx="1977208" cy="369332"/>
+          </a:xfrm>
+          <a:prstGeom prst="rect">
+            <a:avLst/>
+          </a:prstGeom>
+          <a:noFill/>
+        </p:spPr>
+        <p:txBody>
+          <a:bodyPr wrap="none" rtlCol="0">
+            <a:spAutoFit/>
+          </a:bodyPr>
+          <a:lstStyle/>
+          <a:p>
+            <a:r>
+              <a:rPr lang="en-US" dirty="0"/>
+              <a:t>Standard Deviation</a:t>
+            </a:r>
+            <a:endParaRPr lang="en-IN" dirty="0"/>
+          </a:p>
+        </p:txBody>
+      </p:sp>
+      <p:sp>
+        <p:nvSpPr>
+          <p:cNvPr id="15" name="Rectangle: Diagonal Corners Rounded 14">
+            <a:extLst>
+              <a:ext uri="{FF2B5EF4-FFF2-40B4-BE49-F238E27FC236}">
+                <a16:creationId xmlns:a16="http://schemas.microsoft.com/office/drawing/2014/main" id="{A0DAE5CF-FDCB-4A87-AB6B-40CE09E96B17}"/>
+              </a:ext>
+            </a:extLst>
+          </p:cNvPr>
+          <p:cNvSpPr/>
+          <p:nvPr/>
+        </p:nvSpPr>
+        <p:spPr>
+          <a:xfrm>
+            <a:off x="1074198" y="4626174"/>
+            <a:ext cx="3950564" cy="1420428"/>
+          </a:xfrm>
+          <a:prstGeom prst="round2DiagRect">
+            <a:avLst/>
+          </a:prstGeom>
+        </p:spPr>
+        <p:style>
+          <a:lnRef idx="2">
+            <a:schemeClr val="dk1"/>
+          </a:lnRef>
+          <a:fillRef idx="1">
+            <a:schemeClr val="lt1"/>
+          </a:fillRef>
+          <a:effectRef idx="0">
+            <a:schemeClr val="dk1"/>
+          </a:effectRef>
+          <a:fontRef idx="minor">
+            <a:schemeClr val="dk1"/>
+          </a:fontRef>
+        </p:style>
+        <p:txBody>
+          <a:bodyPr rtlCol="0" anchor="ctr"/>
+          <a:lstStyle/>
+          <a:p>
+            <a:r>
+              <a:rPr lang="en-US" dirty="0"/>
+              <a:t> import </a:t>
+            </a:r>
+            <a:r>
+              <a:rPr lang="en-US" dirty="0" err="1"/>
+              <a:t>numpy</a:t>
+            </a:r>
+            <a:r>
+              <a:rPr lang="en-US" dirty="0"/>
+              <a:t> as np</a:t>
+            </a:r>
+          </a:p>
+          <a:p>
+            <a:r>
+              <a:rPr lang="en-US" dirty="0"/>
+              <a:t> n1=</a:t>
+            </a:r>
+            <a:r>
+              <a:rPr lang="en-US" dirty="0" err="1"/>
+              <a:t>np.array</a:t>
+            </a:r>
+            <a:r>
+              <a:rPr lang="en-US" dirty="0"/>
+              <a:t>([11,44,5,96,67,85])</a:t>
+            </a:r>
+          </a:p>
+          <a:p>
+            <a:r>
+              <a:rPr lang="en-US" dirty="0"/>
+              <a:t> </a:t>
+            </a:r>
+            <a:r>
+              <a:rPr lang="en-US" dirty="0" err="1"/>
+              <a:t>np.median</a:t>
+            </a:r>
+            <a:r>
+              <a:rPr lang="en-US" dirty="0"/>
+              <a:t>(n1)</a:t>
+            </a:r>
+          </a:p>
+          <a:p>
+            <a:endParaRPr lang="en-US" dirty="0"/>
+          </a:p>
+          <a:p>
+            <a:r>
+              <a:rPr lang="en-US" dirty="0"/>
+              <a:t>Output: 55.5</a:t>
+            </a:r>
+            <a:endParaRPr lang="en-IN" dirty="0"/>
+          </a:p>
+        </p:txBody>
+      </p:sp>
+      <p:sp>
+        <p:nvSpPr>
+          <p:cNvPr id="17" name="TextBox 16">
+            <a:extLst>
+              <a:ext uri="{FF2B5EF4-FFF2-40B4-BE49-F238E27FC236}">
+                <a16:creationId xmlns:a16="http://schemas.microsoft.com/office/drawing/2014/main" id="{3FF21DA5-C564-405E-81A5-C0739A53148D}"/>
+              </a:ext>
+            </a:extLst>
+          </p:cNvPr>
+          <p:cNvSpPr txBox="1"/>
+          <p:nvPr/>
+        </p:nvSpPr>
+        <p:spPr>
+          <a:xfrm>
+            <a:off x="2262089" y="4094372"/>
+            <a:ext cx="904415" cy="369332"/>
+          </a:xfrm>
+          <a:prstGeom prst="rect">
+            <a:avLst/>
+          </a:prstGeom>
+          <a:noFill/>
+        </p:spPr>
+        <p:txBody>
+          <a:bodyPr wrap="none" rtlCol="0">
+            <a:spAutoFit/>
+          </a:bodyPr>
+          <a:lstStyle/>
+          <a:p>
+            <a:r>
+              <a:rPr lang="en-US" dirty="0"/>
+              <a:t>Median</a:t>
+            </a:r>
+            <a:endParaRPr lang="en-IN" dirty="0"/>
+          </a:p>
+        </p:txBody>
+      </p:sp>
+    </p:spTree>
+    <p:extLst>
+      <p:ext uri="{BB962C8B-B14F-4D97-AF65-F5344CB8AC3E}">
+        <p14:creationId xmlns:p14="http://schemas.microsoft.com/office/powerpoint/2010/main" val="4287038118"/>
+      </p:ext>
+    </p:extLst>
+  </p:cSld>
+  <p:clrMapOvr>
+    <a:masterClrMapping/>
+  </p:clrMapOvr>
+</p:sld>
+</file>
+
+<file path=ppt/slides/slide17.xml><?xml version="1.0" encoding="utf-8"?>
+<p:sld xmlns:a="http://schemas.openxmlformats.org/drawingml/2006/main" xmlns:r="http://schemas.openxmlformats.org/officeDocument/2006/relationships" xmlns:p="http://schemas.openxmlformats.org/presentationml/2006/main">
+  <p:cSld>
+    <p:spTree>
+      <p:nvGrpSpPr>
+        <p:cNvPr id="1" name=""/>
+        <p:cNvGrpSpPr/>
+        <p:nvPr/>
+      </p:nvGrpSpPr>
+      <p:grpSpPr>
+        <a:xfrm>
+          <a:off x="0" y="0"/>
+          <a:ext cx="0" cy="0"/>
+          <a:chOff x="0" y="0"/>
+          <a:chExt cx="0" cy="0"/>
+        </a:xfrm>
+      </p:grpSpPr>
+      <p:sp>
+        <p:nvSpPr>
+          <p:cNvPr id="2" name="Title 1">
+            <a:extLst>
+              <a:ext uri="{FF2B5EF4-FFF2-40B4-BE49-F238E27FC236}">
+                <a16:creationId xmlns:a16="http://schemas.microsoft.com/office/drawing/2014/main" id="{27471823-0A59-424B-8A81-3FEA4AEE7CB3}"/>
+              </a:ext>
+            </a:extLst>
+          </p:cNvPr>
+          <p:cNvSpPr>
+            <a:spLocks noGrp="1"/>
+          </p:cNvSpPr>
+          <p:nvPr>
+            <p:ph type="title"/>
+          </p:nvPr>
+        </p:nvSpPr>
+        <p:spPr>
+          <a:xfrm>
             <a:off x="838200" y="365126"/>
             <a:ext cx="4719221" cy="620296"/>
           </a:xfrm>
@@ -7018,6 +7628,1563 @@
     <p:extLst>
       <p:ext uri="{BB962C8B-B14F-4D97-AF65-F5344CB8AC3E}">
         <p14:creationId xmlns:p14="http://schemas.microsoft.com/office/powerpoint/2010/main" val="3164757976"/>
+      </p:ext>
+    </p:extLst>
+  </p:cSld>
+  <p:clrMapOvr>
+    <a:masterClrMapping/>
+  </p:clrMapOvr>
+</p:sld>
+</file>
+
+<file path=ppt/slides/slide18.xml><?xml version="1.0" encoding="utf-8"?>
+<p:sld xmlns:a="http://schemas.openxmlformats.org/drawingml/2006/main" xmlns:r="http://schemas.openxmlformats.org/officeDocument/2006/relationships" xmlns:p="http://schemas.openxmlformats.org/presentationml/2006/main">
+  <p:cSld>
+    <p:spTree>
+      <p:nvGrpSpPr>
+        <p:cNvPr id="1" name=""/>
+        <p:cNvGrpSpPr/>
+        <p:nvPr/>
+      </p:nvGrpSpPr>
+      <p:grpSpPr>
+        <a:xfrm>
+          <a:off x="0" y="0"/>
+          <a:ext cx="0" cy="0"/>
+          <a:chOff x="0" y="0"/>
+          <a:chExt cx="0" cy="0"/>
+        </a:xfrm>
+      </p:grpSpPr>
+      <p:sp>
+        <p:nvSpPr>
+          <p:cNvPr id="16" name="Oval 15">
+            <a:extLst>
+              <a:ext uri="{FF2B5EF4-FFF2-40B4-BE49-F238E27FC236}">
+                <a16:creationId xmlns:a16="http://schemas.microsoft.com/office/drawing/2014/main" id="{85006C11-3DCA-465F-9235-13856EAE5928}"/>
+              </a:ext>
+            </a:extLst>
+          </p:cNvPr>
+          <p:cNvSpPr/>
+          <p:nvPr/>
+        </p:nvSpPr>
+        <p:spPr>
+          <a:xfrm>
+            <a:off x="6096000" y="1992575"/>
+            <a:ext cx="463612" cy="789252"/>
+          </a:xfrm>
+          <a:prstGeom prst="ellipse">
+            <a:avLst/>
+          </a:prstGeom>
+        </p:spPr>
+        <p:style>
+          <a:lnRef idx="2">
+            <a:schemeClr val="accent1"/>
+          </a:lnRef>
+          <a:fillRef idx="1">
+            <a:schemeClr val="lt1"/>
+          </a:fillRef>
+          <a:effectRef idx="0">
+            <a:schemeClr val="accent1"/>
+          </a:effectRef>
+          <a:fontRef idx="minor">
+            <a:schemeClr val="dk1"/>
+          </a:fontRef>
+        </p:style>
+        <p:txBody>
+          <a:bodyPr rtlCol="0" anchor="ctr"/>
+          <a:lstStyle/>
+          <a:p>
+            <a:pPr algn="ctr"/>
+            <a:endParaRPr lang="en-IN"/>
+          </a:p>
+        </p:txBody>
+      </p:sp>
+      <p:sp>
+        <p:nvSpPr>
+          <p:cNvPr id="2" name="Title 1">
+            <a:extLst>
+              <a:ext uri="{FF2B5EF4-FFF2-40B4-BE49-F238E27FC236}">
+                <a16:creationId xmlns:a16="http://schemas.microsoft.com/office/drawing/2014/main" id="{9A29CE85-127B-498C-B0BE-5863D49C4994}"/>
+              </a:ext>
+            </a:extLst>
+          </p:cNvPr>
+          <p:cNvSpPr>
+            <a:spLocks noGrp="1"/>
+          </p:cNvSpPr>
+          <p:nvPr>
+            <p:ph type="title"/>
+          </p:nvPr>
+        </p:nvSpPr>
+        <p:spPr>
+          <a:xfrm>
+            <a:off x="838200" y="365125"/>
+            <a:ext cx="10515600" cy="504887"/>
+          </a:xfrm>
+        </p:spPr>
+        <p:txBody>
+          <a:bodyPr>
+            <a:normAutofit fontScale="90000"/>
+          </a:bodyPr>
+          <a:lstStyle/>
+          <a:p>
+            <a:r>
+              <a:rPr lang="en-US" dirty="0"/>
+              <a:t>Indexing/ Slicing with </a:t>
+            </a:r>
+            <a:r>
+              <a:rPr lang="en-US" dirty="0" err="1"/>
+              <a:t>numpy</a:t>
+            </a:r>
+            <a:r>
+              <a:rPr lang="en-US" dirty="0"/>
+              <a:t> array</a:t>
+            </a:r>
+            <a:endParaRPr lang="en-IN" dirty="0"/>
+          </a:p>
+        </p:txBody>
+      </p:sp>
+      <p:sp>
+        <p:nvSpPr>
+          <p:cNvPr id="3" name="Content Placeholder 2">
+            <a:extLst>
+              <a:ext uri="{FF2B5EF4-FFF2-40B4-BE49-F238E27FC236}">
+                <a16:creationId xmlns:a16="http://schemas.microsoft.com/office/drawing/2014/main" id="{8F782ABF-80F9-4AFC-A635-EC90BFC50BC2}"/>
+              </a:ext>
+            </a:extLst>
+          </p:cNvPr>
+          <p:cNvSpPr>
+            <a:spLocks noGrp="1"/>
+          </p:cNvSpPr>
+          <p:nvPr>
+            <p:ph idx="1"/>
+          </p:nvPr>
+        </p:nvSpPr>
+        <p:spPr>
+          <a:xfrm>
+            <a:off x="754602" y="1216241"/>
+            <a:ext cx="10599198" cy="4960722"/>
+          </a:xfrm>
+        </p:spPr>
+        <p:txBody>
+          <a:bodyPr>
+            <a:normAutofit/>
+          </a:bodyPr>
+          <a:lstStyle/>
+          <a:p>
+            <a:pPr marL="0" indent="0">
+              <a:buNone/>
+            </a:pPr>
+            <a:r>
+              <a:rPr lang="en-US" sz="2000" dirty="0"/>
+              <a:t>A=</a:t>
+            </a:r>
+            <a:r>
+              <a:rPr lang="en-US" sz="2000" dirty="0" err="1"/>
+              <a:t>np.array</a:t>
+            </a:r>
+            <a:r>
+              <a:rPr lang="en-US" sz="2000" dirty="0"/>
+              <a:t>([6,7,8)]</a:t>
+            </a:r>
+          </a:p>
+          <a:p>
+            <a:pPr marL="0" indent="0">
+              <a:buNone/>
+            </a:pPr>
+            <a:r>
+              <a:rPr lang="en-US" sz="2000" dirty="0"/>
+              <a:t>&gt;A[0:2]</a:t>
+            </a:r>
+          </a:p>
+          <a:p>
+            <a:pPr marL="0" indent="0">
+              <a:buNone/>
+            </a:pPr>
+            <a:r>
+              <a:rPr lang="en-US" sz="2000" dirty="0"/>
+              <a:t>&gt;A[-1]</a:t>
+            </a:r>
+          </a:p>
+          <a:p>
+            <a:pPr marL="0" indent="0">
+              <a:buNone/>
+            </a:pPr>
+            <a:r>
+              <a:rPr lang="en-US" sz="2000" dirty="0"/>
+              <a:t>&gt;a=</a:t>
+            </a:r>
+            <a:r>
+              <a:rPr lang="en-US" sz="2000" dirty="0" err="1"/>
+              <a:t>np.array</a:t>
+            </a:r>
+            <a:r>
+              <a:rPr lang="en-US" sz="2000" dirty="0"/>
+              <a:t>([6,7,8],[1,2,3],[9,3,2])</a:t>
+            </a:r>
+          </a:p>
+          <a:p>
+            <a:pPr marL="0" indent="0">
+              <a:buNone/>
+            </a:pPr>
+            <a:r>
+              <a:rPr lang="en-US" sz="2000" dirty="0"/>
+              <a:t>&gt;a</a:t>
+            </a:r>
+          </a:p>
+          <a:p>
+            <a:pPr marL="0" indent="0">
+              <a:buNone/>
+            </a:pPr>
+            <a:r>
+              <a:rPr lang="en-US" sz="2000" dirty="0"/>
+              <a:t>&gt;a[1,2]</a:t>
+            </a:r>
+          </a:p>
+          <a:p>
+            <a:pPr marL="0" indent="0">
+              <a:buNone/>
+            </a:pPr>
+            <a:r>
+              <a:rPr lang="en-US" sz="2000" dirty="0"/>
+              <a:t>&gt;a[0:2,2] </a:t>
+            </a:r>
+          </a:p>
+          <a:p>
+            <a:pPr marL="0" indent="0">
+              <a:buNone/>
+            </a:pPr>
+            <a:r>
+              <a:rPr lang="en-US" sz="2000" dirty="0"/>
+              <a:t>&gt;a[-1]</a:t>
+            </a:r>
+          </a:p>
+          <a:p>
+            <a:pPr marL="0" indent="0">
+              <a:buNone/>
+            </a:pPr>
+            <a:r>
+              <a:rPr lang="en-US" sz="2000" dirty="0"/>
+              <a:t>&gt;a[-1,0:2]</a:t>
+            </a:r>
+          </a:p>
+          <a:p>
+            <a:pPr marL="0" indent="0">
+              <a:buNone/>
+            </a:pPr>
+            <a:r>
+              <a:rPr lang="en-US" sz="2000" dirty="0"/>
+              <a:t>&gt;a[:,1:3]</a:t>
+            </a:r>
+          </a:p>
+          <a:p>
+            <a:pPr marL="0" indent="0">
+              <a:buNone/>
+            </a:pPr>
+            <a:endParaRPr lang="en-IN" sz="2000" dirty="0"/>
+          </a:p>
+        </p:txBody>
+      </p:sp>
+      <p:graphicFrame>
+        <p:nvGraphicFramePr>
+          <p:cNvPr id="4" name="Table 4">
+            <a:extLst>
+              <a:ext uri="{FF2B5EF4-FFF2-40B4-BE49-F238E27FC236}">
+                <a16:creationId xmlns:a16="http://schemas.microsoft.com/office/drawing/2014/main" id="{78D6570C-D874-44BC-AA39-3D85E45D4B9B}"/>
+              </a:ext>
+            </a:extLst>
+          </p:cNvPr>
+          <p:cNvGraphicFramePr>
+            <a:graphicFrameLocks noGrp="1"/>
+          </p:cNvGraphicFramePr>
+          <p:nvPr>
+            <p:extLst>
+              <p:ext uri="{D42A27DB-BD31-4B8C-83A1-F6EECF244321}">
+                <p14:modId xmlns:p14="http://schemas.microsoft.com/office/powerpoint/2010/main" val="3176957391"/>
+              </p:ext>
+            </p:extLst>
+          </p:nvPr>
+        </p:nvGraphicFramePr>
+        <p:xfrm>
+          <a:off x="6559612" y="1849350"/>
+          <a:ext cx="2415714" cy="1579650"/>
+        </p:xfrm>
+        <a:graphic>
+          <a:graphicData uri="http://schemas.openxmlformats.org/drawingml/2006/table">
+            <a:tbl>
+              <a:tblPr firstRow="1" bandRow="1">
+                <a:tableStyleId>{F5AB1C69-6EDB-4FF4-983F-18BD219EF322}</a:tableStyleId>
+              </a:tblPr>
+              <a:tblGrid>
+                <a:gridCol w="805238">
+                  <a:extLst>
+                    <a:ext uri="{9D8B030D-6E8A-4147-A177-3AD203B41FA5}">
+                      <a16:colId xmlns:a16="http://schemas.microsoft.com/office/drawing/2014/main" val="1526379146"/>
+                    </a:ext>
+                  </a:extLst>
+                </a:gridCol>
+                <a:gridCol w="805238">
+                  <a:extLst>
+                    <a:ext uri="{9D8B030D-6E8A-4147-A177-3AD203B41FA5}">
+                      <a16:colId xmlns:a16="http://schemas.microsoft.com/office/drawing/2014/main" val="3581971461"/>
+                    </a:ext>
+                  </a:extLst>
+                </a:gridCol>
+                <a:gridCol w="805238">
+                  <a:extLst>
+                    <a:ext uri="{9D8B030D-6E8A-4147-A177-3AD203B41FA5}">
+                      <a16:colId xmlns:a16="http://schemas.microsoft.com/office/drawing/2014/main" val="403140217"/>
+                    </a:ext>
+                  </a:extLst>
+                </a:gridCol>
+              </a:tblGrid>
+              <a:tr h="526550">
+                <a:tc>
+                  <a:txBody>
+                    <a:bodyPr/>
+                    <a:lstStyle/>
+                    <a:p>
+                      <a:r>
+                        <a:rPr lang="en-US" dirty="0"/>
+                        <a:t>6</a:t>
+                      </a:r>
+                      <a:endParaRPr lang="en-IN" dirty="0"/>
+                    </a:p>
+                  </a:txBody>
+                  <a:tcPr/>
+                </a:tc>
+                <a:tc>
+                  <a:txBody>
+                    <a:bodyPr/>
+                    <a:lstStyle/>
+                    <a:p>
+                      <a:r>
+                        <a:rPr lang="en-US" dirty="0"/>
+                        <a:t>7</a:t>
+                      </a:r>
+                      <a:endParaRPr lang="en-IN" dirty="0"/>
+                    </a:p>
+                  </a:txBody>
+                  <a:tcPr/>
+                </a:tc>
+                <a:tc>
+                  <a:txBody>
+                    <a:bodyPr/>
+                    <a:lstStyle/>
+                    <a:p>
+                      <a:r>
+                        <a:rPr lang="en-US" dirty="0"/>
+                        <a:t>8</a:t>
+                      </a:r>
+                      <a:endParaRPr lang="en-IN" dirty="0"/>
+                    </a:p>
+                  </a:txBody>
+                  <a:tcPr/>
+                </a:tc>
+                <a:extLst>
+                  <a:ext uri="{0D108BD9-81ED-4DB2-BD59-A6C34878D82A}">
+                    <a16:rowId xmlns:a16="http://schemas.microsoft.com/office/drawing/2014/main" val="1337115152"/>
+                  </a:ext>
+                </a:extLst>
+              </a:tr>
+              <a:tr h="526550">
+                <a:tc>
+                  <a:txBody>
+                    <a:bodyPr/>
+                    <a:lstStyle/>
+                    <a:p>
+                      <a:r>
+                        <a:rPr lang="en-US" dirty="0"/>
+                        <a:t>1</a:t>
+                      </a:r>
+                      <a:endParaRPr lang="en-IN" dirty="0"/>
+                    </a:p>
+                  </a:txBody>
+                  <a:tcPr/>
+                </a:tc>
+                <a:tc>
+                  <a:txBody>
+                    <a:bodyPr/>
+                    <a:lstStyle/>
+                    <a:p>
+                      <a:r>
+                        <a:rPr lang="en-US" dirty="0"/>
+                        <a:t>2</a:t>
+                      </a:r>
+                      <a:endParaRPr lang="en-IN" dirty="0"/>
+                    </a:p>
+                  </a:txBody>
+                  <a:tcPr/>
+                </a:tc>
+                <a:tc>
+                  <a:txBody>
+                    <a:bodyPr/>
+                    <a:lstStyle/>
+                    <a:p>
+                      <a:r>
+                        <a:rPr lang="en-US" dirty="0"/>
+                        <a:t>3</a:t>
+                      </a:r>
+                      <a:endParaRPr lang="en-IN" dirty="0"/>
+                    </a:p>
+                  </a:txBody>
+                  <a:tcPr/>
+                </a:tc>
+                <a:extLst>
+                  <a:ext uri="{0D108BD9-81ED-4DB2-BD59-A6C34878D82A}">
+                    <a16:rowId xmlns:a16="http://schemas.microsoft.com/office/drawing/2014/main" val="68557271"/>
+                  </a:ext>
+                </a:extLst>
+              </a:tr>
+              <a:tr h="526550">
+                <a:tc>
+                  <a:txBody>
+                    <a:bodyPr/>
+                    <a:lstStyle/>
+                    <a:p>
+                      <a:r>
+                        <a:rPr lang="en-US" dirty="0"/>
+                        <a:t>9</a:t>
+                      </a:r>
+                      <a:endParaRPr lang="en-IN" dirty="0"/>
+                    </a:p>
+                  </a:txBody>
+                  <a:tcPr/>
+                </a:tc>
+                <a:tc>
+                  <a:txBody>
+                    <a:bodyPr/>
+                    <a:lstStyle/>
+                    <a:p>
+                      <a:r>
+                        <a:rPr lang="en-US" dirty="0"/>
+                        <a:t>3</a:t>
+                      </a:r>
+                      <a:endParaRPr lang="en-IN" dirty="0"/>
+                    </a:p>
+                  </a:txBody>
+                  <a:tcPr/>
+                </a:tc>
+                <a:tc>
+                  <a:txBody>
+                    <a:bodyPr/>
+                    <a:lstStyle/>
+                    <a:p>
+                      <a:r>
+                        <a:rPr lang="en-US" dirty="0"/>
+                        <a:t>2</a:t>
+                      </a:r>
+                      <a:endParaRPr lang="en-IN" dirty="0"/>
+                    </a:p>
+                  </a:txBody>
+                  <a:tcPr/>
+                </a:tc>
+                <a:extLst>
+                  <a:ext uri="{0D108BD9-81ED-4DB2-BD59-A6C34878D82A}">
+                    <a16:rowId xmlns:a16="http://schemas.microsoft.com/office/drawing/2014/main" val="3324735076"/>
+                  </a:ext>
+                </a:extLst>
+              </a:tr>
+            </a:tbl>
+          </a:graphicData>
+        </a:graphic>
+      </p:graphicFrame>
+      <p:sp>
+        <p:nvSpPr>
+          <p:cNvPr id="5" name="TextBox 4">
+            <a:extLst>
+              <a:ext uri="{FF2B5EF4-FFF2-40B4-BE49-F238E27FC236}">
+                <a16:creationId xmlns:a16="http://schemas.microsoft.com/office/drawing/2014/main" id="{C55F64CB-5EC8-4EB6-A09D-D8CB6596BC59}"/>
+              </a:ext>
+            </a:extLst>
+          </p:cNvPr>
+          <p:cNvSpPr txBox="1"/>
+          <p:nvPr/>
+        </p:nvSpPr>
+        <p:spPr>
+          <a:xfrm>
+            <a:off x="6853561" y="1503121"/>
+            <a:ext cx="301686" cy="369332"/>
+          </a:xfrm>
+          <a:prstGeom prst="rect">
+            <a:avLst/>
+          </a:prstGeom>
+          <a:noFill/>
+        </p:spPr>
+        <p:txBody>
+          <a:bodyPr wrap="none" rtlCol="0">
+            <a:spAutoFit/>
+          </a:bodyPr>
+          <a:lstStyle/>
+          <a:p>
+            <a:r>
+              <a:rPr lang="en-US" dirty="0"/>
+              <a:t>0</a:t>
+            </a:r>
+            <a:endParaRPr lang="en-IN" dirty="0"/>
+          </a:p>
+        </p:txBody>
+      </p:sp>
+      <p:sp>
+        <p:nvSpPr>
+          <p:cNvPr id="6" name="TextBox 5">
+            <a:extLst>
+              <a:ext uri="{FF2B5EF4-FFF2-40B4-BE49-F238E27FC236}">
+                <a16:creationId xmlns:a16="http://schemas.microsoft.com/office/drawing/2014/main" id="{F6CDDCD7-2660-4630-A282-6E6020457534}"/>
+              </a:ext>
+            </a:extLst>
+          </p:cNvPr>
+          <p:cNvSpPr txBox="1"/>
+          <p:nvPr/>
+        </p:nvSpPr>
+        <p:spPr>
+          <a:xfrm>
+            <a:off x="7547499" y="1503121"/>
+            <a:ext cx="301686" cy="369332"/>
+          </a:xfrm>
+          <a:prstGeom prst="rect">
+            <a:avLst/>
+          </a:prstGeom>
+          <a:noFill/>
+        </p:spPr>
+        <p:txBody>
+          <a:bodyPr wrap="none" rtlCol="0">
+            <a:spAutoFit/>
+          </a:bodyPr>
+          <a:lstStyle/>
+          <a:p>
+            <a:r>
+              <a:rPr lang="en-US" dirty="0"/>
+              <a:t>1</a:t>
+            </a:r>
+            <a:endParaRPr lang="en-IN" dirty="0"/>
+          </a:p>
+        </p:txBody>
+      </p:sp>
+      <p:sp>
+        <p:nvSpPr>
+          <p:cNvPr id="7" name="TextBox 6">
+            <a:extLst>
+              <a:ext uri="{FF2B5EF4-FFF2-40B4-BE49-F238E27FC236}">
+                <a16:creationId xmlns:a16="http://schemas.microsoft.com/office/drawing/2014/main" id="{6244A47A-E575-4638-9FBB-0EAF1231B2A5}"/>
+              </a:ext>
+            </a:extLst>
+          </p:cNvPr>
+          <p:cNvSpPr txBox="1"/>
+          <p:nvPr/>
+        </p:nvSpPr>
+        <p:spPr>
+          <a:xfrm>
+            <a:off x="6232965" y="2975412"/>
+            <a:ext cx="301686" cy="369332"/>
+          </a:xfrm>
+          <a:prstGeom prst="rect">
+            <a:avLst/>
+          </a:prstGeom>
+          <a:noFill/>
+        </p:spPr>
+        <p:txBody>
+          <a:bodyPr wrap="none" rtlCol="0">
+            <a:spAutoFit/>
+          </a:bodyPr>
+          <a:lstStyle/>
+          <a:p>
+            <a:r>
+              <a:rPr lang="en-US" dirty="0"/>
+              <a:t>2</a:t>
+            </a:r>
+            <a:endParaRPr lang="en-IN" dirty="0"/>
+          </a:p>
+        </p:txBody>
+      </p:sp>
+      <p:sp>
+        <p:nvSpPr>
+          <p:cNvPr id="8" name="TextBox 7">
+            <a:extLst>
+              <a:ext uri="{FF2B5EF4-FFF2-40B4-BE49-F238E27FC236}">
+                <a16:creationId xmlns:a16="http://schemas.microsoft.com/office/drawing/2014/main" id="{221C4828-7B86-4685-98E8-FAA11DC56585}"/>
+              </a:ext>
+            </a:extLst>
+          </p:cNvPr>
+          <p:cNvSpPr txBox="1"/>
+          <p:nvPr/>
+        </p:nvSpPr>
+        <p:spPr>
+          <a:xfrm>
+            <a:off x="6208003" y="1992575"/>
+            <a:ext cx="301686" cy="369332"/>
+          </a:xfrm>
+          <a:prstGeom prst="rect">
+            <a:avLst/>
+          </a:prstGeom>
+          <a:noFill/>
+        </p:spPr>
+        <p:txBody>
+          <a:bodyPr wrap="none" rtlCol="0">
+            <a:spAutoFit/>
+          </a:bodyPr>
+          <a:lstStyle/>
+          <a:p>
+            <a:r>
+              <a:rPr lang="en-US" dirty="0"/>
+              <a:t>0</a:t>
+            </a:r>
+            <a:endParaRPr lang="en-IN" dirty="0"/>
+          </a:p>
+        </p:txBody>
+      </p:sp>
+      <p:sp>
+        <p:nvSpPr>
+          <p:cNvPr id="9" name="TextBox 8">
+            <a:extLst>
+              <a:ext uri="{FF2B5EF4-FFF2-40B4-BE49-F238E27FC236}">
+                <a16:creationId xmlns:a16="http://schemas.microsoft.com/office/drawing/2014/main" id="{DD36028E-325B-4A50-96CE-A51C3C57693E}"/>
+              </a:ext>
+            </a:extLst>
+          </p:cNvPr>
+          <p:cNvSpPr txBox="1"/>
+          <p:nvPr/>
+        </p:nvSpPr>
+        <p:spPr>
+          <a:xfrm>
+            <a:off x="6226522" y="2412495"/>
+            <a:ext cx="301686" cy="369332"/>
+          </a:xfrm>
+          <a:prstGeom prst="rect">
+            <a:avLst/>
+          </a:prstGeom>
+          <a:noFill/>
+        </p:spPr>
+        <p:txBody>
+          <a:bodyPr wrap="none" rtlCol="0">
+            <a:spAutoFit/>
+          </a:bodyPr>
+          <a:lstStyle/>
+          <a:p>
+            <a:r>
+              <a:rPr lang="en-US" dirty="0"/>
+              <a:t>1</a:t>
+            </a:r>
+            <a:endParaRPr lang="en-IN" dirty="0"/>
+          </a:p>
+        </p:txBody>
+      </p:sp>
+      <p:sp>
+        <p:nvSpPr>
+          <p:cNvPr id="10" name="TextBox 9">
+            <a:extLst>
+              <a:ext uri="{FF2B5EF4-FFF2-40B4-BE49-F238E27FC236}">
+                <a16:creationId xmlns:a16="http://schemas.microsoft.com/office/drawing/2014/main" id="{29F45293-DBED-4573-9142-81F98AB44413}"/>
+              </a:ext>
+            </a:extLst>
+          </p:cNvPr>
+          <p:cNvSpPr txBox="1"/>
+          <p:nvPr/>
+        </p:nvSpPr>
+        <p:spPr>
+          <a:xfrm>
+            <a:off x="8379041" y="1491570"/>
+            <a:ext cx="301686" cy="369332"/>
+          </a:xfrm>
+          <a:prstGeom prst="rect">
+            <a:avLst/>
+          </a:prstGeom>
+          <a:noFill/>
+        </p:spPr>
+        <p:txBody>
+          <a:bodyPr wrap="none" rtlCol="0">
+            <a:spAutoFit/>
+          </a:bodyPr>
+          <a:lstStyle/>
+          <a:p>
+            <a:r>
+              <a:rPr lang="en-US" dirty="0"/>
+              <a:t>2</a:t>
+            </a:r>
+            <a:endParaRPr lang="en-IN" dirty="0"/>
+          </a:p>
+        </p:txBody>
+      </p:sp>
+      <p:sp>
+        <p:nvSpPr>
+          <p:cNvPr id="11" name="TextBox 10">
+            <a:extLst>
+              <a:ext uri="{FF2B5EF4-FFF2-40B4-BE49-F238E27FC236}">
+                <a16:creationId xmlns:a16="http://schemas.microsoft.com/office/drawing/2014/main" id="{B60ABBE2-EBB6-42FB-985F-6ED0DFF35E59}"/>
+              </a:ext>
+            </a:extLst>
+          </p:cNvPr>
+          <p:cNvSpPr txBox="1"/>
+          <p:nvPr/>
+        </p:nvSpPr>
+        <p:spPr>
+          <a:xfrm>
+            <a:off x="6280342" y="1108495"/>
+            <a:ext cx="960519" cy="369332"/>
+          </a:xfrm>
+          <a:prstGeom prst="rect">
+            <a:avLst/>
+          </a:prstGeom>
+          <a:noFill/>
+        </p:spPr>
+        <p:txBody>
+          <a:bodyPr wrap="none" rtlCol="0">
+            <a:spAutoFit/>
+          </a:bodyPr>
+          <a:lstStyle/>
+          <a:p>
+            <a:r>
+              <a:rPr lang="en-US" dirty="0"/>
+              <a:t> a[0:2,2]</a:t>
+            </a:r>
+            <a:endParaRPr lang="en-IN" dirty="0"/>
+          </a:p>
+        </p:txBody>
+      </p:sp>
+      <p:cxnSp>
+        <p:nvCxnSpPr>
+          <p:cNvPr id="13" name="Straight Arrow Connector 12">
+            <a:extLst>
+              <a:ext uri="{FF2B5EF4-FFF2-40B4-BE49-F238E27FC236}">
+                <a16:creationId xmlns:a16="http://schemas.microsoft.com/office/drawing/2014/main" id="{AFAD5F63-1DD1-4DFE-9DB9-A5FD32EF15C6}"/>
+              </a:ext>
+            </a:extLst>
+          </p:cNvPr>
+          <p:cNvCxnSpPr>
+            <a:stCxn id="11" idx="2"/>
+            <a:endCxn id="8" idx="0"/>
+          </p:cNvCxnSpPr>
+          <p:nvPr/>
+        </p:nvCxnSpPr>
+        <p:spPr>
+          <a:xfrm flipH="1">
+            <a:off x="6358846" y="1477827"/>
+            <a:ext cx="401756" cy="514748"/>
+          </a:xfrm>
+          <a:prstGeom prst="straightConnector1">
+            <a:avLst/>
+          </a:prstGeom>
+          <a:ln>
+            <a:tailEnd type="triangle"/>
+          </a:ln>
+        </p:spPr>
+        <p:style>
+          <a:lnRef idx="1">
+            <a:schemeClr val="accent1"/>
+          </a:lnRef>
+          <a:fillRef idx="0">
+            <a:schemeClr val="accent1"/>
+          </a:fillRef>
+          <a:effectRef idx="0">
+            <a:schemeClr val="accent1"/>
+          </a:effectRef>
+          <a:fontRef idx="minor">
+            <a:schemeClr val="tx1"/>
+          </a:fontRef>
+        </p:style>
+      </p:cxnSp>
+      <p:cxnSp>
+        <p:nvCxnSpPr>
+          <p:cNvPr id="15" name="Straight Arrow Connector 14">
+            <a:extLst>
+              <a:ext uri="{FF2B5EF4-FFF2-40B4-BE49-F238E27FC236}">
+                <a16:creationId xmlns:a16="http://schemas.microsoft.com/office/drawing/2014/main" id="{428C15CF-0F45-4F73-84C3-C66A7AAFE11B}"/>
+              </a:ext>
+            </a:extLst>
+          </p:cNvPr>
+          <p:cNvCxnSpPr>
+            <a:cxnSpLocks/>
+            <a:endCxn id="10" idx="1"/>
+          </p:cNvCxnSpPr>
+          <p:nvPr/>
+        </p:nvCxnSpPr>
+        <p:spPr>
+          <a:xfrm>
+            <a:off x="7023448" y="1402672"/>
+            <a:ext cx="1355593" cy="273564"/>
+          </a:xfrm>
+          <a:prstGeom prst="straightConnector1">
+            <a:avLst/>
+          </a:prstGeom>
+          <a:ln>
+            <a:tailEnd type="triangle"/>
+          </a:ln>
+        </p:spPr>
+        <p:style>
+          <a:lnRef idx="1">
+            <a:schemeClr val="accent1"/>
+          </a:lnRef>
+          <a:fillRef idx="0">
+            <a:schemeClr val="accent1"/>
+          </a:fillRef>
+          <a:effectRef idx="0">
+            <a:schemeClr val="accent1"/>
+          </a:effectRef>
+          <a:fontRef idx="minor">
+            <a:schemeClr val="tx1"/>
+          </a:fontRef>
+        </p:style>
+      </p:cxnSp>
+      <p:cxnSp>
+        <p:nvCxnSpPr>
+          <p:cNvPr id="18" name="Straight Arrow Connector 17">
+            <a:extLst>
+              <a:ext uri="{FF2B5EF4-FFF2-40B4-BE49-F238E27FC236}">
+                <a16:creationId xmlns:a16="http://schemas.microsoft.com/office/drawing/2014/main" id="{C65802DE-4DD6-48DE-8B00-0C4C3638363A}"/>
+              </a:ext>
+            </a:extLst>
+          </p:cNvPr>
+          <p:cNvCxnSpPr>
+            <a:endCxn id="7" idx="1"/>
+          </p:cNvCxnSpPr>
+          <p:nvPr/>
+        </p:nvCxnSpPr>
+        <p:spPr>
+          <a:xfrm flipV="1">
+            <a:off x="1544715" y="3160078"/>
+            <a:ext cx="4688250" cy="1030182"/>
+          </a:xfrm>
+          <a:prstGeom prst="straightConnector1">
+            <a:avLst/>
+          </a:prstGeom>
+          <a:ln>
+            <a:tailEnd type="triangle"/>
+          </a:ln>
+        </p:spPr>
+        <p:style>
+          <a:lnRef idx="1">
+            <a:schemeClr val="accent1"/>
+          </a:lnRef>
+          <a:fillRef idx="0">
+            <a:schemeClr val="accent1"/>
+          </a:fillRef>
+          <a:effectRef idx="0">
+            <a:schemeClr val="accent1"/>
+          </a:effectRef>
+          <a:fontRef idx="minor">
+            <a:schemeClr val="tx1"/>
+          </a:fontRef>
+        </p:style>
+      </p:cxnSp>
+      <p:cxnSp>
+        <p:nvCxnSpPr>
+          <p:cNvPr id="20" name="Straight Connector 19">
+            <a:extLst>
+              <a:ext uri="{FF2B5EF4-FFF2-40B4-BE49-F238E27FC236}">
+                <a16:creationId xmlns:a16="http://schemas.microsoft.com/office/drawing/2014/main" id="{CA9EB7BA-2B5D-4DA9-B572-4D87E57F3006}"/>
+              </a:ext>
+            </a:extLst>
+          </p:cNvPr>
+          <p:cNvCxnSpPr/>
+          <p:nvPr/>
+        </p:nvCxnSpPr>
+        <p:spPr>
+          <a:xfrm>
+            <a:off x="6559612" y="1402672"/>
+            <a:ext cx="293949" cy="0"/>
+          </a:xfrm>
+          <a:prstGeom prst="line">
+            <a:avLst/>
+          </a:prstGeom>
+        </p:spPr>
+        <p:style>
+          <a:lnRef idx="1">
+            <a:schemeClr val="accent1"/>
+          </a:lnRef>
+          <a:fillRef idx="0">
+            <a:schemeClr val="accent1"/>
+          </a:fillRef>
+          <a:effectRef idx="0">
+            <a:schemeClr val="accent1"/>
+          </a:effectRef>
+          <a:fontRef idx="minor">
+            <a:schemeClr val="tx1"/>
+          </a:fontRef>
+        </p:style>
+      </p:cxnSp>
+    </p:spTree>
+    <p:extLst>
+      <p:ext uri="{BB962C8B-B14F-4D97-AF65-F5344CB8AC3E}">
+        <p14:creationId xmlns:p14="http://schemas.microsoft.com/office/powerpoint/2010/main" val="2521873718"/>
+      </p:ext>
+    </p:extLst>
+  </p:cSld>
+  <p:clrMapOvr>
+    <a:masterClrMapping/>
+  </p:clrMapOvr>
+</p:sld>
+</file>
+
+<file path=ppt/slides/slide19.xml><?xml version="1.0" encoding="utf-8"?>
+<p:sld xmlns:a="http://schemas.openxmlformats.org/drawingml/2006/main" xmlns:r="http://schemas.openxmlformats.org/officeDocument/2006/relationships" xmlns:p="http://schemas.openxmlformats.org/presentationml/2006/main">
+  <p:cSld>
+    <p:spTree>
+      <p:nvGrpSpPr>
+        <p:cNvPr id="1" name=""/>
+        <p:cNvGrpSpPr/>
+        <p:nvPr/>
+      </p:nvGrpSpPr>
+      <p:grpSpPr>
+        <a:xfrm>
+          <a:off x="0" y="0"/>
+          <a:ext cx="0" cy="0"/>
+          <a:chOff x="0" y="0"/>
+          <a:chExt cx="0" cy="0"/>
+        </a:xfrm>
+      </p:grpSpPr>
+      <p:sp>
+        <p:nvSpPr>
+          <p:cNvPr id="2" name="Title 1">
+            <a:extLst>
+              <a:ext uri="{FF2B5EF4-FFF2-40B4-BE49-F238E27FC236}">
+                <a16:creationId xmlns:a16="http://schemas.microsoft.com/office/drawing/2014/main" id="{CDA2366E-05AE-4355-B734-01144A7F4A19}"/>
+              </a:ext>
+            </a:extLst>
+          </p:cNvPr>
+          <p:cNvSpPr>
+            <a:spLocks noGrp="1"/>
+          </p:cNvSpPr>
+          <p:nvPr>
+            <p:ph type="title"/>
+          </p:nvPr>
+        </p:nvSpPr>
+        <p:spPr>
+          <a:xfrm>
+            <a:off x="678402" y="229416"/>
+            <a:ext cx="10515600" cy="451621"/>
+          </a:xfrm>
+        </p:spPr>
+        <p:txBody>
+          <a:bodyPr>
+            <a:normAutofit fontScale="90000"/>
+          </a:bodyPr>
+          <a:lstStyle/>
+          <a:p>
+            <a:r>
+              <a:rPr lang="en-US" dirty="0"/>
+              <a:t>Iterating through </a:t>
+            </a:r>
+            <a:r>
+              <a:rPr lang="en-US" dirty="0" err="1"/>
+              <a:t>numpy</a:t>
+            </a:r>
+            <a:r>
+              <a:rPr lang="en-US" dirty="0"/>
+              <a:t> array</a:t>
+            </a:r>
+            <a:endParaRPr lang="en-IN" dirty="0"/>
+          </a:p>
+        </p:txBody>
+      </p:sp>
+      <p:sp>
+        <p:nvSpPr>
+          <p:cNvPr id="3" name="Content Placeholder 2">
+            <a:extLst>
+              <a:ext uri="{FF2B5EF4-FFF2-40B4-BE49-F238E27FC236}">
+                <a16:creationId xmlns:a16="http://schemas.microsoft.com/office/drawing/2014/main" id="{5829B518-EB31-4A6E-BB25-0193DA0F78BD}"/>
+              </a:ext>
+            </a:extLst>
+          </p:cNvPr>
+          <p:cNvSpPr>
+            <a:spLocks noGrp="1"/>
+          </p:cNvSpPr>
+          <p:nvPr>
+            <p:ph idx="1"/>
+          </p:nvPr>
+        </p:nvSpPr>
+        <p:spPr>
+          <a:xfrm>
+            <a:off x="838200" y="914400"/>
+            <a:ext cx="5257800" cy="5877017"/>
+          </a:xfrm>
+        </p:spPr>
+        <p:txBody>
+          <a:bodyPr>
+            <a:normAutofit fontScale="70000" lnSpcReduction="20000"/>
+          </a:bodyPr>
+          <a:lstStyle/>
+          <a:p>
+            <a:pPr marL="0" indent="0">
+              <a:buNone/>
+            </a:pPr>
+            <a:r>
+              <a:rPr lang="en-US" sz="2000" dirty="0"/>
+              <a:t>&gt;a=</a:t>
+            </a:r>
+            <a:r>
+              <a:rPr lang="en-US" sz="2000" dirty="0" err="1"/>
+              <a:t>np.array</a:t>
+            </a:r>
+            <a:r>
+              <a:rPr lang="en-US" sz="2000" dirty="0"/>
+              <a:t>([6,7,8],[1,2,3],[9,3,2])</a:t>
+            </a:r>
+          </a:p>
+          <a:p>
+            <a:pPr marL="0" indent="0">
+              <a:buNone/>
+            </a:pPr>
+            <a:r>
+              <a:rPr lang="en-IN" sz="2000" dirty="0"/>
+              <a:t>&gt;a</a:t>
+            </a:r>
+          </a:p>
+          <a:p>
+            <a:pPr marL="0" indent="0">
+              <a:buNone/>
+            </a:pPr>
+            <a:r>
+              <a:rPr lang="en-IN" sz="2000" dirty="0"/>
+              <a:t>&gt;for row in a:</a:t>
+            </a:r>
+          </a:p>
+          <a:p>
+            <a:pPr marL="0" indent="0">
+              <a:buNone/>
+            </a:pPr>
+            <a:r>
+              <a:rPr lang="en-IN" sz="2000" dirty="0"/>
+              <a:t>    print(row)</a:t>
+            </a:r>
+          </a:p>
+          <a:p>
+            <a:pPr marL="0" indent="0">
+              <a:buNone/>
+            </a:pPr>
+            <a:r>
+              <a:rPr lang="en-IN" sz="2000" dirty="0"/>
+              <a:t>&gt;for cell in </a:t>
+            </a:r>
+            <a:r>
+              <a:rPr lang="en-IN" sz="2000" dirty="0" err="1"/>
+              <a:t>a.flat</a:t>
+            </a:r>
+            <a:r>
+              <a:rPr lang="en-IN" sz="2000" dirty="0"/>
+              <a:t>:  </a:t>
+            </a:r>
+            <a:r>
+              <a:rPr lang="en-IN" sz="2000" dirty="0">
+                <a:solidFill>
+                  <a:srgbClr val="FF0000"/>
+                </a:solidFill>
+              </a:rPr>
+              <a:t>#it flats as single-dim array</a:t>
+            </a:r>
+          </a:p>
+          <a:p>
+            <a:pPr marL="0" indent="0">
+              <a:buNone/>
+            </a:pPr>
+            <a:r>
+              <a:rPr lang="en-IN" sz="2000" dirty="0"/>
+              <a:t>     print(cell)</a:t>
+            </a:r>
+          </a:p>
+          <a:p>
+            <a:pPr marL="0" indent="0">
+              <a:buNone/>
+            </a:pPr>
+            <a:r>
+              <a:rPr lang="en-IN" sz="2000" dirty="0"/>
+              <a:t>&gt;a=</a:t>
+            </a:r>
+            <a:r>
+              <a:rPr lang="en-IN" sz="2000" dirty="0" err="1"/>
+              <a:t>np.arrange</a:t>
+            </a:r>
+            <a:r>
+              <a:rPr lang="en-IN" sz="2000" dirty="0"/>
+              <a:t>(6).reshape(3,2)</a:t>
+            </a:r>
+          </a:p>
+          <a:p>
+            <a:pPr marL="0" indent="0">
+              <a:buNone/>
+            </a:pPr>
+            <a:r>
+              <a:rPr lang="en-IN" sz="2000" dirty="0"/>
+              <a:t>&gt;b=</a:t>
+            </a:r>
+            <a:r>
+              <a:rPr lang="en-IN" sz="2000" dirty="0" err="1"/>
+              <a:t>np.arrange</a:t>
+            </a:r>
+            <a:r>
+              <a:rPr lang="en-IN" sz="2000" dirty="0"/>
+              <a:t>(6,12).reshape(3,2)</a:t>
+            </a:r>
+          </a:p>
+          <a:p>
+            <a:pPr marL="0" indent="0">
+              <a:buNone/>
+            </a:pPr>
+            <a:r>
+              <a:rPr lang="en-IN" sz="2000" dirty="0"/>
+              <a:t>&gt;a</a:t>
+            </a:r>
+          </a:p>
+          <a:p>
+            <a:pPr marL="0" indent="0">
+              <a:buNone/>
+            </a:pPr>
+            <a:r>
+              <a:rPr lang="en-IN" sz="2000" dirty="0"/>
+              <a:t>&gt;b</a:t>
+            </a:r>
+          </a:p>
+          <a:p>
+            <a:pPr marL="0" indent="0">
+              <a:buNone/>
+            </a:pPr>
+            <a:r>
+              <a:rPr lang="en-IN" sz="2000" dirty="0"/>
+              <a:t>&gt;</a:t>
+            </a:r>
+            <a:r>
+              <a:rPr lang="en-IN" sz="2000" dirty="0" err="1"/>
+              <a:t>np.vstack</a:t>
+            </a:r>
+            <a:r>
+              <a:rPr lang="en-IN" sz="2000" dirty="0"/>
+              <a:t>((</a:t>
+            </a:r>
+            <a:r>
+              <a:rPr lang="en-IN" sz="2000" dirty="0" err="1"/>
+              <a:t>a,b</a:t>
+            </a:r>
+            <a:r>
+              <a:rPr lang="en-IN" sz="2000" dirty="0"/>
+              <a:t>))</a:t>
+            </a:r>
+          </a:p>
+          <a:p>
+            <a:pPr marL="0" indent="0">
+              <a:buNone/>
+            </a:pPr>
+            <a:r>
+              <a:rPr lang="en-IN" sz="2000" dirty="0"/>
+              <a:t>&gt;</a:t>
+            </a:r>
+            <a:r>
+              <a:rPr lang="en-IN" sz="2000" dirty="0" err="1"/>
+              <a:t>np.hstack</a:t>
+            </a:r>
+            <a:r>
+              <a:rPr lang="en-IN" sz="2000" dirty="0"/>
+              <a:t>((</a:t>
+            </a:r>
+            <a:r>
+              <a:rPr lang="en-IN" sz="2000" dirty="0" err="1"/>
+              <a:t>a,b</a:t>
+            </a:r>
+            <a:r>
+              <a:rPr lang="en-IN" sz="2000" dirty="0"/>
+              <a:t>))</a:t>
+            </a:r>
+          </a:p>
+          <a:p>
+            <a:pPr marL="0" indent="0">
+              <a:buNone/>
+            </a:pPr>
+            <a:r>
+              <a:rPr lang="en-IN" sz="2000" dirty="0"/>
+              <a:t>&gt;a=</a:t>
+            </a:r>
+            <a:r>
+              <a:rPr lang="en-IN" sz="2000" dirty="0" err="1"/>
+              <a:t>np.arrange</a:t>
+            </a:r>
+            <a:r>
+              <a:rPr lang="en-IN" sz="2000" dirty="0"/>
+              <a:t>(30).reshape(2,15)</a:t>
+            </a:r>
+          </a:p>
+          <a:p>
+            <a:pPr marL="0" indent="0">
+              <a:buNone/>
+            </a:pPr>
+            <a:r>
+              <a:rPr lang="en-IN" sz="2000" dirty="0"/>
+              <a:t>&gt;a</a:t>
+            </a:r>
+          </a:p>
+          <a:p>
+            <a:pPr marL="0" indent="0">
+              <a:buNone/>
+            </a:pPr>
+            <a:r>
+              <a:rPr lang="en-IN" sz="2000" dirty="0"/>
+              <a:t>&gt;result=</a:t>
+            </a:r>
+            <a:r>
+              <a:rPr lang="en-IN" sz="2000" dirty="0" err="1"/>
+              <a:t>np.hsplit</a:t>
+            </a:r>
+            <a:r>
+              <a:rPr lang="en-IN" sz="2000" dirty="0"/>
+              <a:t>(a,3) # it splits big array into 3 parts horizontally.</a:t>
+            </a:r>
+          </a:p>
+          <a:p>
+            <a:pPr marL="0" indent="0">
+              <a:buNone/>
+            </a:pPr>
+            <a:r>
+              <a:rPr lang="en-IN" sz="2000" dirty="0"/>
+              <a:t>&gt;print(result[0])</a:t>
+            </a:r>
+          </a:p>
+          <a:p>
+            <a:pPr marL="0" indent="0">
+              <a:buNone/>
+            </a:pPr>
+            <a:r>
+              <a:rPr lang="en-IN" sz="2000" dirty="0"/>
+              <a:t>&gt;print(result[1])</a:t>
+            </a:r>
+          </a:p>
+          <a:p>
+            <a:pPr marL="0" indent="0">
+              <a:buNone/>
+            </a:pPr>
+            <a:r>
+              <a:rPr lang="en-IN" sz="2000" dirty="0"/>
+              <a:t>&gt;print(result[2])</a:t>
+            </a:r>
+          </a:p>
+          <a:p>
+            <a:pPr marL="0" indent="0">
+              <a:buNone/>
+            </a:pPr>
+            <a:r>
+              <a:rPr lang="en-IN" sz="2000" dirty="0"/>
+              <a:t>&gt;result=</a:t>
+            </a:r>
+            <a:r>
+              <a:rPr lang="en-IN" sz="2000" dirty="0" err="1"/>
+              <a:t>np.vsplit</a:t>
+            </a:r>
+            <a:r>
+              <a:rPr lang="en-IN" sz="2000" dirty="0"/>
+              <a:t>(a,3) # it splits big array into 2 parts vertically.</a:t>
+            </a:r>
+          </a:p>
+          <a:p>
+            <a:pPr marL="0" indent="0">
+              <a:buNone/>
+            </a:pPr>
+            <a:r>
+              <a:rPr lang="en-IN" sz="2000" dirty="0"/>
+              <a:t>&gt;print(result[0])</a:t>
+            </a:r>
+          </a:p>
+          <a:p>
+            <a:pPr marL="0" indent="0">
+              <a:buNone/>
+            </a:pPr>
+            <a:r>
+              <a:rPr lang="en-IN" sz="2000" dirty="0"/>
+              <a:t>&gt;print(result[1])</a:t>
+            </a:r>
+          </a:p>
+          <a:p>
+            <a:pPr marL="0" indent="0">
+              <a:buNone/>
+            </a:pPr>
+            <a:endParaRPr lang="en-IN" sz="2000" dirty="0"/>
+          </a:p>
+          <a:p>
+            <a:pPr marL="0" indent="0">
+              <a:buNone/>
+            </a:pPr>
+            <a:endParaRPr lang="en-IN" sz="2000" dirty="0"/>
+          </a:p>
+          <a:p>
+            <a:pPr marL="0" indent="0">
+              <a:buNone/>
+            </a:pPr>
+            <a:endParaRPr lang="en-IN" sz="2000" dirty="0"/>
+          </a:p>
+          <a:p>
+            <a:pPr marL="0" indent="0">
+              <a:buNone/>
+            </a:pPr>
+            <a:endParaRPr lang="en-IN" sz="2000" dirty="0"/>
+          </a:p>
+          <a:p>
+            <a:pPr marL="0" indent="0">
+              <a:buNone/>
+            </a:pPr>
+            <a:endParaRPr lang="en-IN" sz="2000" dirty="0"/>
+          </a:p>
+          <a:p>
+            <a:pPr marL="0" indent="0">
+              <a:buNone/>
+            </a:pPr>
+            <a:endParaRPr lang="en-IN" sz="2000" dirty="0"/>
+          </a:p>
+        </p:txBody>
+      </p:sp>
+      <p:sp>
+        <p:nvSpPr>
+          <p:cNvPr id="4" name="TextBox 3">
+            <a:extLst>
+              <a:ext uri="{FF2B5EF4-FFF2-40B4-BE49-F238E27FC236}">
+                <a16:creationId xmlns:a16="http://schemas.microsoft.com/office/drawing/2014/main" id="{86FE974E-0E21-4F3D-80E4-A07B0D9EE913}"/>
+              </a:ext>
+            </a:extLst>
+          </p:cNvPr>
+          <p:cNvSpPr txBox="1"/>
+          <p:nvPr/>
+        </p:nvSpPr>
+        <p:spPr>
+          <a:xfrm>
+            <a:off x="6622743" y="1162975"/>
+            <a:ext cx="5569258" cy="4247317"/>
+          </a:xfrm>
+          <a:prstGeom prst="rect">
+            <a:avLst/>
+          </a:prstGeom>
+          <a:noFill/>
+        </p:spPr>
+        <p:txBody>
+          <a:bodyPr wrap="square" rtlCol="0">
+            <a:spAutoFit/>
+          </a:bodyPr>
+          <a:lstStyle/>
+          <a:p>
+            <a:r>
+              <a:rPr lang="en-US" dirty="0"/>
+              <a:t>&gt;</a:t>
+            </a:r>
+            <a:r>
+              <a:rPr lang="en-IN" sz="1800" dirty="0"/>
+              <a:t>a=</a:t>
+            </a:r>
+            <a:r>
+              <a:rPr lang="en-IN" sz="1800" dirty="0" err="1"/>
+              <a:t>np.arrange</a:t>
+            </a:r>
+            <a:r>
+              <a:rPr lang="en-IN" sz="1800" dirty="0"/>
+              <a:t>(12).reshape(3,4)</a:t>
+            </a:r>
+          </a:p>
+          <a:p>
+            <a:r>
+              <a:rPr lang="en-IN" dirty="0"/>
+              <a:t>&gt;a</a:t>
+            </a:r>
+          </a:p>
+          <a:p>
+            <a:r>
+              <a:rPr lang="en-IN" sz="1800" dirty="0"/>
+              <a:t>&gt;b=a&gt;4</a:t>
+            </a:r>
+          </a:p>
+          <a:p>
+            <a:r>
+              <a:rPr lang="en-IN" dirty="0"/>
+              <a:t>&gt;b</a:t>
+            </a:r>
+          </a:p>
+          <a:p>
+            <a:r>
+              <a:rPr lang="en-IN" sz="1800" dirty="0"/>
+              <a:t>&gt;a[b] # passing an array as index to another array and gives values from original array</a:t>
+            </a:r>
+          </a:p>
+          <a:p>
+            <a:r>
+              <a:rPr lang="en-IN" sz="1800" dirty="0">
+                <a:solidFill>
+                  <a:srgbClr val="FF0000"/>
+                </a:solidFill>
+              </a:rPr>
+              <a:t>#to iterate </a:t>
+            </a:r>
+            <a:r>
+              <a:rPr lang="en-IN" sz="1800" dirty="0" err="1">
+                <a:solidFill>
+                  <a:srgbClr val="FF0000"/>
+                </a:solidFill>
+              </a:rPr>
+              <a:t>numpy</a:t>
+            </a:r>
+            <a:r>
+              <a:rPr lang="en-IN" sz="1800" dirty="0">
+                <a:solidFill>
+                  <a:srgbClr val="FF0000"/>
+                </a:solidFill>
+              </a:rPr>
+              <a:t> array using </a:t>
+            </a:r>
+            <a:r>
+              <a:rPr lang="en-IN" sz="1800" dirty="0" err="1">
+                <a:solidFill>
+                  <a:srgbClr val="FF0000"/>
+                </a:solidFill>
+              </a:rPr>
+              <a:t>numpy</a:t>
+            </a:r>
+            <a:r>
+              <a:rPr lang="en-IN" sz="1800" dirty="0">
+                <a:solidFill>
+                  <a:srgbClr val="FF0000"/>
+                </a:solidFill>
+              </a:rPr>
+              <a:t> </a:t>
+            </a:r>
+            <a:r>
+              <a:rPr lang="en-IN" sz="1800" dirty="0" err="1">
+                <a:solidFill>
+                  <a:srgbClr val="FF0000"/>
+                </a:solidFill>
+              </a:rPr>
+              <a:t>nditer</a:t>
+            </a:r>
+            <a:endParaRPr lang="en-IN" sz="1800" dirty="0">
+              <a:solidFill>
+                <a:srgbClr val="FF0000"/>
+              </a:solidFill>
+            </a:endParaRPr>
+          </a:p>
+          <a:p>
+            <a:r>
+              <a:rPr lang="en-IN" dirty="0"/>
+              <a:t>&gt;</a:t>
+            </a:r>
+            <a:r>
+              <a:rPr lang="en-IN" sz="1800" dirty="0"/>
+              <a:t>a=</a:t>
+            </a:r>
+            <a:r>
+              <a:rPr lang="en-IN" sz="1800" dirty="0" err="1"/>
+              <a:t>np.arrange</a:t>
+            </a:r>
+            <a:r>
+              <a:rPr lang="en-IN" sz="1800" dirty="0"/>
+              <a:t>(12).reshape(3,4)</a:t>
+            </a:r>
+          </a:p>
+          <a:p>
+            <a:r>
+              <a:rPr lang="en-IN" sz="1800" dirty="0"/>
+              <a:t>&gt;for x in </a:t>
+            </a:r>
+            <a:r>
+              <a:rPr lang="en-IN" sz="1800" dirty="0" err="1"/>
+              <a:t>np.nditer</a:t>
+            </a:r>
+            <a:r>
+              <a:rPr lang="en-IN" sz="1800" dirty="0"/>
+              <a:t>(</a:t>
+            </a:r>
+            <a:r>
+              <a:rPr lang="en-IN" sz="1800" dirty="0" err="1"/>
+              <a:t>a,order</a:t>
+            </a:r>
+            <a:r>
+              <a:rPr lang="en-IN" sz="1800" dirty="0"/>
+              <a:t>=‘C’):  #C style order</a:t>
+            </a:r>
+          </a:p>
+          <a:p>
+            <a:r>
+              <a:rPr lang="en-IN" dirty="0"/>
+              <a:t>     print(x)</a:t>
+            </a:r>
+          </a:p>
+          <a:p>
+            <a:r>
+              <a:rPr lang="en-IN" sz="1800" dirty="0"/>
+              <a:t>#for </a:t>
+            </a:r>
+            <a:r>
+              <a:rPr lang="en-IN" sz="1800" dirty="0" err="1"/>
+              <a:t>fortran</a:t>
+            </a:r>
+            <a:r>
+              <a:rPr lang="en-IN" sz="1800" dirty="0"/>
+              <a:t> order</a:t>
+            </a:r>
+          </a:p>
+          <a:p>
+            <a:r>
+              <a:rPr lang="en-IN" sz="1800" dirty="0"/>
+              <a:t>&gt;for x in </a:t>
+            </a:r>
+            <a:r>
+              <a:rPr lang="en-IN" sz="1800" dirty="0" err="1"/>
+              <a:t>np.nditer</a:t>
+            </a:r>
+            <a:r>
+              <a:rPr lang="en-IN" sz="1800" dirty="0"/>
+              <a:t>(</a:t>
+            </a:r>
+            <a:r>
+              <a:rPr lang="en-IN" sz="1800" dirty="0" err="1"/>
+              <a:t>a,order</a:t>
+            </a:r>
+            <a:r>
+              <a:rPr lang="en-IN" sz="1800" dirty="0"/>
+              <a:t>=‘F’):  #Fortran style order</a:t>
+            </a:r>
+          </a:p>
+          <a:p>
+            <a:r>
+              <a:rPr lang="en-IN" dirty="0"/>
+              <a:t>     print(x)</a:t>
+            </a:r>
+            <a:endParaRPr lang="en-IN" sz="1800" dirty="0"/>
+          </a:p>
+          <a:p>
+            <a:endParaRPr lang="en-IN" sz="1800" dirty="0"/>
+          </a:p>
+          <a:p>
+            <a:endParaRPr lang="en-IN" dirty="0"/>
+          </a:p>
+        </p:txBody>
+      </p:sp>
+      <p:cxnSp>
+        <p:nvCxnSpPr>
+          <p:cNvPr id="6" name="Straight Connector 5">
+            <a:extLst>
+              <a:ext uri="{FF2B5EF4-FFF2-40B4-BE49-F238E27FC236}">
+                <a16:creationId xmlns:a16="http://schemas.microsoft.com/office/drawing/2014/main" id="{C549FF1B-C454-4497-BADF-CC07A09B976B}"/>
+              </a:ext>
+            </a:extLst>
+          </p:cNvPr>
+          <p:cNvCxnSpPr/>
+          <p:nvPr/>
+        </p:nvCxnSpPr>
+        <p:spPr>
+          <a:xfrm>
+            <a:off x="6223247" y="681037"/>
+            <a:ext cx="0" cy="6110380"/>
+          </a:xfrm>
+          <a:prstGeom prst="line">
+            <a:avLst/>
+          </a:prstGeom>
+        </p:spPr>
+        <p:style>
+          <a:lnRef idx="1">
+            <a:schemeClr val="dk1"/>
+          </a:lnRef>
+          <a:fillRef idx="0">
+            <a:schemeClr val="dk1"/>
+          </a:fillRef>
+          <a:effectRef idx="0">
+            <a:schemeClr val="dk1"/>
+          </a:effectRef>
+          <a:fontRef idx="minor">
+            <a:schemeClr val="tx1"/>
+          </a:fontRef>
+        </p:style>
+      </p:cxnSp>
+    </p:spTree>
+    <p:extLst>
+      <p:ext uri="{BB962C8B-B14F-4D97-AF65-F5344CB8AC3E}">
+        <p14:creationId xmlns:p14="http://schemas.microsoft.com/office/powerpoint/2010/main" val="534296734"/>
       </p:ext>
     </p:extLst>
   </p:cSld>
@@ -7256,6 +9423,84 @@
           </a:prstGeom>
         </p:spPr>
       </p:pic>
+      <p:sp>
+        <p:nvSpPr>
+          <p:cNvPr id="3" name="TextBox 2">
+            <a:extLst>
+              <a:ext uri="{FF2B5EF4-FFF2-40B4-BE49-F238E27FC236}">
+                <a16:creationId xmlns:a16="http://schemas.microsoft.com/office/drawing/2014/main" id="{6BECBB5A-1A30-4C7C-8883-D3D9A00FEEEE}"/>
+              </a:ext>
+            </a:extLst>
+          </p:cNvPr>
+          <p:cNvSpPr txBox="1"/>
+          <p:nvPr/>
+        </p:nvSpPr>
+        <p:spPr>
+          <a:xfrm>
+            <a:off x="3471169" y="5495278"/>
+            <a:ext cx="6165214" cy="1200329"/>
+          </a:xfrm>
+          <a:prstGeom prst="rect">
+            <a:avLst/>
+          </a:prstGeom>
+          <a:noFill/>
+        </p:spPr>
+        <p:txBody>
+          <a:bodyPr wrap="none" rtlCol="0">
+            <a:spAutoFit/>
+          </a:bodyPr>
+          <a:lstStyle/>
+          <a:p>
+            <a:pPr marL="285750" indent="-285750">
+              <a:buFont typeface="Arial" panose="020B0604020202020204" pitchFamily="34" charset="0"/>
+              <a:buChar char="•"/>
+            </a:pPr>
+            <a:r>
+              <a:rPr lang="en-US" dirty="0"/>
+              <a:t>The 3 main benefits of </a:t>
+            </a:r>
+            <a:r>
+              <a:rPr lang="en-US" dirty="0" err="1"/>
+              <a:t>numpy</a:t>
+            </a:r>
+            <a:r>
+              <a:rPr lang="en-US" dirty="0"/>
+              <a:t> array over the python list are: </a:t>
+            </a:r>
+          </a:p>
+          <a:p>
+            <a:pPr marL="342900" indent="-342900">
+              <a:buFont typeface="+mj-lt"/>
+              <a:buAutoNum type="arabicPeriod"/>
+            </a:pPr>
+            <a:r>
+              <a:rPr lang="en-IN" dirty="0"/>
+              <a:t>Less Memory</a:t>
+            </a:r>
+          </a:p>
+          <a:p>
+            <a:pPr marL="342900" indent="-342900">
+              <a:buFont typeface="+mj-lt"/>
+              <a:buAutoNum type="arabicPeriod"/>
+            </a:pPr>
+            <a:r>
+              <a:rPr lang="en-IN" dirty="0"/>
+              <a:t>Fast</a:t>
+            </a:r>
+          </a:p>
+          <a:p>
+            <a:pPr marL="342900" indent="-342900">
+              <a:buFont typeface="+mj-lt"/>
+              <a:buAutoNum type="arabicPeriod"/>
+            </a:pPr>
+            <a:r>
+              <a:rPr lang="en-IN" dirty="0" err="1"/>
+              <a:t>Convinient</a:t>
+            </a:r>
+            <a:endParaRPr lang="en-IN" dirty="0"/>
+          </a:p>
+        </p:txBody>
+      </p:sp>
     </p:spTree>
     <p:extLst>
       <p:ext uri="{BB962C8B-B14F-4D97-AF65-F5344CB8AC3E}">
@@ -7291,7 +9536,7 @@
           <p:cNvPr id="2" name="Title 1">
             <a:extLst>
               <a:ext uri="{FF2B5EF4-FFF2-40B4-BE49-F238E27FC236}">
-                <a16:creationId xmlns:a16="http://schemas.microsoft.com/office/drawing/2014/main" id="{A7FF1E6C-B4AA-4EDB-8E42-B2456DA54CF1}"/>
+                <a16:creationId xmlns:a16="http://schemas.microsoft.com/office/drawing/2014/main" id="{668AC5CF-DD99-40D5-8F20-E6747615F252}"/>
               </a:ext>
             </a:extLst>
           </p:cNvPr>
@@ -7304,8 +9549,8 @@
         </p:nvSpPr>
         <p:spPr>
           <a:xfrm>
-            <a:off x="838200" y="365125"/>
-            <a:ext cx="5029940" cy="558153"/>
+            <a:off x="838200" y="365126"/>
+            <a:ext cx="10515600" cy="478254"/>
           </a:xfrm>
         </p:spPr>
         <p:txBody>
@@ -7316,15 +9561,7 @@
           <a:p>
             <a:r>
               <a:rPr lang="en-US" dirty="0"/>
-              <a:t>Creating </a:t>
-            </a:r>
-            <a:r>
-              <a:rPr lang="en-US" dirty="0" err="1"/>
-              <a:t>Numpy</a:t>
-            </a:r>
-            <a:r>
-              <a:rPr lang="en-US" dirty="0"/>
-              <a:t> Array</a:t>
+              <a:t>Example</a:t>
             </a:r>
             <a:endParaRPr lang="en-IN" dirty="0"/>
           </a:p>
@@ -7332,290 +9569,193 @@
       </p:sp>
       <p:sp>
         <p:nvSpPr>
-          <p:cNvPr id="4" name="Rectangle: Rounded Corners 3">
-            <a:extLst>
-              <a:ext uri="{FF2B5EF4-FFF2-40B4-BE49-F238E27FC236}">
-                <a16:creationId xmlns:a16="http://schemas.microsoft.com/office/drawing/2014/main" id="{8BEFA7EF-3C17-4D5E-9072-0636FA9E9354}"/>
-              </a:ext>
-            </a:extLst>
-          </p:cNvPr>
-          <p:cNvSpPr/>
-          <p:nvPr/>
-        </p:nvSpPr>
-        <p:spPr>
-          <a:xfrm>
-            <a:off x="1509205" y="1402673"/>
-            <a:ext cx="2263806" cy="692458"/>
-          </a:xfrm>
-          <a:prstGeom prst="roundRect">
-            <a:avLst/>
-          </a:prstGeom>
-        </p:spPr>
-        <p:style>
-          <a:lnRef idx="2">
-            <a:schemeClr val="dk1"/>
-          </a:lnRef>
-          <a:fillRef idx="1">
-            <a:schemeClr val="lt1"/>
-          </a:fillRef>
-          <a:effectRef idx="0">
-            <a:schemeClr val="dk1"/>
-          </a:effectRef>
-          <a:fontRef idx="minor">
-            <a:schemeClr val="dk1"/>
-          </a:fontRef>
-        </p:style>
-        <p:txBody>
-          <a:bodyPr rtlCol="0" anchor="ctr"/>
-          <a:lstStyle/>
-          <a:p>
-            <a:pPr algn="ctr"/>
-            <a:r>
-              <a:rPr lang="en-US" dirty="0"/>
-              <a:t>Single-dimensional Array</a:t>
-            </a:r>
-            <a:endParaRPr lang="en-IN" dirty="0"/>
-          </a:p>
-        </p:txBody>
-      </p:sp>
-      <p:sp>
-        <p:nvSpPr>
-          <p:cNvPr id="6" name="Rectangle: Rounded Corners 5">
-            <a:extLst>
-              <a:ext uri="{FF2B5EF4-FFF2-40B4-BE49-F238E27FC236}">
-                <a16:creationId xmlns:a16="http://schemas.microsoft.com/office/drawing/2014/main" id="{F14CA9A1-811A-444C-98D3-AFDE05526CB5}"/>
-              </a:ext>
-            </a:extLst>
-          </p:cNvPr>
-          <p:cNvSpPr/>
-          <p:nvPr/>
-        </p:nvSpPr>
-        <p:spPr>
-          <a:xfrm>
-            <a:off x="7654032" y="1402673"/>
-            <a:ext cx="2263806" cy="692458"/>
-          </a:xfrm>
-          <a:prstGeom prst="roundRect">
-            <a:avLst/>
-          </a:prstGeom>
-        </p:spPr>
-        <p:style>
-          <a:lnRef idx="2">
-            <a:schemeClr val="dk1"/>
-          </a:lnRef>
-          <a:fillRef idx="1">
-            <a:schemeClr val="lt1"/>
-          </a:fillRef>
-          <a:effectRef idx="0">
-            <a:schemeClr val="dk1"/>
-          </a:effectRef>
-          <a:fontRef idx="minor">
-            <a:schemeClr val="dk1"/>
-          </a:fontRef>
-        </p:style>
-        <p:txBody>
-          <a:bodyPr rtlCol="0" anchor="ctr"/>
-          <a:lstStyle/>
-          <a:p>
-            <a:pPr algn="ctr"/>
-            <a:r>
-              <a:rPr lang="en-US" dirty="0"/>
-              <a:t>Multi-dimensional Array</a:t>
-            </a:r>
-            <a:endParaRPr lang="en-IN" dirty="0"/>
-          </a:p>
-        </p:txBody>
-      </p:sp>
-      <p:sp>
-        <p:nvSpPr>
-          <p:cNvPr id="7" name="Rectangle: Diagonal Corners Rounded 6">
-            <a:extLst>
-              <a:ext uri="{FF2B5EF4-FFF2-40B4-BE49-F238E27FC236}">
-                <a16:creationId xmlns:a16="http://schemas.microsoft.com/office/drawing/2014/main" id="{430E29AA-4A3B-4FE6-942B-584AA9F98269}"/>
-              </a:ext>
-            </a:extLst>
-          </p:cNvPr>
-          <p:cNvSpPr/>
-          <p:nvPr/>
-        </p:nvSpPr>
-        <p:spPr>
-          <a:xfrm>
-            <a:off x="1029811" y="2681056"/>
-            <a:ext cx="3462290" cy="2170591"/>
-          </a:xfrm>
-          <a:prstGeom prst="round2DiagRect">
-            <a:avLst/>
-          </a:prstGeom>
-        </p:spPr>
-        <p:style>
-          <a:lnRef idx="2">
-            <a:schemeClr val="dk1"/>
-          </a:lnRef>
-          <a:fillRef idx="1">
-            <a:schemeClr val="lt1"/>
-          </a:fillRef>
-          <a:effectRef idx="0">
-            <a:schemeClr val="dk1"/>
-          </a:effectRef>
-          <a:fontRef idx="minor">
-            <a:schemeClr val="dk1"/>
-          </a:fontRef>
-        </p:style>
-        <p:txBody>
-          <a:bodyPr rtlCol="0" anchor="ctr"/>
-          <a:lstStyle/>
-          <a:p>
-            <a:r>
-              <a:rPr lang="en-US" dirty="0"/>
-              <a:t> import </a:t>
-            </a:r>
-            <a:r>
-              <a:rPr lang="en-US" dirty="0" err="1"/>
+          <p:cNvPr id="3" name="Content Placeholder 2">
+            <a:extLst>
+              <a:ext uri="{FF2B5EF4-FFF2-40B4-BE49-F238E27FC236}">
+                <a16:creationId xmlns:a16="http://schemas.microsoft.com/office/drawing/2014/main" id="{AF040F53-2E0F-4C0D-BAAD-11492B0ADBF9}"/>
+              </a:ext>
+            </a:extLst>
+          </p:cNvPr>
+          <p:cNvSpPr>
+            <a:spLocks noGrp="1"/>
+          </p:cNvSpPr>
+          <p:nvPr>
+            <p:ph idx="1"/>
+          </p:nvPr>
+        </p:nvSpPr>
+        <p:spPr>
+          <a:xfrm>
+            <a:off x="692458" y="1136341"/>
+            <a:ext cx="10980938" cy="4934089"/>
+          </a:xfrm>
+        </p:spPr>
+        <p:txBody>
+          <a:bodyPr>
+            <a:normAutofit/>
+          </a:bodyPr>
+          <a:lstStyle/>
+          <a:p>
+            <a:pPr marL="0" indent="0">
+              <a:buNone/>
+            </a:pPr>
+            <a:r>
+              <a:rPr lang="en-US" sz="1400" dirty="0"/>
+              <a:t> </a:t>
+            </a:r>
+            <a:r>
+              <a:rPr lang="en-US" sz="1800" dirty="0"/>
+              <a:t>import </a:t>
+            </a:r>
+            <a:r>
+              <a:rPr lang="en-US" sz="1800" dirty="0" err="1"/>
               <a:t>numpy</a:t>
             </a:r>
             <a:r>
-              <a:rPr lang="en-US" dirty="0"/>
+              <a:rPr lang="en-US" sz="1800" dirty="0"/>
               <a:t> as np</a:t>
             </a:r>
           </a:p>
           <a:p>
-            <a:r>
-              <a:rPr lang="en-US" dirty="0"/>
-              <a:t> n1=</a:t>
-            </a:r>
-            <a:r>
-              <a:rPr lang="en-US" dirty="0" err="1"/>
-              <a:t>np.array</a:t>
-            </a:r>
-            <a:r>
-              <a:rPr lang="en-US" dirty="0"/>
-              <a:t>([10,20,30,40])</a:t>
-            </a:r>
-          </a:p>
-          <a:p>
-            <a:r>
-              <a:rPr lang="en-US" dirty="0"/>
-              <a:t> print(n1)</a:t>
-            </a:r>
-          </a:p>
-          <a:p>
-            <a:endParaRPr lang="en-US" dirty="0"/>
-          </a:p>
-          <a:p>
-            <a:r>
-              <a:rPr lang="en-US" dirty="0"/>
-              <a:t>Output:</a:t>
-            </a:r>
-          </a:p>
-          <a:p>
-            <a:r>
-              <a:rPr lang="en-US" dirty="0"/>
-              <a:t> array([10,20,30,40])</a:t>
-            </a:r>
-            <a:endParaRPr lang="en-IN" dirty="0"/>
-          </a:p>
-        </p:txBody>
-      </p:sp>
-      <p:sp>
-        <p:nvSpPr>
-          <p:cNvPr id="9" name="Rectangle: Diagonal Corners Rounded 8">
-            <a:extLst>
-              <a:ext uri="{FF2B5EF4-FFF2-40B4-BE49-F238E27FC236}">
-                <a16:creationId xmlns:a16="http://schemas.microsoft.com/office/drawing/2014/main" id="{676AB488-7D1A-481C-B031-916A6C0146CA}"/>
-              </a:ext>
-            </a:extLst>
-          </p:cNvPr>
-          <p:cNvSpPr/>
-          <p:nvPr/>
-        </p:nvSpPr>
-        <p:spPr>
-          <a:xfrm>
-            <a:off x="6797337" y="2593759"/>
-            <a:ext cx="4619345" cy="2475391"/>
-          </a:xfrm>
-          <a:prstGeom prst="round2DiagRect">
-            <a:avLst/>
-          </a:prstGeom>
-        </p:spPr>
-        <p:style>
-          <a:lnRef idx="2">
-            <a:schemeClr val="dk1"/>
-          </a:lnRef>
-          <a:fillRef idx="1">
-            <a:schemeClr val="lt1"/>
-          </a:fillRef>
-          <a:effectRef idx="0">
-            <a:schemeClr val="dk1"/>
-          </a:effectRef>
-          <a:fontRef idx="minor">
-            <a:schemeClr val="dk1"/>
-          </a:fontRef>
-        </p:style>
-        <p:txBody>
-          <a:bodyPr rtlCol="0" anchor="ctr"/>
-          <a:lstStyle/>
-          <a:p>
-            <a:r>
-              <a:rPr lang="en-US" dirty="0"/>
-              <a:t> import </a:t>
-            </a:r>
-            <a:r>
-              <a:rPr lang="en-US" dirty="0" err="1"/>
+            <a:pPr marL="0" indent="0">
+              <a:buNone/>
+            </a:pPr>
+            <a:r>
+              <a:rPr lang="en-US" sz="1800" dirty="0"/>
+              <a:t>Import time</a:t>
+            </a:r>
+          </a:p>
+          <a:p>
+            <a:pPr marL="0" indent="0">
+              <a:buNone/>
+            </a:pPr>
+            <a:r>
+              <a:rPr lang="en-US" sz="1800" dirty="0"/>
+              <a:t>Import sys</a:t>
+            </a:r>
+          </a:p>
+          <a:p>
+            <a:pPr marL="0" indent="0">
+              <a:buNone/>
+            </a:pPr>
+            <a:endParaRPr lang="en-US" sz="1800" dirty="0"/>
+          </a:p>
+          <a:p>
+            <a:pPr marL="0" indent="0">
+              <a:buNone/>
+            </a:pPr>
+            <a:r>
+              <a:rPr lang="en-US" sz="1800" dirty="0"/>
+              <a:t>I =range(1000)</a:t>
+            </a:r>
+          </a:p>
+          <a:p>
+            <a:pPr marL="0" indent="0">
+              <a:buNone/>
+            </a:pPr>
+            <a:r>
+              <a:rPr lang="en-US" sz="1800" dirty="0"/>
+              <a:t>Print(</a:t>
+            </a:r>
+            <a:r>
+              <a:rPr lang="en-US" sz="1800" dirty="0" err="1"/>
+              <a:t>sys.getsizeof</a:t>
+            </a:r>
+            <a:r>
+              <a:rPr lang="en-US" sz="1800" dirty="0"/>
+              <a:t>(5)*</a:t>
+            </a:r>
+            <a:r>
+              <a:rPr lang="en-US" sz="1800" dirty="0" err="1"/>
+              <a:t>len</a:t>
+            </a:r>
+            <a:r>
+              <a:rPr lang="en-US" sz="1800" dirty="0"/>
+              <a:t>(l)) #14000 bytes size</a:t>
+            </a:r>
+          </a:p>
+          <a:p>
+            <a:pPr marL="0" indent="0">
+              <a:buNone/>
+            </a:pPr>
+            <a:endParaRPr lang="en-US" sz="1800" dirty="0"/>
+          </a:p>
+          <a:p>
+            <a:pPr marL="0" indent="0">
+              <a:buNone/>
+            </a:pPr>
+            <a:r>
+              <a:rPr lang="en-US" sz="1800" dirty="0"/>
+              <a:t> array =</a:t>
+            </a:r>
+            <a:r>
+              <a:rPr lang="en-US" sz="1800" dirty="0" err="1"/>
+              <a:t>np.arrange</a:t>
+            </a:r>
+            <a:r>
+              <a:rPr lang="en-US" sz="1800" dirty="0"/>
+              <a:t>(1000)</a:t>
+            </a:r>
+          </a:p>
+          <a:p>
+            <a:pPr marL="0" indent="0">
+              <a:buNone/>
+            </a:pPr>
+            <a:r>
+              <a:rPr lang="en-US" sz="1800" dirty="0"/>
+              <a:t>Print(</a:t>
+            </a:r>
+            <a:r>
+              <a:rPr lang="en-US" sz="1800" dirty="0" err="1"/>
+              <a:t>array.size</a:t>
+            </a:r>
+            <a:r>
+              <a:rPr lang="en-US" sz="1800" dirty="0"/>
+              <a:t>*</a:t>
+            </a:r>
+            <a:r>
+              <a:rPr lang="en-US" sz="1800" dirty="0" err="1"/>
+              <a:t>array.itemsize</a:t>
+            </a:r>
+            <a:r>
+              <a:rPr lang="en-US" sz="1800" dirty="0"/>
+              <a:t>) #4000 byte size</a:t>
+            </a:r>
+          </a:p>
+          <a:p>
+            <a:pPr marL="0" indent="0">
+              <a:buNone/>
+            </a:pPr>
+            <a:endParaRPr lang="en-US" sz="2000" dirty="0"/>
+          </a:p>
+          <a:p>
+            <a:r>
+              <a:rPr lang="en-US" sz="2000" dirty="0"/>
+              <a:t>Because, in </a:t>
+            </a:r>
+            <a:r>
+              <a:rPr lang="en-US" sz="2000" dirty="0" err="1"/>
               <a:t>numpy</a:t>
             </a:r>
             <a:r>
-              <a:rPr lang="en-US" dirty="0"/>
-              <a:t> as np</a:t>
-            </a:r>
-          </a:p>
-          <a:p>
-            <a:r>
-              <a:rPr lang="en-US" dirty="0"/>
-              <a:t> n2=</a:t>
-            </a:r>
-            <a:r>
-              <a:rPr lang="en-US" dirty="0" err="1"/>
-              <a:t>np.array</a:t>
-            </a:r>
-            <a:r>
-              <a:rPr lang="en-US" dirty="0"/>
-              <a:t>([[10,20,30,40],[40,30,20,10]])</a:t>
-            </a:r>
-          </a:p>
-          <a:p>
-            <a:r>
-              <a:rPr lang="en-US" dirty="0"/>
-              <a:t> print(n2)</a:t>
-            </a:r>
-          </a:p>
-          <a:p>
-            <a:endParaRPr lang="en-US" dirty="0"/>
-          </a:p>
-          <a:p>
-            <a:r>
-              <a:rPr lang="en-US" dirty="0"/>
-              <a:t>Output:</a:t>
-            </a:r>
-          </a:p>
-          <a:p>
-            <a:r>
-              <a:rPr lang="en-US" dirty="0"/>
-              <a:t> array([10,20,30,40],</a:t>
-            </a:r>
-          </a:p>
-          <a:p>
-            <a:r>
-              <a:rPr lang="en-US" dirty="0"/>
-              <a:t>           [40,30,20,10])</a:t>
-            </a:r>
-            <a:endParaRPr lang="en-IN" dirty="0"/>
+              <a:rPr lang="en-US" sz="2000" dirty="0"/>
+              <a:t>, each element is of 4 bytes size whereas, in python list, each item is a pointer which </a:t>
+            </a:r>
+            <a:r>
+              <a:rPr lang="en-US" sz="2000" dirty="0" err="1"/>
+              <a:t>inturn</a:t>
+            </a:r>
+            <a:r>
+              <a:rPr lang="en-US" sz="2000" dirty="0"/>
+              <a:t> points to the objects and each object is of size 14bytes.</a:t>
+            </a:r>
+            <a:endParaRPr lang="en-IN" sz="2000" dirty="0"/>
           </a:p>
         </p:txBody>
       </p:sp>
     </p:spTree>
     <p:extLst>
       <p:ext uri="{BB962C8B-B14F-4D97-AF65-F5344CB8AC3E}">
-        <p14:creationId xmlns:p14="http://schemas.microsoft.com/office/powerpoint/2010/main" val="365648684"/>
+        <p14:creationId xmlns:p14="http://schemas.microsoft.com/office/powerpoint/2010/main" val="3231411508"/>
       </p:ext>
     </p:extLst>
   </p:cSld>
@@ -7647,7 +9787,7 @@
           <p:cNvPr id="2" name="Title 1">
             <a:extLst>
               <a:ext uri="{FF2B5EF4-FFF2-40B4-BE49-F238E27FC236}">
-                <a16:creationId xmlns:a16="http://schemas.microsoft.com/office/drawing/2014/main" id="{F7EC45FD-8645-4FAE-B7E7-6C01C3C54023}"/>
+                <a16:creationId xmlns:a16="http://schemas.microsoft.com/office/drawing/2014/main" id="{E5D5CADE-FE3F-4C20-9FE8-4B24BC4AFAAE}"/>
               </a:ext>
             </a:extLst>
           </p:cNvPr>
@@ -7658,14 +9798,21 @@
             <p:ph type="title"/>
           </p:nvPr>
         </p:nvSpPr>
-        <p:spPr/>
-        <p:txBody>
-          <a:bodyPr/>
-          <a:lstStyle/>
-          <a:p>
-            <a:r>
-              <a:rPr lang="en-US" dirty="0"/>
-              <a:t>Example:</a:t>
+        <p:spPr>
+          <a:xfrm>
+            <a:off x="838200" y="365125"/>
+            <a:ext cx="10515600" cy="442743"/>
+          </a:xfrm>
+        </p:spPr>
+        <p:txBody>
+          <a:bodyPr>
+            <a:normAutofit fontScale="90000"/>
+          </a:bodyPr>
+          <a:lstStyle/>
+          <a:p>
+            <a:r>
+              <a:rPr lang="en-US" dirty="0"/>
+              <a:t>Example</a:t>
             </a:r>
             <a:endParaRPr lang="en-IN" dirty="0"/>
           </a:p>
@@ -7676,7 +9823,7 @@
           <p:cNvPr id="3" name="Content Placeholder 2">
             <a:extLst>
               <a:ext uri="{FF2B5EF4-FFF2-40B4-BE49-F238E27FC236}">
-                <a16:creationId xmlns:a16="http://schemas.microsoft.com/office/drawing/2014/main" id="{85AFF864-C55D-4181-BD78-36CC0A6C1D9E}"/>
+                <a16:creationId xmlns:a16="http://schemas.microsoft.com/office/drawing/2014/main" id="{A1BB6213-5A24-4AA0-8C42-BFB48CB7F61A}"/>
               </a:ext>
             </a:extLst>
           </p:cNvPr>
@@ -7687,24 +9834,31 @@
             <p:ph idx="1"/>
           </p:nvPr>
         </p:nvSpPr>
-        <p:spPr/>
-        <p:txBody>
-          <a:bodyPr/>
+        <p:spPr>
+          <a:xfrm>
+            <a:off x="736847" y="994299"/>
+            <a:ext cx="11079332" cy="5637320"/>
+          </a:xfrm>
+        </p:spPr>
+        <p:txBody>
+          <a:bodyPr>
+            <a:normAutofit fontScale="92500" lnSpcReduction="20000"/>
+          </a:bodyPr>
           <a:lstStyle/>
           <a:p>
             <a:pPr marL="0" indent="0">
               <a:buNone/>
             </a:pPr>
             <a:r>
-              <a:rPr lang="en-US" dirty="0"/>
-              <a:t> import </a:t>
-            </a:r>
-            <a:r>
-              <a:rPr lang="en-US" dirty="0" err="1"/>
+              <a:rPr lang="en-US" sz="2000" dirty="0"/>
+              <a:t>Import </a:t>
+            </a:r>
+            <a:r>
+              <a:rPr lang="en-US" sz="2000" dirty="0" err="1"/>
               <a:t>numpy</a:t>
             </a:r>
             <a:r>
-              <a:rPr lang="en-US" dirty="0"/>
+              <a:rPr lang="en-US" sz="2000" dirty="0"/>
               <a:t> as np</a:t>
             </a:r>
           </a:p>
@@ -7713,8 +9867,8 @@
               <a:buNone/>
             </a:pPr>
             <a:r>
-              <a:rPr lang="en-US" dirty="0"/>
-              <a:t> l1=[1,2,3,4,5]</a:t>
+              <a:rPr lang="en-US" sz="2000" dirty="0"/>
+              <a:t>Import time</a:t>
             </a:r>
           </a:p>
           <a:p>
@@ -7722,16 +9876,8 @@
               <a:buNone/>
             </a:pPr>
             <a:r>
-              <a:rPr lang="en-US" dirty="0"/>
-              <a:t>  n1=</a:t>
-            </a:r>
-            <a:r>
-              <a:rPr lang="en-US" dirty="0" err="1"/>
-              <a:t>np.array</a:t>
-            </a:r>
-            <a:r>
-              <a:rPr lang="en-US" dirty="0"/>
-              <a:t>(l1)</a:t>
+              <a:rPr lang="en-US" sz="2000" dirty="0"/>
+              <a:t>Import sys</a:t>
             </a:r>
           </a:p>
           <a:p>
@@ -7739,8 +9885,8 @@
               <a:buNone/>
             </a:pPr>
             <a:r>
-              <a:rPr lang="en-US" dirty="0"/>
-              <a:t> print(n1)</a:t>
+              <a:rPr lang="en-US" sz="2000" dirty="0"/>
+              <a:t> SIZE=1000</a:t>
             </a:r>
           </a:p>
           <a:p>
@@ -7748,25 +9894,185 @@
               <a:buNone/>
             </a:pPr>
             <a:r>
-              <a:rPr lang="en-US"/>
-              <a:t> print(type</a:t>
-            </a:r>
-            <a:r>
-              <a:rPr lang="en-US" dirty="0"/>
-              <a:t>(</a:t>
-            </a:r>
-            <a:r>
-              <a:rPr lang="en-US"/>
-              <a:t>n1))</a:t>
-            </a:r>
-            <a:endParaRPr lang="en-IN" dirty="0"/>
+              <a:rPr lang="en-US" sz="2000" dirty="0"/>
+              <a:t>l1=range(SIZE)</a:t>
+            </a:r>
+          </a:p>
+          <a:p>
+            <a:pPr marL="0" indent="0">
+              <a:buNone/>
+            </a:pPr>
+            <a:r>
+              <a:rPr lang="en-US" sz="2000" dirty="0"/>
+              <a:t>l2=range(SIZE)</a:t>
+            </a:r>
+          </a:p>
+          <a:p>
+            <a:pPr marL="0" indent="0">
+              <a:buNone/>
+            </a:pPr>
+            <a:r>
+              <a:rPr lang="en-US" sz="2000" dirty="0"/>
+              <a:t>a1=arrange(SIZE)</a:t>
+            </a:r>
+          </a:p>
+          <a:p>
+            <a:pPr marL="0" indent="0">
+              <a:buNone/>
+            </a:pPr>
+            <a:r>
+              <a:rPr lang="en-US" sz="2000" dirty="0"/>
+              <a:t>a2=arrange(SIZE)</a:t>
+            </a:r>
+          </a:p>
+          <a:p>
+            <a:pPr marL="0" indent="0">
+              <a:buNone/>
+            </a:pPr>
+            <a:r>
+              <a:rPr lang="en-US" sz="2000" dirty="0">
+                <a:solidFill>
+                  <a:srgbClr val="FF0000"/>
+                </a:solidFill>
+              </a:rPr>
+              <a:t>#python list</a:t>
+            </a:r>
+          </a:p>
+          <a:p>
+            <a:pPr marL="0" indent="0">
+              <a:buNone/>
+            </a:pPr>
+            <a:r>
+              <a:rPr lang="en-US" sz="2000" dirty="0"/>
+              <a:t>Start=</a:t>
+            </a:r>
+            <a:r>
+              <a:rPr lang="en-US" sz="2000" dirty="0" err="1"/>
+              <a:t>time.time</a:t>
+            </a:r>
+            <a:r>
+              <a:rPr lang="en-US" sz="2000" dirty="0"/>
+              <a:t>()</a:t>
+            </a:r>
+          </a:p>
+          <a:p>
+            <a:pPr marL="0" indent="0">
+              <a:buNone/>
+            </a:pPr>
+            <a:r>
+              <a:rPr lang="en-US" sz="2000" dirty="0"/>
+              <a:t>Result=[(</a:t>
+            </a:r>
+            <a:r>
+              <a:rPr lang="en-US" sz="2000" dirty="0" err="1"/>
+              <a:t>x+y</a:t>
+            </a:r>
+            <a:r>
+              <a:rPr lang="en-US" sz="2000" dirty="0"/>
+              <a:t>) for </a:t>
+            </a:r>
+            <a:r>
+              <a:rPr lang="en-US" sz="2000" dirty="0" err="1"/>
+              <a:t>x,y</a:t>
+            </a:r>
+            <a:r>
+              <a:rPr lang="en-US" sz="2000" dirty="0"/>
+              <a:t> in zip(l1,l2)]</a:t>
+            </a:r>
+          </a:p>
+          <a:p>
+            <a:pPr marL="0" indent="0">
+              <a:buNone/>
+            </a:pPr>
+            <a:r>
+              <a:rPr lang="en-US" sz="2000" dirty="0"/>
+              <a:t>Print(“Python list took :”,(</a:t>
+            </a:r>
+            <a:r>
+              <a:rPr lang="en-US" sz="2000" dirty="0" err="1"/>
+              <a:t>time.time</a:t>
+            </a:r>
+            <a:r>
+              <a:rPr lang="en-US" sz="2000" dirty="0"/>
+              <a:t>()-start)*1000)</a:t>
+            </a:r>
+          </a:p>
+          <a:p>
+            <a:pPr marL="0" indent="0">
+              <a:buNone/>
+            </a:pPr>
+            <a:r>
+              <a:rPr lang="en-US" sz="2000" dirty="0">
+                <a:solidFill>
+                  <a:srgbClr val="FF0000"/>
+                </a:solidFill>
+              </a:rPr>
+              <a:t>#numpy array</a:t>
+            </a:r>
+          </a:p>
+          <a:p>
+            <a:pPr marL="0" indent="0">
+              <a:buNone/>
+            </a:pPr>
+            <a:r>
+              <a:rPr lang="en-US" sz="2000" dirty="0"/>
+              <a:t>Start=</a:t>
+            </a:r>
+            <a:r>
+              <a:rPr lang="en-US" sz="2000" dirty="0" err="1"/>
+              <a:t>time.time</a:t>
+            </a:r>
+            <a:r>
+              <a:rPr lang="en-US" sz="2000" dirty="0"/>
+              <a:t>()</a:t>
+            </a:r>
+          </a:p>
+          <a:p>
+            <a:pPr marL="0" indent="0">
+              <a:buNone/>
+            </a:pPr>
+            <a:r>
+              <a:rPr lang="en-US" sz="2000" dirty="0"/>
+              <a:t>Result=a1+a2</a:t>
+            </a:r>
+          </a:p>
+          <a:p>
+            <a:pPr marL="0" indent="0">
+              <a:buNone/>
+            </a:pPr>
+            <a:r>
+              <a:rPr lang="en-US" sz="2000" dirty="0"/>
+              <a:t>Print(“</a:t>
+            </a:r>
+            <a:r>
+              <a:rPr lang="en-US" sz="2000" dirty="0" err="1"/>
+              <a:t>numpy</a:t>
+            </a:r>
+            <a:r>
+              <a:rPr lang="en-US" sz="2000" dirty="0"/>
+              <a:t> took :”, (</a:t>
+            </a:r>
+            <a:r>
+              <a:rPr lang="en-US" sz="2000" dirty="0" err="1"/>
+              <a:t>time.time</a:t>
+            </a:r>
+            <a:r>
+              <a:rPr lang="en-US" sz="2000" dirty="0"/>
+              <a:t>()-start)*1000)</a:t>
+            </a:r>
+          </a:p>
+          <a:p>
+            <a:pPr marL="0" indent="0">
+              <a:buNone/>
+            </a:pPr>
+            <a:endParaRPr lang="en-IN" sz="2000" dirty="0"/>
           </a:p>
         </p:txBody>
       </p:sp>
     </p:spTree>
     <p:extLst>
       <p:ext uri="{BB962C8B-B14F-4D97-AF65-F5344CB8AC3E}">
-        <p14:creationId xmlns:p14="http://schemas.microsoft.com/office/powerpoint/2010/main" val="2378363046"/>
+        <p14:creationId xmlns:p14="http://schemas.microsoft.com/office/powerpoint/2010/main" val="2184459087"/>
       </p:ext>
     </p:extLst>
   </p:cSld>
@@ -7798,7 +10104,7 @@
           <p:cNvPr id="2" name="Title 1">
             <a:extLst>
               <a:ext uri="{FF2B5EF4-FFF2-40B4-BE49-F238E27FC236}">
-                <a16:creationId xmlns:a16="http://schemas.microsoft.com/office/drawing/2014/main" id="{30A98820-D416-4055-9F73-BE126ED08A2C}"/>
+                <a16:creationId xmlns:a16="http://schemas.microsoft.com/office/drawing/2014/main" id="{A7FF1E6C-B4AA-4EDB-8E42-B2456DA54CF1}"/>
               </a:ext>
             </a:extLst>
           </p:cNvPr>
@@ -7809,14 +10115,29 @@
             <p:ph type="title"/>
           </p:nvPr>
         </p:nvSpPr>
-        <p:spPr/>
-        <p:txBody>
-          <a:bodyPr/>
-          <a:lstStyle/>
-          <a:p>
-            <a:r>
-              <a:rPr lang="en-US" dirty="0"/>
-              <a:t>Example:</a:t>
+        <p:spPr>
+          <a:xfrm>
+            <a:off x="838200" y="365125"/>
+            <a:ext cx="5029940" cy="558153"/>
+          </a:xfrm>
+        </p:spPr>
+        <p:txBody>
+          <a:bodyPr>
+            <a:normAutofit fontScale="90000"/>
+          </a:bodyPr>
+          <a:lstStyle/>
+          <a:p>
+            <a:r>
+              <a:rPr lang="en-US" dirty="0"/>
+              <a:t>Creating </a:t>
+            </a:r>
+            <a:r>
+              <a:rPr lang="en-US" dirty="0" err="1"/>
+              <a:t>Numpy</a:t>
+            </a:r>
+            <a:r>
+              <a:rPr lang="en-US" dirty="0"/>
+              <a:t> Array</a:t>
             </a:r>
             <a:endParaRPr lang="en-IN" dirty="0"/>
           </a:p>
@@ -7824,28 +10145,155 @@
       </p:sp>
       <p:sp>
         <p:nvSpPr>
-          <p:cNvPr id="3" name="Content Placeholder 2">
-            <a:extLst>
-              <a:ext uri="{FF2B5EF4-FFF2-40B4-BE49-F238E27FC236}">
-                <a16:creationId xmlns:a16="http://schemas.microsoft.com/office/drawing/2014/main" id="{A23C4CBD-93D7-45D3-A8D5-E2EF33A85269}"/>
-              </a:ext>
-            </a:extLst>
-          </p:cNvPr>
-          <p:cNvSpPr>
-            <a:spLocks noGrp="1"/>
-          </p:cNvSpPr>
-          <p:nvPr>
-            <p:ph idx="1"/>
-          </p:nvPr>
-        </p:nvSpPr>
-        <p:spPr/>
-        <p:txBody>
-          <a:bodyPr/>
-          <a:lstStyle/>
-          <a:p>
-            <a:pPr marL="0" indent="0">
-              <a:buNone/>
-            </a:pPr>
+          <p:cNvPr id="4" name="Rectangle: Rounded Corners 3">
+            <a:extLst>
+              <a:ext uri="{FF2B5EF4-FFF2-40B4-BE49-F238E27FC236}">
+                <a16:creationId xmlns:a16="http://schemas.microsoft.com/office/drawing/2014/main" id="{8BEFA7EF-3C17-4D5E-9072-0636FA9E9354}"/>
+              </a:ext>
+            </a:extLst>
+          </p:cNvPr>
+          <p:cNvSpPr/>
+          <p:nvPr/>
+        </p:nvSpPr>
+        <p:spPr>
+          <a:xfrm>
+            <a:off x="1509205" y="1402673"/>
+            <a:ext cx="2263806" cy="692458"/>
+          </a:xfrm>
+          <a:prstGeom prst="roundRect">
+            <a:avLst/>
+          </a:prstGeom>
+        </p:spPr>
+        <p:style>
+          <a:lnRef idx="2">
+            <a:schemeClr val="dk1"/>
+          </a:lnRef>
+          <a:fillRef idx="1">
+            <a:schemeClr val="lt1"/>
+          </a:fillRef>
+          <a:effectRef idx="0">
+            <a:schemeClr val="dk1"/>
+          </a:effectRef>
+          <a:fontRef idx="minor">
+            <a:schemeClr val="dk1"/>
+          </a:fontRef>
+        </p:style>
+        <p:txBody>
+          <a:bodyPr rtlCol="0" anchor="ctr"/>
+          <a:lstStyle/>
+          <a:p>
+            <a:pPr algn="ctr"/>
+            <a:r>
+              <a:rPr lang="en-US" dirty="0">
+                <a:solidFill>
+                  <a:srgbClr val="FF0000"/>
+                </a:solidFill>
+              </a:rPr>
+              <a:t>Single-dimensional Array</a:t>
+            </a:r>
+            <a:endParaRPr lang="en-IN" dirty="0">
+              <a:solidFill>
+                <a:srgbClr val="FF0000"/>
+              </a:solidFill>
+            </a:endParaRPr>
+          </a:p>
+        </p:txBody>
+      </p:sp>
+      <p:sp>
+        <p:nvSpPr>
+          <p:cNvPr id="6" name="Rectangle: Rounded Corners 5">
+            <a:extLst>
+              <a:ext uri="{FF2B5EF4-FFF2-40B4-BE49-F238E27FC236}">
+                <a16:creationId xmlns:a16="http://schemas.microsoft.com/office/drawing/2014/main" id="{F14CA9A1-811A-444C-98D3-AFDE05526CB5}"/>
+              </a:ext>
+            </a:extLst>
+          </p:cNvPr>
+          <p:cNvSpPr/>
+          <p:nvPr/>
+        </p:nvSpPr>
+        <p:spPr>
+          <a:xfrm>
+            <a:off x="7654032" y="1402673"/>
+            <a:ext cx="2263806" cy="692458"/>
+          </a:xfrm>
+          <a:prstGeom prst="roundRect">
+            <a:avLst/>
+          </a:prstGeom>
+        </p:spPr>
+        <p:style>
+          <a:lnRef idx="2">
+            <a:schemeClr val="dk1"/>
+          </a:lnRef>
+          <a:fillRef idx="1">
+            <a:schemeClr val="lt1"/>
+          </a:fillRef>
+          <a:effectRef idx="0">
+            <a:schemeClr val="dk1"/>
+          </a:effectRef>
+          <a:fontRef idx="minor">
+            <a:schemeClr val="dk1"/>
+          </a:fontRef>
+        </p:style>
+        <p:txBody>
+          <a:bodyPr rtlCol="0" anchor="ctr"/>
+          <a:lstStyle/>
+          <a:p>
+            <a:pPr algn="ctr"/>
+            <a:r>
+              <a:rPr lang="en-US" dirty="0">
+                <a:solidFill>
+                  <a:srgbClr val="FF0000"/>
+                </a:solidFill>
+              </a:rPr>
+              <a:t>Multi-dimensional Array</a:t>
+            </a:r>
+            <a:endParaRPr lang="en-IN" dirty="0">
+              <a:solidFill>
+                <a:srgbClr val="FF0000"/>
+              </a:solidFill>
+            </a:endParaRPr>
+          </a:p>
+        </p:txBody>
+      </p:sp>
+      <p:sp>
+        <p:nvSpPr>
+          <p:cNvPr id="7" name="Rectangle: Diagonal Corners Rounded 6">
+            <a:extLst>
+              <a:ext uri="{FF2B5EF4-FFF2-40B4-BE49-F238E27FC236}">
+                <a16:creationId xmlns:a16="http://schemas.microsoft.com/office/drawing/2014/main" id="{430E29AA-4A3B-4FE6-942B-584AA9F98269}"/>
+              </a:ext>
+            </a:extLst>
+          </p:cNvPr>
+          <p:cNvSpPr/>
+          <p:nvPr/>
+        </p:nvSpPr>
+        <p:spPr>
+          <a:xfrm>
+            <a:off x="1029811" y="2681056"/>
+            <a:ext cx="3462290" cy="2170591"/>
+          </a:xfrm>
+          <a:prstGeom prst="round2DiagRect">
+            <a:avLst/>
+          </a:prstGeom>
+        </p:spPr>
+        <p:style>
+          <a:lnRef idx="2">
+            <a:schemeClr val="dk1"/>
+          </a:lnRef>
+          <a:fillRef idx="1">
+            <a:schemeClr val="lt1"/>
+          </a:fillRef>
+          <a:effectRef idx="0">
+            <a:schemeClr val="dk1"/>
+          </a:effectRef>
+          <a:fontRef idx="minor">
+            <a:schemeClr val="dk1"/>
+          </a:fontRef>
+        </p:style>
+        <p:txBody>
+          <a:bodyPr rtlCol="0" anchor="ctr"/>
+          <a:lstStyle/>
+          <a:p>
             <a:r>
               <a:rPr lang="en-US" dirty="0"/>
               <a:t> import </a:t>
@@ -7860,52 +10308,269 @@
             </a:r>
           </a:p>
           <a:p>
-            <a:pPr marL="0" indent="0">
-              <a:buNone/>
-            </a:pPr>
-            <a:r>
-              <a:rPr lang="en-US" dirty="0"/>
-              <a:t> np=</a:t>
-            </a:r>
-            <a:r>
-              <a:rPr lang="en-US"/>
-              <a:t>array([[</a:t>
-            </a:r>
-            <a:r>
-              <a:rPr lang="en-US" dirty="0"/>
-              <a:t>1,2,3,4,5],[</a:t>
-            </a:r>
-            <a:r>
-              <a:rPr lang="en-US"/>
-              <a:t>4,5,6,7]])</a:t>
-            </a:r>
+            <a:r>
+              <a:rPr lang="en-US" dirty="0"/>
+              <a:t> n1=</a:t>
+            </a:r>
+            <a:r>
+              <a:rPr lang="en-US" dirty="0" err="1"/>
+              <a:t>np.array</a:t>
+            </a:r>
+            <a:r>
+              <a:rPr lang="en-US" dirty="0"/>
+              <a:t>([10,20,30,40])</a:t>
+            </a:r>
+          </a:p>
+          <a:p>
+            <a:r>
+              <a:rPr lang="en-US" dirty="0"/>
+              <a:t> print(n1)</a:t>
+            </a:r>
+          </a:p>
+          <a:p>
+            <a:r>
+              <a:rPr lang="en-US" dirty="0"/>
+              <a:t>Print(n1.size)</a:t>
+            </a:r>
+          </a:p>
+          <a:p>
             <a:endParaRPr lang="en-US" dirty="0"/>
           </a:p>
           <a:p>
-            <a:pPr marL="0" indent="0">
-              <a:buNone/>
-            </a:pPr>
-            <a:r>
-              <a:rPr lang="en-US" dirty="0"/>
-              <a:t> type(np)</a:t>
-            </a:r>
-          </a:p>
-          <a:p>
-            <a:pPr marL="0" indent="0">
-              <a:buNone/>
-            </a:pPr>
-            <a:r>
-              <a:rPr lang="en-US" dirty="0"/>
-              <a:t> print(np)</a:t>
+            <a:r>
+              <a:rPr lang="en-US" dirty="0">
+                <a:solidFill>
+                  <a:srgbClr val="FF0000"/>
+                </a:solidFill>
+              </a:rPr>
+              <a:t>Output</a:t>
+            </a:r>
+            <a:r>
+              <a:rPr lang="en-US" dirty="0"/>
+              <a:t>:</a:t>
+            </a:r>
+          </a:p>
+          <a:p>
+            <a:r>
+              <a:rPr lang="en-US" dirty="0"/>
+              <a:t> array([10,20,30,40])</a:t>
             </a:r>
             <a:endParaRPr lang="en-IN" dirty="0"/>
           </a:p>
         </p:txBody>
       </p:sp>
+      <p:sp>
+        <p:nvSpPr>
+          <p:cNvPr id="9" name="Rectangle: Diagonal Corners Rounded 8">
+            <a:extLst>
+              <a:ext uri="{FF2B5EF4-FFF2-40B4-BE49-F238E27FC236}">
+                <a16:creationId xmlns:a16="http://schemas.microsoft.com/office/drawing/2014/main" id="{676AB488-7D1A-481C-B031-916A6C0146CA}"/>
+              </a:ext>
+            </a:extLst>
+          </p:cNvPr>
+          <p:cNvSpPr/>
+          <p:nvPr/>
+        </p:nvSpPr>
+        <p:spPr>
+          <a:xfrm>
+            <a:off x="5575182" y="2299317"/>
+            <a:ext cx="6616818" cy="3542190"/>
+          </a:xfrm>
+          <a:prstGeom prst="round2DiagRect">
+            <a:avLst/>
+          </a:prstGeom>
+        </p:spPr>
+        <p:style>
+          <a:lnRef idx="2">
+            <a:schemeClr val="dk1"/>
+          </a:lnRef>
+          <a:fillRef idx="1">
+            <a:schemeClr val="lt1"/>
+          </a:fillRef>
+          <a:effectRef idx="0">
+            <a:schemeClr val="dk1"/>
+          </a:effectRef>
+          <a:fontRef idx="minor">
+            <a:schemeClr val="dk1"/>
+          </a:fontRef>
+        </p:style>
+        <p:txBody>
+          <a:bodyPr rtlCol="0" anchor="ctr"/>
+          <a:lstStyle/>
+          <a:p>
+            <a:r>
+              <a:rPr lang="en-US" dirty="0"/>
+              <a:t> import </a:t>
+            </a:r>
+            <a:r>
+              <a:rPr lang="en-US" dirty="0" err="1"/>
+              <a:t>numpy</a:t>
+            </a:r>
+            <a:r>
+              <a:rPr lang="en-US" dirty="0"/>
+              <a:t> as np</a:t>
+            </a:r>
+          </a:p>
+          <a:p>
+            <a:r>
+              <a:rPr lang="en-US" dirty="0"/>
+              <a:t> n2=</a:t>
+            </a:r>
+            <a:r>
+              <a:rPr lang="en-US" dirty="0" err="1"/>
+              <a:t>np.array</a:t>
+            </a:r>
+            <a:r>
+              <a:rPr lang="en-US" dirty="0"/>
+              <a:t>([[10,20,30,40],[40,30,20,10]])</a:t>
+            </a:r>
+          </a:p>
+          <a:p>
+            <a:r>
+              <a:rPr lang="en-US" dirty="0"/>
+              <a:t> print(n2)</a:t>
+            </a:r>
+          </a:p>
+          <a:p>
+            <a:r>
+              <a:rPr lang="en-US" dirty="0"/>
+              <a:t>Print(n2.itemsize)</a:t>
+            </a:r>
+          </a:p>
+          <a:p>
+            <a:r>
+              <a:rPr lang="en-US" dirty="0"/>
+              <a:t>Print(n2.ndim)</a:t>
+            </a:r>
+          </a:p>
+          <a:p>
+            <a:r>
+              <a:rPr lang="en-US" dirty="0"/>
+              <a:t>n2=</a:t>
+            </a:r>
+            <a:r>
+              <a:rPr lang="en-US" dirty="0" err="1"/>
+              <a:t>np.array</a:t>
+            </a:r>
+            <a:r>
+              <a:rPr lang="en-US" dirty="0"/>
+              <a:t>([[10,20,30,40],[40,30,20,10]],</a:t>
+            </a:r>
+            <a:r>
+              <a:rPr lang="en-US" dirty="0" err="1"/>
+              <a:t>dtype</a:t>
+            </a:r>
+            <a:r>
+              <a:rPr lang="en-US" dirty="0"/>
+              <a:t>=np.float64)</a:t>
+            </a:r>
+          </a:p>
+          <a:p>
+            <a:r>
+              <a:rPr lang="en-US" dirty="0"/>
+              <a:t>Print(n2.itemsize)</a:t>
+            </a:r>
+          </a:p>
+          <a:p>
+            <a:r>
+              <a:rPr lang="en-US" dirty="0"/>
+              <a:t>n2=</a:t>
+            </a:r>
+            <a:r>
+              <a:rPr lang="en-US" dirty="0" err="1"/>
+              <a:t>np.array</a:t>
+            </a:r>
+            <a:r>
+              <a:rPr lang="en-US" dirty="0"/>
+              <a:t>([[10,20,30,40],[40,30,20,10]],</a:t>
+            </a:r>
+            <a:r>
+              <a:rPr lang="en-US" dirty="0" err="1"/>
+              <a:t>dtype</a:t>
+            </a:r>
+            <a:r>
+              <a:rPr lang="en-US" dirty="0"/>
+              <a:t>=complex)</a:t>
+            </a:r>
+          </a:p>
+          <a:p>
+            <a:r>
+              <a:rPr lang="en-US" dirty="0"/>
+              <a:t> print(n2)</a:t>
+            </a:r>
+          </a:p>
+          <a:p>
+            <a:endParaRPr lang="en-US" dirty="0"/>
+          </a:p>
+          <a:p>
+            <a:r>
+              <a:rPr lang="en-US" dirty="0">
+                <a:solidFill>
+                  <a:srgbClr val="FF0000"/>
+                </a:solidFill>
+              </a:rPr>
+              <a:t>Output</a:t>
+            </a:r>
+            <a:r>
+              <a:rPr lang="en-US" dirty="0"/>
+              <a:t>:</a:t>
+            </a:r>
+          </a:p>
+          <a:p>
+            <a:r>
+              <a:rPr lang="en-US" dirty="0"/>
+              <a:t> array([10,20,30,40],</a:t>
+            </a:r>
+          </a:p>
+          <a:p>
+            <a:r>
+              <a:rPr lang="en-US" dirty="0"/>
+              <a:t>           [40,30,20,10])</a:t>
+            </a:r>
+            <a:endParaRPr lang="en-IN" dirty="0"/>
+          </a:p>
+        </p:txBody>
+      </p:sp>
+      <p:cxnSp>
+        <p:nvCxnSpPr>
+          <p:cNvPr id="5" name="Straight Connector 4">
+            <a:extLst>
+              <a:ext uri="{FF2B5EF4-FFF2-40B4-BE49-F238E27FC236}">
+                <a16:creationId xmlns:a16="http://schemas.microsoft.com/office/drawing/2014/main" id="{7EF44E28-CFCA-4426-ADC8-4082921549DD}"/>
+              </a:ext>
+            </a:extLst>
+          </p:cNvPr>
+          <p:cNvCxnSpPr/>
+          <p:nvPr/>
+        </p:nvCxnSpPr>
+        <p:spPr>
+          <a:xfrm>
+            <a:off x="5504156" y="1074198"/>
+            <a:ext cx="0" cy="5566299"/>
+          </a:xfrm>
+          <a:prstGeom prst="line">
+            <a:avLst/>
+          </a:prstGeom>
+        </p:spPr>
+        <p:style>
+          <a:lnRef idx="1">
+            <a:schemeClr val="dk1"/>
+          </a:lnRef>
+          <a:fillRef idx="0">
+            <a:schemeClr val="dk1"/>
+          </a:fillRef>
+          <a:effectRef idx="0">
+            <a:schemeClr val="dk1"/>
+          </a:effectRef>
+          <a:fontRef idx="minor">
+            <a:schemeClr val="tx1"/>
+          </a:fontRef>
+        </p:style>
+      </p:cxnSp>
     </p:spTree>
     <p:extLst>
       <p:ext uri="{BB962C8B-B14F-4D97-AF65-F5344CB8AC3E}">
-        <p14:creationId xmlns:p14="http://schemas.microsoft.com/office/powerpoint/2010/main" val="2231563966"/>
+        <p14:creationId xmlns:p14="http://schemas.microsoft.com/office/powerpoint/2010/main" val="365648684"/>
       </p:ext>
     </p:extLst>
   </p:cSld>
@@ -7937,7 +10602,7 @@
           <p:cNvPr id="2" name="Title 1">
             <a:extLst>
               <a:ext uri="{FF2B5EF4-FFF2-40B4-BE49-F238E27FC236}">
-                <a16:creationId xmlns:a16="http://schemas.microsoft.com/office/drawing/2014/main" id="{27309D21-CFF4-44A2-9CA0-41A679819238}"/>
+                <a16:creationId xmlns:a16="http://schemas.microsoft.com/office/drawing/2014/main" id="{F7EC45FD-8645-4FAE-B7E7-6C01C3C54023}"/>
               </a:ext>
             </a:extLst>
           </p:cNvPr>
@@ -7955,7 +10620,7 @@
           <a:p>
             <a:r>
               <a:rPr lang="en-US" dirty="0"/>
-              <a:t>Initializing NumPy Array</a:t>
+              <a:t>Example:</a:t>
             </a:r>
             <a:endParaRPr lang="en-IN" dirty="0"/>
           </a:p>
@@ -7963,260 +10628,280 @@
       </p:sp>
       <p:sp>
         <p:nvSpPr>
-          <p:cNvPr id="4" name="Rectangle: Rounded Corners 3">
-            <a:extLst>
-              <a:ext uri="{FF2B5EF4-FFF2-40B4-BE49-F238E27FC236}">
-                <a16:creationId xmlns:a16="http://schemas.microsoft.com/office/drawing/2014/main" id="{42DF7891-E6E9-4707-AAB8-31F350000A4A}"/>
-              </a:ext>
-            </a:extLst>
-          </p:cNvPr>
-          <p:cNvSpPr/>
+          <p:cNvPr id="3" name="Content Placeholder 2">
+            <a:extLst>
+              <a:ext uri="{FF2B5EF4-FFF2-40B4-BE49-F238E27FC236}">
+                <a16:creationId xmlns:a16="http://schemas.microsoft.com/office/drawing/2014/main" id="{85AFF864-C55D-4181-BD78-36CC0A6C1D9E}"/>
+              </a:ext>
+            </a:extLst>
+          </p:cNvPr>
+          <p:cNvSpPr>
+            <a:spLocks noGrp="1"/>
+          </p:cNvSpPr>
+          <p:nvPr>
+            <p:ph idx="1"/>
+          </p:nvPr>
+        </p:nvSpPr>
+        <p:spPr/>
+        <p:txBody>
+          <a:bodyPr/>
+          <a:lstStyle/>
+          <a:p>
+            <a:pPr marL="0" indent="0">
+              <a:buNone/>
+            </a:pPr>
+            <a:r>
+              <a:rPr lang="en-US" dirty="0">
+                <a:solidFill>
+                  <a:srgbClr val="FF0000"/>
+                </a:solidFill>
+              </a:rPr>
+              <a:t> </a:t>
+            </a:r>
+            <a:r>
+              <a:rPr lang="en-US" sz="1800" dirty="0">
+                <a:solidFill>
+                  <a:srgbClr val="FF0000"/>
+                </a:solidFill>
+              </a:rPr>
+              <a:t>import </a:t>
+            </a:r>
+            <a:r>
+              <a:rPr lang="en-US" sz="1800" dirty="0" err="1">
+                <a:solidFill>
+                  <a:srgbClr val="FF0000"/>
+                </a:solidFill>
+              </a:rPr>
+              <a:t>numpy</a:t>
+            </a:r>
+            <a:r>
+              <a:rPr lang="en-US" sz="1800" dirty="0">
+                <a:solidFill>
+                  <a:srgbClr val="FF0000"/>
+                </a:solidFill>
+              </a:rPr>
+              <a:t> as np</a:t>
+            </a:r>
+          </a:p>
+          <a:p>
+            <a:pPr marL="0" indent="0">
+              <a:buNone/>
+            </a:pPr>
+            <a:r>
+              <a:rPr lang="en-US" sz="1800" dirty="0"/>
+              <a:t> l1=[1,2,3,4,5]</a:t>
+            </a:r>
+          </a:p>
+          <a:p>
+            <a:pPr marL="0" indent="0">
+              <a:buNone/>
+            </a:pPr>
+            <a:r>
+              <a:rPr lang="en-US" sz="1800" dirty="0"/>
+              <a:t>  n1=</a:t>
+            </a:r>
+            <a:r>
+              <a:rPr lang="en-US" sz="1800" dirty="0" err="1"/>
+              <a:t>np.array</a:t>
+            </a:r>
+            <a:r>
+              <a:rPr lang="en-US" sz="1800" dirty="0"/>
+              <a:t>(l1)</a:t>
+            </a:r>
+          </a:p>
+          <a:p>
+            <a:pPr marL="0" indent="0">
+              <a:buNone/>
+            </a:pPr>
+            <a:r>
+              <a:rPr lang="en-US" sz="1800" dirty="0"/>
+              <a:t> print(n1)</a:t>
+            </a:r>
+          </a:p>
+          <a:p>
+            <a:pPr marL="0" indent="0">
+              <a:buNone/>
+            </a:pPr>
+            <a:r>
+              <a:rPr lang="en-US" sz="1800" dirty="0"/>
+              <a:t> print(type(n1))</a:t>
+            </a:r>
+          </a:p>
+          <a:p>
+            <a:pPr marL="0" indent="0">
+              <a:buNone/>
+            </a:pPr>
+            <a:r>
+              <a:rPr lang="en-US" sz="1800" dirty="0"/>
+              <a:t> print(</a:t>
+            </a:r>
+            <a:r>
+              <a:rPr lang="en-US" sz="1800" dirty="0" err="1"/>
+              <a:t>np.arange</a:t>
+            </a:r>
+            <a:r>
+              <a:rPr lang="en-US" sz="1800" dirty="0"/>
+              <a:t>(1,5))</a:t>
+            </a:r>
+          </a:p>
+          <a:p>
+            <a:pPr marL="0" indent="0">
+              <a:buNone/>
+            </a:pPr>
+            <a:r>
+              <a:rPr lang="en-US" sz="1800" dirty="0"/>
+              <a:t>print(</a:t>
+            </a:r>
+            <a:r>
+              <a:rPr lang="en-US" sz="1800" dirty="0" err="1"/>
+              <a:t>np.arange</a:t>
+            </a:r>
+            <a:r>
+              <a:rPr lang="en-US" sz="1800" dirty="0"/>
+              <a:t>(1,5,2)) </a:t>
+            </a:r>
+            <a:r>
+              <a:rPr lang="en-US" sz="1800" dirty="0">
+                <a:solidFill>
+                  <a:srgbClr val="FF0000"/>
+                </a:solidFill>
+              </a:rPr>
+              <a:t>#2 means jump</a:t>
+            </a:r>
+            <a:endParaRPr lang="en-IN" sz="1800" dirty="0">
+              <a:solidFill>
+                <a:srgbClr val="FF0000"/>
+              </a:solidFill>
+            </a:endParaRPr>
+          </a:p>
+        </p:txBody>
+      </p:sp>
+      <p:sp>
+        <p:nvSpPr>
+          <p:cNvPr id="5" name="TextBox 4">
+            <a:extLst>
+              <a:ext uri="{FF2B5EF4-FFF2-40B4-BE49-F238E27FC236}">
+                <a16:creationId xmlns:a16="http://schemas.microsoft.com/office/drawing/2014/main" id="{209D14A6-6CAF-4392-9ADD-131B3ACDC3F0}"/>
+              </a:ext>
+            </a:extLst>
+          </p:cNvPr>
+          <p:cNvSpPr txBox="1"/>
           <p:nvPr/>
         </p:nvSpPr>
         <p:spPr>
           <a:xfrm>
-            <a:off x="2627792" y="1580225"/>
-            <a:ext cx="5805996" cy="497149"/>
-          </a:xfrm>
-          <a:prstGeom prst="roundRect">
+            <a:off x="5259279" y="1825625"/>
+            <a:ext cx="4843507" cy="1200329"/>
+          </a:xfrm>
+          <a:prstGeom prst="rect">
             <a:avLst/>
           </a:prstGeom>
+          <a:noFill/>
+        </p:spPr>
+        <p:txBody>
+          <a:bodyPr wrap="square">
+            <a:spAutoFit/>
+          </a:bodyPr>
+          <a:lstStyle/>
+          <a:p>
+            <a:pPr marL="0" indent="0">
+              <a:buNone/>
+            </a:pPr>
+            <a:r>
+              <a:rPr lang="en-US" dirty="0">
+                <a:solidFill>
+                  <a:srgbClr val="FF0000"/>
+                </a:solidFill>
+              </a:rPr>
+              <a:t>import </a:t>
+            </a:r>
+            <a:r>
+              <a:rPr lang="en-US" dirty="0" err="1">
+                <a:solidFill>
+                  <a:srgbClr val="FF0000"/>
+                </a:solidFill>
+              </a:rPr>
+              <a:t>numpy</a:t>
+            </a:r>
+            <a:r>
+              <a:rPr lang="en-US" dirty="0">
+                <a:solidFill>
+                  <a:srgbClr val="FF0000"/>
+                </a:solidFill>
+              </a:rPr>
+              <a:t> as np</a:t>
+            </a:r>
+          </a:p>
+          <a:p>
+            <a:pPr marL="0" indent="0">
+              <a:buNone/>
+            </a:pPr>
+            <a:r>
+              <a:rPr lang="en-US" dirty="0"/>
+              <a:t> np=array([[1,2,3,4,5],[4,5,6,7]])</a:t>
+            </a:r>
+          </a:p>
+          <a:p>
+            <a:pPr marL="0" indent="0">
+              <a:buNone/>
+            </a:pPr>
+            <a:r>
+              <a:rPr lang="en-US" dirty="0"/>
+              <a:t> type(np)</a:t>
+            </a:r>
+          </a:p>
+          <a:p>
+            <a:pPr marL="0" indent="0">
+              <a:buNone/>
+            </a:pPr>
+            <a:r>
+              <a:rPr lang="en-US" dirty="0"/>
+              <a:t> print(np)</a:t>
+            </a:r>
+            <a:endParaRPr lang="en-IN" dirty="0"/>
+          </a:p>
+        </p:txBody>
+      </p:sp>
+      <p:cxnSp>
+        <p:nvCxnSpPr>
+          <p:cNvPr id="7" name="Straight Connector 6">
+            <a:extLst>
+              <a:ext uri="{FF2B5EF4-FFF2-40B4-BE49-F238E27FC236}">
+                <a16:creationId xmlns:a16="http://schemas.microsoft.com/office/drawing/2014/main" id="{ED21E2C4-5B77-4752-A897-738C73D9A4B8}"/>
+              </a:ext>
+            </a:extLst>
+          </p:cNvPr>
+          <p:cNvCxnSpPr/>
+          <p:nvPr/>
+        </p:nvCxnSpPr>
+        <p:spPr>
+          <a:xfrm>
+            <a:off x="5250401" y="1690688"/>
+            <a:ext cx="0" cy="4674601"/>
+          </a:xfrm>
+          <a:prstGeom prst="line">
+            <a:avLst/>
+          </a:prstGeom>
         </p:spPr>
         <p:style>
-          <a:lnRef idx="2">
-            <a:schemeClr val="dk1"/>
+          <a:lnRef idx="1">
+            <a:schemeClr val="accent1"/>
           </a:lnRef>
-          <a:fillRef idx="1">
-            <a:schemeClr val="lt1"/>
+          <a:fillRef idx="0">
+            <a:schemeClr val="accent1"/>
           </a:fillRef>
           <a:effectRef idx="0">
-            <a:schemeClr val="dk1"/>
+            <a:schemeClr val="accent1"/>
           </a:effectRef>
           <a:fontRef idx="minor">
-            <a:schemeClr val="dk1"/>
+            <a:schemeClr val="tx1"/>
           </a:fontRef>
         </p:style>
-        <p:txBody>
-          <a:bodyPr rtlCol="0" anchor="ctr"/>
-          <a:lstStyle/>
-          <a:p>
-            <a:pPr algn="ctr"/>
-            <a:r>
-              <a:rPr lang="en-US" dirty="0"/>
-              <a:t>Initializing NumPy array with zeros.</a:t>
-            </a:r>
-            <a:endParaRPr lang="en-IN" dirty="0"/>
-          </a:p>
-        </p:txBody>
-      </p:sp>
-      <p:sp>
-        <p:nvSpPr>
-          <p:cNvPr id="5" name="Rectangle: Diagonal Corners Rounded 4">
-            <a:extLst>
-              <a:ext uri="{FF2B5EF4-FFF2-40B4-BE49-F238E27FC236}">
-                <a16:creationId xmlns:a16="http://schemas.microsoft.com/office/drawing/2014/main" id="{0B6FE2CB-B994-4287-9B4C-8D8CB0FD824A}"/>
-              </a:ext>
-            </a:extLst>
-          </p:cNvPr>
-          <p:cNvSpPr/>
-          <p:nvPr/>
-        </p:nvSpPr>
-        <p:spPr>
-          <a:xfrm>
-            <a:off x="1012053" y="2769833"/>
-            <a:ext cx="3577701" cy="2077375"/>
-          </a:xfrm>
-          <a:prstGeom prst="round2DiagRect">
-            <a:avLst/>
-          </a:prstGeom>
-        </p:spPr>
-        <p:style>
-          <a:lnRef idx="2">
-            <a:schemeClr val="dk1"/>
-          </a:lnRef>
-          <a:fillRef idx="1">
-            <a:schemeClr val="lt1"/>
-          </a:fillRef>
-          <a:effectRef idx="0">
-            <a:schemeClr val="dk1"/>
-          </a:effectRef>
-          <a:fontRef idx="minor">
-            <a:schemeClr val="dk1"/>
-          </a:fontRef>
-        </p:style>
-        <p:txBody>
-          <a:bodyPr rtlCol="0" anchor="ctr"/>
-          <a:lstStyle/>
-          <a:p>
-            <a:r>
-              <a:rPr lang="en-US" dirty="0"/>
-              <a:t> import </a:t>
-            </a:r>
-            <a:r>
-              <a:rPr lang="en-US" dirty="0" err="1"/>
-              <a:t>numpy</a:t>
-            </a:r>
-            <a:r>
-              <a:rPr lang="en-US" dirty="0"/>
-              <a:t> as np</a:t>
-            </a:r>
-          </a:p>
-          <a:p>
-            <a:r>
-              <a:rPr lang="en-US" dirty="0"/>
-              <a:t> n1=</a:t>
-            </a:r>
-            <a:r>
-              <a:rPr lang="en-US" dirty="0" err="1"/>
-              <a:t>np.zeros</a:t>
-            </a:r>
-            <a:r>
-              <a:rPr lang="en-US" dirty="0"/>
-              <a:t>((1,2))</a:t>
-            </a:r>
-          </a:p>
-          <a:p>
-            <a:r>
-              <a:rPr lang="en-US" dirty="0"/>
-              <a:t> print(n1)</a:t>
-            </a:r>
-          </a:p>
-          <a:p>
-            <a:endParaRPr lang="en-US" dirty="0"/>
-          </a:p>
-          <a:p>
-            <a:r>
-              <a:rPr lang="en-US" dirty="0"/>
-              <a:t>Output:</a:t>
-            </a:r>
-          </a:p>
-          <a:p>
-            <a:r>
-              <a:rPr lang="en-US" dirty="0"/>
-              <a:t> array([[0., 0.]])</a:t>
-            </a:r>
-            <a:endParaRPr lang="en-IN" dirty="0"/>
-          </a:p>
-        </p:txBody>
-      </p:sp>
-      <p:sp>
-        <p:nvSpPr>
-          <p:cNvPr id="6" name="Rectangle: Diagonal Corners Rounded 5">
-            <a:extLst>
-              <a:ext uri="{FF2B5EF4-FFF2-40B4-BE49-F238E27FC236}">
-                <a16:creationId xmlns:a16="http://schemas.microsoft.com/office/drawing/2014/main" id="{C529752F-20EF-480F-806F-2691859AC097}"/>
-              </a:ext>
-            </a:extLst>
-          </p:cNvPr>
-          <p:cNvSpPr/>
-          <p:nvPr/>
-        </p:nvSpPr>
-        <p:spPr>
-          <a:xfrm>
-            <a:off x="6096000" y="2769832"/>
-            <a:ext cx="5187518" cy="2991775"/>
-          </a:xfrm>
-          <a:prstGeom prst="round2DiagRect">
-            <a:avLst/>
-          </a:prstGeom>
-        </p:spPr>
-        <p:style>
-          <a:lnRef idx="2">
-            <a:schemeClr val="dk1"/>
-          </a:lnRef>
-          <a:fillRef idx="1">
-            <a:schemeClr val="lt1"/>
-          </a:fillRef>
-          <a:effectRef idx="0">
-            <a:schemeClr val="dk1"/>
-          </a:effectRef>
-          <a:fontRef idx="minor">
-            <a:schemeClr val="dk1"/>
-          </a:fontRef>
-        </p:style>
-        <p:txBody>
-          <a:bodyPr rtlCol="0" anchor="ctr"/>
-          <a:lstStyle/>
-          <a:p>
-            <a:r>
-              <a:rPr lang="en-US" dirty="0"/>
-              <a:t>Import </a:t>
-            </a:r>
-            <a:r>
-              <a:rPr lang="en-US" dirty="0" err="1"/>
-              <a:t>numpy</a:t>
-            </a:r>
-            <a:r>
-              <a:rPr lang="en-US" dirty="0"/>
-              <a:t> as np</a:t>
-            </a:r>
-          </a:p>
-          <a:p>
-            <a:r>
-              <a:rPr lang="en-US" dirty="0"/>
-              <a:t> n1=</a:t>
-            </a:r>
-            <a:r>
-              <a:rPr lang="en-US" dirty="0" err="1"/>
-              <a:t>np.zeros</a:t>
-            </a:r>
-            <a:r>
-              <a:rPr lang="en-US" dirty="0"/>
-              <a:t>((5,5))</a:t>
-            </a:r>
-          </a:p>
-          <a:p>
-            <a:r>
-              <a:rPr lang="en-US" dirty="0"/>
-              <a:t> print(n1)</a:t>
-            </a:r>
-          </a:p>
-          <a:p>
-            <a:endParaRPr lang="en-US" dirty="0"/>
-          </a:p>
-          <a:p>
-            <a:r>
-              <a:rPr lang="en-US" dirty="0"/>
-              <a:t>Output:</a:t>
-            </a:r>
-          </a:p>
-          <a:p>
-            <a:r>
-              <a:rPr lang="en-US" dirty="0"/>
-              <a:t> array([[0.,0.,0.,0.],</a:t>
-            </a:r>
-          </a:p>
-          <a:p>
-            <a:r>
-              <a:rPr lang="en-US" dirty="0"/>
-              <a:t>             [0.,0.,0.,0.],</a:t>
-            </a:r>
-          </a:p>
-          <a:p>
-            <a:r>
-              <a:rPr lang="en-US" dirty="0"/>
-              <a:t>             [0.,0.,0.,0.],</a:t>
-            </a:r>
-          </a:p>
-          <a:p>
-            <a:r>
-              <a:rPr lang="en-US" dirty="0"/>
-              <a:t>             [0.,0.,0.,0.],</a:t>
-            </a:r>
-          </a:p>
-          <a:p>
-            <a:r>
-              <a:rPr lang="en-US" dirty="0"/>
-              <a:t>             [0.,0.,0.,0.]])</a:t>
-            </a:r>
-            <a:endParaRPr lang="en-IN" dirty="0"/>
-          </a:p>
-        </p:txBody>
-      </p:sp>
+      </p:cxnSp>
     </p:spTree>
     <p:extLst>
       <p:ext uri="{BB962C8B-B14F-4D97-AF65-F5344CB8AC3E}">
-        <p14:creationId xmlns:p14="http://schemas.microsoft.com/office/powerpoint/2010/main" val="2202464506"/>
+        <p14:creationId xmlns:p14="http://schemas.microsoft.com/office/powerpoint/2010/main" val="2378363046"/>
       </p:ext>
     </p:extLst>
   </p:cSld>
@@ -8245,10 +10930,39 @@
       </p:grpSpPr>
       <p:sp>
         <p:nvSpPr>
+          <p:cNvPr id="2" name="Title 1">
+            <a:extLst>
+              <a:ext uri="{FF2B5EF4-FFF2-40B4-BE49-F238E27FC236}">
+                <a16:creationId xmlns:a16="http://schemas.microsoft.com/office/drawing/2014/main" id="{27309D21-CFF4-44A2-9CA0-41A679819238}"/>
+              </a:ext>
+            </a:extLst>
+          </p:cNvPr>
+          <p:cNvSpPr>
+            <a:spLocks noGrp="1"/>
+          </p:cNvSpPr>
+          <p:nvPr>
+            <p:ph type="title"/>
+          </p:nvPr>
+        </p:nvSpPr>
+        <p:spPr/>
+        <p:txBody>
+          <a:bodyPr/>
+          <a:lstStyle/>
+          <a:p>
+            <a:r>
+              <a:rPr lang="en-US" dirty="0"/>
+              <a:t>Initializing NumPy Array</a:t>
+            </a:r>
+            <a:endParaRPr lang="en-IN" dirty="0"/>
+          </a:p>
+        </p:txBody>
+      </p:sp>
+      <p:sp>
+        <p:nvSpPr>
           <p:cNvPr id="4" name="Rectangle: Rounded Corners 3">
             <a:extLst>
               <a:ext uri="{FF2B5EF4-FFF2-40B4-BE49-F238E27FC236}">
-                <a16:creationId xmlns:a16="http://schemas.microsoft.com/office/drawing/2014/main" id="{16B00213-0DB9-479B-8F93-D3CB30999035}"/>
+                <a16:creationId xmlns:a16="http://schemas.microsoft.com/office/drawing/2014/main" id="{42DF7891-E6E9-4707-AAB8-31F350000A4A}"/>
               </a:ext>
             </a:extLst>
           </p:cNvPr>
@@ -8257,8 +10971,8 @@
         </p:nvSpPr>
         <p:spPr>
           <a:xfrm>
-            <a:off x="2308194" y="1349406"/>
-            <a:ext cx="6436311" cy="577048"/>
+            <a:off x="2627792" y="1580225"/>
+            <a:ext cx="5805996" cy="497149"/>
           </a:xfrm>
           <a:prstGeom prst="roundRect">
             <a:avLst/>
@@ -8284,10 +10998,18 @@
           <a:p>
             <a:pPr algn="ctr"/>
             <a:r>
-              <a:rPr lang="en-US" dirty="0"/>
-              <a:t>Initializing NumPy array with same number.</a:t>
-            </a:r>
-            <a:endParaRPr lang="en-IN" dirty="0"/>
+              <a:rPr lang="en-US" dirty="0">
+                <a:solidFill>
+                  <a:srgbClr val="FF0000"/>
+                </a:solidFill>
+              </a:rPr>
+              <a:t>Initializing NumPy array with zeros.</a:t>
+            </a:r>
+            <a:endParaRPr lang="en-IN" dirty="0">
+              <a:solidFill>
+                <a:srgbClr val="FF0000"/>
+              </a:solidFill>
+            </a:endParaRPr>
           </a:p>
         </p:txBody>
       </p:sp>
@@ -8296,7 +11018,7 @@
           <p:cNvPr id="5" name="Rectangle: Diagonal Corners Rounded 4">
             <a:extLst>
               <a:ext uri="{FF2B5EF4-FFF2-40B4-BE49-F238E27FC236}">
-                <a16:creationId xmlns:a16="http://schemas.microsoft.com/office/drawing/2014/main" id="{AA48FBC2-C06D-4210-B6B3-EF8A0BC02227}"/>
+                <a16:creationId xmlns:a16="http://schemas.microsoft.com/office/drawing/2014/main" id="{0B6FE2CB-B994-4287-9B4C-8D8CB0FD824A}"/>
               </a:ext>
             </a:extLst>
           </p:cNvPr>
@@ -8305,8 +11027,8 @@
         </p:nvSpPr>
         <p:spPr>
           <a:xfrm>
-            <a:off x="3116063" y="2760956"/>
-            <a:ext cx="4305670" cy="2441359"/>
+            <a:off x="1012053" y="2365391"/>
+            <a:ext cx="3577701" cy="2077375"/>
           </a:xfrm>
           <a:prstGeom prst="round2DiagRect">
             <a:avLst/>
@@ -8350,11 +11072,11 @@
             </a:r>
             <a:r>
               <a:rPr lang="en-US" dirty="0" err="1"/>
-              <a:t>np.full</a:t>
-            </a:r>
-            <a:r>
-              <a:rPr lang="en-US" dirty="0"/>
-              <a:t>((2,2),10)</a:t>
+              <a:t>np.zeros</a:t>
+            </a:r>
+            <a:r>
+              <a:rPr lang="en-US" dirty="0"/>
+              <a:t>((1,2))</a:t>
             </a:r>
           </a:p>
           <a:p>
@@ -8375,13 +11097,211 @@
           <a:p>
             <a:r>
               <a:rPr lang="en-US" dirty="0"/>
-              <a:t> array([[10,10],</a:t>
-            </a:r>
-          </a:p>
-          <a:p>
-            <a:r>
-              <a:rPr lang="en-US" dirty="0"/>
-              <a:t>             [10,10]])</a:t>
+              <a:t> array([[0., 0.]])</a:t>
+            </a:r>
+            <a:endParaRPr lang="en-IN" dirty="0"/>
+          </a:p>
+        </p:txBody>
+      </p:sp>
+      <p:sp>
+        <p:nvSpPr>
+          <p:cNvPr id="6" name="Rectangle: Diagonal Corners Rounded 5">
+            <a:extLst>
+              <a:ext uri="{FF2B5EF4-FFF2-40B4-BE49-F238E27FC236}">
+                <a16:creationId xmlns:a16="http://schemas.microsoft.com/office/drawing/2014/main" id="{C529752F-20EF-480F-806F-2691859AC097}"/>
+              </a:ext>
+            </a:extLst>
+          </p:cNvPr>
+          <p:cNvSpPr/>
+          <p:nvPr/>
+        </p:nvSpPr>
+        <p:spPr>
+          <a:xfrm>
+            <a:off x="6096000" y="2769832"/>
+            <a:ext cx="5187518" cy="2991775"/>
+          </a:xfrm>
+          <a:prstGeom prst="round2DiagRect">
+            <a:avLst/>
+          </a:prstGeom>
+        </p:spPr>
+        <p:style>
+          <a:lnRef idx="2">
+            <a:schemeClr val="dk1"/>
+          </a:lnRef>
+          <a:fillRef idx="1">
+            <a:schemeClr val="lt1"/>
+          </a:fillRef>
+          <a:effectRef idx="0">
+            <a:schemeClr val="dk1"/>
+          </a:effectRef>
+          <a:fontRef idx="minor">
+            <a:schemeClr val="dk1"/>
+          </a:fontRef>
+        </p:style>
+        <p:txBody>
+          <a:bodyPr rtlCol="0" anchor="ctr"/>
+          <a:lstStyle/>
+          <a:p>
+            <a:r>
+              <a:rPr lang="en-US" dirty="0"/>
+              <a:t>Import </a:t>
+            </a:r>
+            <a:r>
+              <a:rPr lang="en-US" dirty="0" err="1"/>
+              <a:t>numpy</a:t>
+            </a:r>
+            <a:r>
+              <a:rPr lang="en-US" dirty="0"/>
+              <a:t> as np</a:t>
+            </a:r>
+          </a:p>
+          <a:p>
+            <a:r>
+              <a:rPr lang="en-US" dirty="0"/>
+              <a:t> n1=</a:t>
+            </a:r>
+            <a:r>
+              <a:rPr lang="en-US" dirty="0" err="1"/>
+              <a:t>np.zeros</a:t>
+            </a:r>
+            <a:r>
+              <a:rPr lang="en-US" dirty="0"/>
+              <a:t>((5,5))</a:t>
+            </a:r>
+          </a:p>
+          <a:p>
+            <a:r>
+              <a:rPr lang="en-US" dirty="0"/>
+              <a:t> print(n1)</a:t>
+            </a:r>
+          </a:p>
+          <a:p>
+            <a:endParaRPr lang="en-US" dirty="0"/>
+          </a:p>
+          <a:p>
+            <a:r>
+              <a:rPr lang="en-US" dirty="0"/>
+              <a:t>Output:</a:t>
+            </a:r>
+          </a:p>
+          <a:p>
+            <a:r>
+              <a:rPr lang="en-US" dirty="0"/>
+              <a:t> array([[0.,0.,0.,0.],</a:t>
+            </a:r>
+          </a:p>
+          <a:p>
+            <a:r>
+              <a:rPr lang="en-US" dirty="0"/>
+              <a:t>             [0.,0.,0.,0.],</a:t>
+            </a:r>
+          </a:p>
+          <a:p>
+            <a:r>
+              <a:rPr lang="en-US" dirty="0"/>
+              <a:t>             [0.,0.,0.,0.],</a:t>
+            </a:r>
+          </a:p>
+          <a:p>
+            <a:r>
+              <a:rPr lang="en-US" dirty="0"/>
+              <a:t>             [0.,0.,0.,0.],</a:t>
+            </a:r>
+          </a:p>
+          <a:p>
+            <a:r>
+              <a:rPr lang="en-US" dirty="0"/>
+              <a:t>             [0.,0.,0.,0.]])</a:t>
+            </a:r>
+            <a:endParaRPr lang="en-IN" dirty="0"/>
+          </a:p>
+        </p:txBody>
+      </p:sp>
+      <p:sp>
+        <p:nvSpPr>
+          <p:cNvPr id="7" name="Rectangle: Diagonal Corners Rounded 6">
+            <a:extLst>
+              <a:ext uri="{FF2B5EF4-FFF2-40B4-BE49-F238E27FC236}">
+                <a16:creationId xmlns:a16="http://schemas.microsoft.com/office/drawing/2014/main" id="{FE96B0CE-6858-4AA6-9258-E8B8094DA474}"/>
+              </a:ext>
+            </a:extLst>
+          </p:cNvPr>
+          <p:cNvSpPr/>
+          <p:nvPr/>
+        </p:nvSpPr>
+        <p:spPr>
+          <a:xfrm>
+            <a:off x="838200" y="4554245"/>
+            <a:ext cx="3577701" cy="2077375"/>
+          </a:xfrm>
+          <a:prstGeom prst="round2DiagRect">
+            <a:avLst/>
+          </a:prstGeom>
+        </p:spPr>
+        <p:style>
+          <a:lnRef idx="2">
+            <a:schemeClr val="dk1"/>
+          </a:lnRef>
+          <a:fillRef idx="1">
+            <a:schemeClr val="lt1"/>
+          </a:fillRef>
+          <a:effectRef idx="0">
+            <a:schemeClr val="dk1"/>
+          </a:effectRef>
+          <a:fontRef idx="minor">
+            <a:schemeClr val="dk1"/>
+          </a:fontRef>
+        </p:style>
+        <p:txBody>
+          <a:bodyPr rtlCol="0" anchor="ctr"/>
+          <a:lstStyle/>
+          <a:p>
+            <a:r>
+              <a:rPr lang="en-US" dirty="0"/>
+              <a:t> import </a:t>
+            </a:r>
+            <a:r>
+              <a:rPr lang="en-US" dirty="0" err="1"/>
+              <a:t>numpy</a:t>
+            </a:r>
+            <a:r>
+              <a:rPr lang="en-US" dirty="0"/>
+              <a:t> as np</a:t>
+            </a:r>
+          </a:p>
+          <a:p>
+            <a:r>
+              <a:rPr lang="en-US" dirty="0"/>
+              <a:t> n1=</a:t>
+            </a:r>
+            <a:r>
+              <a:rPr lang="en-US" dirty="0" err="1"/>
+              <a:t>np.ones</a:t>
+            </a:r>
+            <a:r>
+              <a:rPr lang="en-US" dirty="0"/>
+              <a:t>((1,2))</a:t>
+            </a:r>
+          </a:p>
+          <a:p>
+            <a:r>
+              <a:rPr lang="en-US" dirty="0"/>
+              <a:t> print(n1)</a:t>
+            </a:r>
+          </a:p>
+          <a:p>
+            <a:endParaRPr lang="en-US" dirty="0"/>
+          </a:p>
+          <a:p>
+            <a:r>
+              <a:rPr lang="en-US" dirty="0"/>
+              <a:t>Output:</a:t>
+            </a:r>
+          </a:p>
+          <a:p>
+            <a:r>
+              <a:rPr lang="en-US" dirty="0"/>
+              <a:t> array([[1., 1.]])</a:t>
             </a:r>
             <a:endParaRPr lang="en-IN" dirty="0"/>
           </a:p>
@@ -8390,7 +11310,7 @@
     </p:spTree>
     <p:extLst>
       <p:ext uri="{BB962C8B-B14F-4D97-AF65-F5344CB8AC3E}">
-        <p14:creationId xmlns:p14="http://schemas.microsoft.com/office/powerpoint/2010/main" val="3863932705"/>
+        <p14:creationId xmlns:p14="http://schemas.microsoft.com/office/powerpoint/2010/main" val="2202464506"/>
       </p:ext>
     </p:extLst>
   </p:cSld>
@@ -8422,7 +11342,7 @@
           <p:cNvPr id="4" name="Rectangle: Rounded Corners 3">
             <a:extLst>
               <a:ext uri="{FF2B5EF4-FFF2-40B4-BE49-F238E27FC236}">
-                <a16:creationId xmlns:a16="http://schemas.microsoft.com/office/drawing/2014/main" id="{24DA834F-0D15-422C-9AD5-EB99577BF2E3}"/>
+                <a16:creationId xmlns:a16="http://schemas.microsoft.com/office/drawing/2014/main" id="{16B00213-0DB9-479B-8F93-D3CB30999035}"/>
               </a:ext>
             </a:extLst>
           </p:cNvPr>
@@ -8431,8 +11351,8 @@
         </p:nvSpPr>
         <p:spPr>
           <a:xfrm>
-            <a:off x="2272683" y="1171852"/>
-            <a:ext cx="6471822" cy="594804"/>
+            <a:off x="2308194" y="1349406"/>
+            <a:ext cx="6436311" cy="577048"/>
           </a:xfrm>
           <a:prstGeom prst="roundRect">
             <a:avLst/>
@@ -8459,7 +11379,7 @@
             <a:pPr algn="ctr"/>
             <a:r>
               <a:rPr lang="en-US" dirty="0"/>
-              <a:t>Initializing NumPy array within a range.</a:t>
+              <a:t>Initializing NumPy array with same number.</a:t>
             </a:r>
             <a:endParaRPr lang="en-IN" dirty="0"/>
           </a:p>
@@ -8470,7 +11390,7 @@
           <p:cNvPr id="5" name="Rectangle: Diagonal Corners Rounded 4">
             <a:extLst>
               <a:ext uri="{FF2B5EF4-FFF2-40B4-BE49-F238E27FC236}">
-                <a16:creationId xmlns:a16="http://schemas.microsoft.com/office/drawing/2014/main" id="{1C7B1C4E-D1B5-402B-A5D8-5D8D1E46E44D}"/>
+                <a16:creationId xmlns:a16="http://schemas.microsoft.com/office/drawing/2014/main" id="{AA48FBC2-C06D-4210-B6B3-EF8A0BC02227}"/>
               </a:ext>
             </a:extLst>
           </p:cNvPr>
@@ -8479,8 +11399,8 @@
         </p:nvSpPr>
         <p:spPr>
           <a:xfrm>
-            <a:off x="2476870" y="2343705"/>
-            <a:ext cx="5184559" cy="1864311"/>
+            <a:off x="3116063" y="2760956"/>
+            <a:ext cx="4305670" cy="2441359"/>
           </a:xfrm>
           <a:prstGeom prst="round2DiagRect">
             <a:avLst/>
@@ -8524,11 +11444,11 @@
             </a:r>
             <a:r>
               <a:rPr lang="en-US" dirty="0" err="1"/>
-              <a:t>np.arange</a:t>
-            </a:r>
-            <a:r>
-              <a:rPr lang="en-US" dirty="0"/>
-              <a:t>(10,20)</a:t>
+              <a:t>np.full</a:t>
+            </a:r>
+            <a:r>
+              <a:rPr lang="en-US" dirty="0"/>
+              <a:t>((2,2),10)</a:t>
             </a:r>
           </a:p>
           <a:p>
@@ -8542,112 +11462,20 @@
           </a:p>
           <a:p>
             <a:r>
-              <a:rPr lang="en-US" dirty="0">
-                <a:solidFill>
-                  <a:srgbClr val="FF0000"/>
-                </a:solidFill>
-              </a:rPr>
+              <a:rPr lang="en-US" dirty="0"/>
               <a:t>Output:</a:t>
             </a:r>
           </a:p>
           <a:p>
             <a:r>
               <a:rPr lang="en-US" dirty="0"/>
-              <a:t> array([10,11,12,13,14,15,16,17,18,19])</a:t>
-            </a:r>
-            <a:endParaRPr lang="en-IN" dirty="0"/>
-          </a:p>
-        </p:txBody>
-      </p:sp>
-      <p:sp>
-        <p:nvSpPr>
-          <p:cNvPr id="6" name="Rectangle: Diagonal Corners Rounded 5">
-            <a:extLst>
-              <a:ext uri="{FF2B5EF4-FFF2-40B4-BE49-F238E27FC236}">
-                <a16:creationId xmlns:a16="http://schemas.microsoft.com/office/drawing/2014/main" id="{AC660A26-A63F-4CDE-84FF-96C39815A984}"/>
-              </a:ext>
-            </a:extLst>
-          </p:cNvPr>
-          <p:cNvSpPr/>
-          <p:nvPr/>
-        </p:nvSpPr>
-        <p:spPr>
-          <a:xfrm>
-            <a:off x="2476870" y="4634143"/>
-            <a:ext cx="5184559" cy="1864311"/>
-          </a:xfrm>
-          <a:prstGeom prst="round2DiagRect">
-            <a:avLst/>
-          </a:prstGeom>
-        </p:spPr>
-        <p:style>
-          <a:lnRef idx="2">
-            <a:schemeClr val="dk1"/>
-          </a:lnRef>
-          <a:fillRef idx="1">
-            <a:schemeClr val="lt1"/>
-          </a:fillRef>
-          <a:effectRef idx="0">
-            <a:schemeClr val="dk1"/>
-          </a:effectRef>
-          <a:fontRef idx="minor">
-            <a:schemeClr val="dk1"/>
-          </a:fontRef>
-        </p:style>
-        <p:txBody>
-          <a:bodyPr rtlCol="0" anchor="ctr"/>
-          <a:lstStyle/>
-          <a:p>
-            <a:r>
-              <a:rPr lang="en-US" dirty="0"/>
-              <a:t> import </a:t>
-            </a:r>
-            <a:r>
-              <a:rPr lang="en-US" dirty="0" err="1"/>
-              <a:t>numpy</a:t>
-            </a:r>
-            <a:r>
-              <a:rPr lang="en-US" dirty="0"/>
-              <a:t> as np</a:t>
-            </a:r>
-          </a:p>
-          <a:p>
-            <a:r>
-              <a:rPr lang="en-US" dirty="0"/>
-              <a:t>  n1=</a:t>
-            </a:r>
-            <a:r>
-              <a:rPr lang="en-US" dirty="0" err="1"/>
-              <a:t>np.arange</a:t>
-            </a:r>
-            <a:r>
-              <a:rPr lang="en-US" dirty="0"/>
-              <a:t>(10,50,5)</a:t>
-            </a:r>
-          </a:p>
-          <a:p>
-            <a:r>
-              <a:rPr lang="en-US" dirty="0"/>
-              <a:t> print(n1)</a:t>
-            </a:r>
-          </a:p>
-          <a:p>
-            <a:endParaRPr lang="en-US" dirty="0"/>
-          </a:p>
-          <a:p>
-            <a:r>
-              <a:rPr lang="en-US" dirty="0">
-                <a:solidFill>
-                  <a:srgbClr val="FF0000"/>
-                </a:solidFill>
-              </a:rPr>
-              <a:t>Output:</a:t>
-            </a:r>
-          </a:p>
-          <a:p>
-            <a:r>
-              <a:rPr lang="en-US" dirty="0"/>
-              <a:t> array([10,15,20,25,30,35,40,45])</a:t>
+              <a:t> array([[10,10],</a:t>
+            </a:r>
+          </a:p>
+          <a:p>
+            <a:r>
+              <a:rPr lang="en-US" dirty="0"/>
+              <a:t>             [10,10]])</a:t>
             </a:r>
             <a:endParaRPr lang="en-IN" dirty="0"/>
           </a:p>
@@ -8656,7 +11484,7 @@
     </p:spTree>
     <p:extLst>
       <p:ext uri="{BB962C8B-B14F-4D97-AF65-F5344CB8AC3E}">
-        <p14:creationId xmlns:p14="http://schemas.microsoft.com/office/powerpoint/2010/main" val="487310488"/>
+        <p14:creationId xmlns:p14="http://schemas.microsoft.com/office/powerpoint/2010/main" val="3863932705"/>
       </p:ext>
     </p:extLst>
   </p:cSld>
@@ -8688,7 +11516,7 @@
           <p:cNvPr id="4" name="Rectangle: Rounded Corners 3">
             <a:extLst>
               <a:ext uri="{FF2B5EF4-FFF2-40B4-BE49-F238E27FC236}">
-                <a16:creationId xmlns:a16="http://schemas.microsoft.com/office/drawing/2014/main" id="{BE492C80-B930-4399-AF64-507E6AD0EDFF}"/>
+                <a16:creationId xmlns:a16="http://schemas.microsoft.com/office/drawing/2014/main" id="{24DA834F-0D15-422C-9AD5-EB99577BF2E3}"/>
               </a:ext>
             </a:extLst>
           </p:cNvPr>
@@ -8697,8 +11525,8 @@
         </p:nvSpPr>
         <p:spPr>
           <a:xfrm>
-            <a:off x="2139518" y="1003177"/>
-            <a:ext cx="6498455" cy="701336"/>
+            <a:off x="2272683" y="1171852"/>
+            <a:ext cx="6471822" cy="594804"/>
           </a:xfrm>
           <a:prstGeom prst="roundRect">
             <a:avLst/>
@@ -8725,7 +11553,7 @@
             <a:pPr algn="ctr"/>
             <a:r>
               <a:rPr lang="en-US" dirty="0"/>
-              <a:t>Initializing NumPy array with random numbers.</a:t>
+              <a:t>Initializing NumPy array within a range.</a:t>
             </a:r>
             <a:endParaRPr lang="en-IN" dirty="0"/>
           </a:p>
@@ -8736,7 +11564,7 @@
           <p:cNvPr id="5" name="Rectangle: Diagonal Corners Rounded 4">
             <a:extLst>
               <a:ext uri="{FF2B5EF4-FFF2-40B4-BE49-F238E27FC236}">
-                <a16:creationId xmlns:a16="http://schemas.microsoft.com/office/drawing/2014/main" id="{E0B6DEC4-9A8D-436A-A52F-2E98CE2ABC6B}"/>
+                <a16:creationId xmlns:a16="http://schemas.microsoft.com/office/drawing/2014/main" id="{1C7B1C4E-D1B5-402B-A5D8-5D8D1E46E44D}"/>
               </a:ext>
             </a:extLst>
           </p:cNvPr>
@@ -8745,8 +11573,8 @@
         </p:nvSpPr>
         <p:spPr>
           <a:xfrm>
-            <a:off x="2565647" y="2769833"/>
-            <a:ext cx="5282213" cy="2059619"/>
+            <a:off x="2476870" y="2343705"/>
+            <a:ext cx="5184559" cy="1864311"/>
           </a:xfrm>
           <a:prstGeom prst="round2DiagRect">
             <a:avLst/>
@@ -8790,11 +11618,11 @@
             </a:r>
             <a:r>
               <a:rPr lang="en-US" dirty="0" err="1"/>
-              <a:t>np.random.randint</a:t>
-            </a:r>
-            <a:r>
-              <a:rPr lang="en-US" dirty="0"/>
-              <a:t>(1,100,5)</a:t>
+              <a:t>np.arange</a:t>
+            </a:r>
+            <a:r>
+              <a:rPr lang="en-US" dirty="0"/>
+              <a:t>(10,20)</a:t>
             </a:r>
           </a:p>
           <a:p>
@@ -8808,14 +11636,112 @@
           </a:p>
           <a:p>
             <a:r>
-              <a:rPr lang="en-US" dirty="0"/>
+              <a:rPr lang="en-US" dirty="0">
+                <a:solidFill>
+                  <a:srgbClr val="FF0000"/>
+                </a:solidFill>
+              </a:rPr>
               <a:t>Output:</a:t>
             </a:r>
           </a:p>
           <a:p>
             <a:r>
               <a:rPr lang="en-US" dirty="0"/>
-              <a:t> array([95,88,26,22,76])</a:t>
+              <a:t> array([10,11,12,13,14,15,16,17,18,19])</a:t>
+            </a:r>
+            <a:endParaRPr lang="en-IN" dirty="0"/>
+          </a:p>
+        </p:txBody>
+      </p:sp>
+      <p:sp>
+        <p:nvSpPr>
+          <p:cNvPr id="6" name="Rectangle: Diagonal Corners Rounded 5">
+            <a:extLst>
+              <a:ext uri="{FF2B5EF4-FFF2-40B4-BE49-F238E27FC236}">
+                <a16:creationId xmlns:a16="http://schemas.microsoft.com/office/drawing/2014/main" id="{AC660A26-A63F-4CDE-84FF-96C39815A984}"/>
+              </a:ext>
+            </a:extLst>
+          </p:cNvPr>
+          <p:cNvSpPr/>
+          <p:nvPr/>
+        </p:nvSpPr>
+        <p:spPr>
+          <a:xfrm>
+            <a:off x="2476870" y="4634143"/>
+            <a:ext cx="5184559" cy="1864311"/>
+          </a:xfrm>
+          <a:prstGeom prst="round2DiagRect">
+            <a:avLst/>
+          </a:prstGeom>
+        </p:spPr>
+        <p:style>
+          <a:lnRef idx="2">
+            <a:schemeClr val="dk1"/>
+          </a:lnRef>
+          <a:fillRef idx="1">
+            <a:schemeClr val="lt1"/>
+          </a:fillRef>
+          <a:effectRef idx="0">
+            <a:schemeClr val="dk1"/>
+          </a:effectRef>
+          <a:fontRef idx="minor">
+            <a:schemeClr val="dk1"/>
+          </a:fontRef>
+        </p:style>
+        <p:txBody>
+          <a:bodyPr rtlCol="0" anchor="ctr"/>
+          <a:lstStyle/>
+          <a:p>
+            <a:r>
+              <a:rPr lang="en-US" dirty="0"/>
+              <a:t> import </a:t>
+            </a:r>
+            <a:r>
+              <a:rPr lang="en-US" dirty="0" err="1"/>
+              <a:t>numpy</a:t>
+            </a:r>
+            <a:r>
+              <a:rPr lang="en-US" dirty="0"/>
+              <a:t> as np</a:t>
+            </a:r>
+          </a:p>
+          <a:p>
+            <a:r>
+              <a:rPr lang="en-US" dirty="0"/>
+              <a:t>  n1=</a:t>
+            </a:r>
+            <a:r>
+              <a:rPr lang="en-US" dirty="0" err="1"/>
+              <a:t>np.arange</a:t>
+            </a:r>
+            <a:r>
+              <a:rPr lang="en-US" dirty="0"/>
+              <a:t>(10,50,5)</a:t>
+            </a:r>
+          </a:p>
+          <a:p>
+            <a:r>
+              <a:rPr lang="en-US" dirty="0"/>
+              <a:t> print(n1)</a:t>
+            </a:r>
+          </a:p>
+          <a:p>
+            <a:endParaRPr lang="en-US" dirty="0"/>
+          </a:p>
+          <a:p>
+            <a:r>
+              <a:rPr lang="en-US" dirty="0">
+                <a:solidFill>
+                  <a:srgbClr val="FF0000"/>
+                </a:solidFill>
+              </a:rPr>
+              <a:t>Output:</a:t>
+            </a:r>
+          </a:p>
+          <a:p>
+            <a:r>
+              <a:rPr lang="en-US" dirty="0"/>
+              <a:t> array([10,15,20,25,30,35,40,45])</a:t>
             </a:r>
             <a:endParaRPr lang="en-IN" dirty="0"/>
           </a:p>
@@ -8824,7 +11750,7 @@
     </p:spTree>
     <p:extLst>
       <p:ext uri="{BB962C8B-B14F-4D97-AF65-F5344CB8AC3E}">
-        <p14:creationId xmlns:p14="http://schemas.microsoft.com/office/powerpoint/2010/main" val="4030749673"/>
+        <p14:creationId xmlns:p14="http://schemas.microsoft.com/office/powerpoint/2010/main" val="487310488"/>
       </p:ext>
     </p:extLst>
   </p:cSld>
